--- a/1_Protocol/1_2_Planned_Analysis/1_2_2_OUTPUT/SALT.pptx
+++ b/1_Protocol/1_2_Planned_Analysis/1_2_2_OUTPUT/SALT.pptx
@@ -107,6 +107,32 @@
       </a:defRPr>
     </a:lvl9pPr>
   </p:defaultTextStyle>
+  <p:extLst>
+    <p:ext uri="{EFAFB233-063F-42B5-8137-9DF3F51BA10A}">
+      <p15:sldGuideLst xmlns:p15="http://schemas.microsoft.com/office/powerpoint/2012/main">
+        <p15:guide id="1" pos="1005" userDrawn="1">
+          <p15:clr>
+            <a:srgbClr val="A4A3A4"/>
+          </p15:clr>
+        </p15:guide>
+        <p15:guide id="2" orient="horz" pos="686" userDrawn="1">
+          <p15:clr>
+            <a:srgbClr val="A4A3A4"/>
+          </p15:clr>
+        </p15:guide>
+        <p15:guide id="3" orient="horz" pos="1049" userDrawn="1">
+          <p15:clr>
+            <a:srgbClr val="A4A3A4"/>
+          </p15:clr>
+        </p15:guide>
+        <p15:guide id="4" orient="horz" pos="2682" userDrawn="1">
+          <p15:clr>
+            <a:srgbClr val="A4A3A4"/>
+          </p15:clr>
+        </p15:guide>
+      </p15:sldGuideLst>
+    </p:ext>
+  </p:extLst>
 </p:presentation>
 </file>
 
@@ -152,7 +178,7 @@
           </a:lstStyle>
           <a:p>
             <a:r>
-              <a:rPr lang="zh-CN" altLang="en-US" smtClean="0"/>
+              <a:rPr lang="zh-CN" altLang="en-US"/>
               <a:t>单击此处编辑母版标题样式</a:t>
             </a:r>
             <a:endParaRPr lang="zh-TW" altLang="en-US"/>
@@ -217,7 +243,7 @@
           </a:lstStyle>
           <a:p>
             <a:r>
-              <a:rPr lang="zh-CN" altLang="en-US" smtClean="0"/>
+              <a:rPr lang="zh-CN" altLang="en-US"/>
               <a:t>单击此处编辑母版副标题样式</a:t>
             </a:r>
             <a:endParaRPr lang="zh-TW" altLang="en-US"/>
@@ -241,7 +267,7 @@
           <a:p>
             <a:fld id="{1C0A0098-AADB-4028-80F8-1CEEF4DE9F6F}" type="datetimeFigureOut">
               <a:rPr lang="zh-TW" altLang="en-US" smtClean="0"/>
-              <a:t>2023/2/27</a:t>
+              <a:t>2023/8/21</a:t>
             </a:fld>
             <a:endParaRPr lang="zh-TW" altLang="en-US"/>
           </a:p>
@@ -335,7 +361,7 @@
           <a:lstStyle/>
           <a:p>
             <a:r>
-              <a:rPr lang="zh-CN" altLang="en-US" smtClean="0"/>
+              <a:rPr lang="zh-CN" altLang="en-US"/>
               <a:t>单击此处编辑母版标题样式</a:t>
             </a:r>
             <a:endParaRPr lang="zh-TW" altLang="en-US"/>
@@ -359,35 +385,35 @@
           <a:p>
             <a:pPr lvl="0"/>
             <a:r>
-              <a:rPr lang="zh-CN" altLang="en-US" smtClean="0"/>
+              <a:rPr lang="zh-CN" altLang="en-US"/>
               <a:t>单击此处编辑母版文本样式</a:t>
             </a:r>
           </a:p>
           <a:p>
             <a:pPr lvl="1"/>
             <a:r>
-              <a:rPr lang="zh-CN" altLang="en-US" smtClean="0"/>
+              <a:rPr lang="zh-CN" altLang="en-US"/>
               <a:t>第二级</a:t>
             </a:r>
           </a:p>
           <a:p>
             <a:pPr lvl="2"/>
             <a:r>
-              <a:rPr lang="zh-CN" altLang="en-US" smtClean="0"/>
+              <a:rPr lang="zh-CN" altLang="en-US"/>
               <a:t>第三级</a:t>
             </a:r>
           </a:p>
           <a:p>
             <a:pPr lvl="3"/>
             <a:r>
-              <a:rPr lang="zh-CN" altLang="en-US" smtClean="0"/>
+              <a:rPr lang="zh-CN" altLang="en-US"/>
               <a:t>第四级</a:t>
             </a:r>
           </a:p>
           <a:p>
             <a:pPr lvl="4"/>
             <a:r>
-              <a:rPr lang="zh-CN" altLang="en-US" smtClean="0"/>
+              <a:rPr lang="zh-CN" altLang="en-US"/>
               <a:t>第五级</a:t>
             </a:r>
             <a:endParaRPr lang="zh-TW" altLang="en-US"/>
@@ -411,7 +437,7 @@
           <a:p>
             <a:fld id="{1C0A0098-AADB-4028-80F8-1CEEF4DE9F6F}" type="datetimeFigureOut">
               <a:rPr lang="zh-TW" altLang="en-US" smtClean="0"/>
-              <a:t>2023/2/27</a:t>
+              <a:t>2023/8/21</a:t>
             </a:fld>
             <a:endParaRPr lang="zh-TW" altLang="en-US"/>
           </a:p>
@@ -510,7 +536,7 @@
           <a:lstStyle/>
           <a:p>
             <a:r>
-              <a:rPr lang="zh-CN" altLang="en-US" smtClean="0"/>
+              <a:rPr lang="zh-CN" altLang="en-US"/>
               <a:t>单击此处编辑母版标题样式</a:t>
             </a:r>
             <a:endParaRPr lang="zh-TW" altLang="en-US"/>
@@ -539,35 +565,35 @@
           <a:p>
             <a:pPr lvl="0"/>
             <a:r>
-              <a:rPr lang="zh-CN" altLang="en-US" smtClean="0"/>
+              <a:rPr lang="zh-CN" altLang="en-US"/>
               <a:t>单击此处编辑母版文本样式</a:t>
             </a:r>
           </a:p>
           <a:p>
             <a:pPr lvl="1"/>
             <a:r>
-              <a:rPr lang="zh-CN" altLang="en-US" smtClean="0"/>
+              <a:rPr lang="zh-CN" altLang="en-US"/>
               <a:t>第二级</a:t>
             </a:r>
           </a:p>
           <a:p>
             <a:pPr lvl="2"/>
             <a:r>
-              <a:rPr lang="zh-CN" altLang="en-US" smtClean="0"/>
+              <a:rPr lang="zh-CN" altLang="en-US"/>
               <a:t>第三级</a:t>
             </a:r>
           </a:p>
           <a:p>
             <a:pPr lvl="3"/>
             <a:r>
-              <a:rPr lang="zh-CN" altLang="en-US" smtClean="0"/>
+              <a:rPr lang="zh-CN" altLang="en-US"/>
               <a:t>第四级</a:t>
             </a:r>
           </a:p>
           <a:p>
             <a:pPr lvl="4"/>
             <a:r>
-              <a:rPr lang="zh-CN" altLang="en-US" smtClean="0"/>
+              <a:rPr lang="zh-CN" altLang="en-US"/>
               <a:t>第五级</a:t>
             </a:r>
             <a:endParaRPr lang="zh-TW" altLang="en-US"/>
@@ -591,7 +617,7 @@
           <a:p>
             <a:fld id="{1C0A0098-AADB-4028-80F8-1CEEF4DE9F6F}" type="datetimeFigureOut">
               <a:rPr lang="zh-TW" altLang="en-US" smtClean="0"/>
-              <a:t>2023/2/27</a:t>
+              <a:t>2023/8/21</a:t>
             </a:fld>
             <a:endParaRPr lang="zh-TW" altLang="en-US"/>
           </a:p>
@@ -685,7 +711,7 @@
           <a:lstStyle/>
           <a:p>
             <a:r>
-              <a:rPr lang="zh-CN" altLang="en-US" smtClean="0"/>
+              <a:rPr lang="zh-CN" altLang="en-US"/>
               <a:t>单击此处编辑母版标题样式</a:t>
             </a:r>
             <a:endParaRPr lang="zh-TW" altLang="en-US"/>
@@ -709,35 +735,35 @@
           <a:p>
             <a:pPr lvl="0"/>
             <a:r>
-              <a:rPr lang="zh-CN" altLang="en-US" smtClean="0"/>
+              <a:rPr lang="zh-CN" altLang="en-US"/>
               <a:t>单击此处编辑母版文本样式</a:t>
             </a:r>
           </a:p>
           <a:p>
             <a:pPr lvl="1"/>
             <a:r>
-              <a:rPr lang="zh-CN" altLang="en-US" smtClean="0"/>
+              <a:rPr lang="zh-CN" altLang="en-US"/>
               <a:t>第二级</a:t>
             </a:r>
           </a:p>
           <a:p>
             <a:pPr lvl="2"/>
             <a:r>
-              <a:rPr lang="zh-CN" altLang="en-US" smtClean="0"/>
+              <a:rPr lang="zh-CN" altLang="en-US"/>
               <a:t>第三级</a:t>
             </a:r>
           </a:p>
           <a:p>
             <a:pPr lvl="3"/>
             <a:r>
-              <a:rPr lang="zh-CN" altLang="en-US" smtClean="0"/>
+              <a:rPr lang="zh-CN" altLang="en-US"/>
               <a:t>第四级</a:t>
             </a:r>
           </a:p>
           <a:p>
             <a:pPr lvl="4"/>
             <a:r>
-              <a:rPr lang="zh-CN" altLang="en-US" smtClean="0"/>
+              <a:rPr lang="zh-CN" altLang="en-US"/>
               <a:t>第五级</a:t>
             </a:r>
             <a:endParaRPr lang="zh-TW" altLang="en-US"/>
@@ -761,7 +787,7 @@
           <a:p>
             <a:fld id="{1C0A0098-AADB-4028-80F8-1CEEF4DE9F6F}" type="datetimeFigureOut">
               <a:rPr lang="zh-TW" altLang="en-US" smtClean="0"/>
-              <a:t>2023/2/27</a:t>
+              <a:t>2023/8/21</a:t>
             </a:fld>
             <a:endParaRPr lang="zh-TW" altLang="en-US"/>
           </a:p>
@@ -864,7 +890,7 @@
           </a:lstStyle>
           <a:p>
             <a:r>
-              <a:rPr lang="zh-CN" altLang="en-US" smtClean="0"/>
+              <a:rPr lang="zh-CN" altLang="en-US"/>
               <a:t>单击此处编辑母版标题样式</a:t>
             </a:r>
             <a:endParaRPr lang="zh-TW" altLang="en-US"/>
@@ -984,7 +1010,7 @@
           <a:p>
             <a:pPr lvl="0"/>
             <a:r>
-              <a:rPr lang="zh-CN" altLang="en-US" smtClean="0"/>
+              <a:rPr lang="zh-CN" altLang="en-US"/>
               <a:t>单击此处编辑母版文本样式</a:t>
             </a:r>
           </a:p>
@@ -1007,7 +1033,7 @@
           <a:p>
             <a:fld id="{1C0A0098-AADB-4028-80F8-1CEEF4DE9F6F}" type="datetimeFigureOut">
               <a:rPr lang="zh-TW" altLang="en-US" smtClean="0"/>
-              <a:t>2023/2/27</a:t>
+              <a:t>2023/8/21</a:t>
             </a:fld>
             <a:endParaRPr lang="zh-TW" altLang="en-US"/>
           </a:p>
@@ -1101,7 +1127,7 @@
           <a:lstStyle/>
           <a:p>
             <a:r>
-              <a:rPr lang="zh-CN" altLang="en-US" smtClean="0"/>
+              <a:rPr lang="zh-CN" altLang="en-US"/>
               <a:t>单击此处编辑母版标题样式</a:t>
             </a:r>
             <a:endParaRPr lang="zh-TW" altLang="en-US"/>
@@ -1130,35 +1156,35 @@
           <a:p>
             <a:pPr lvl="0"/>
             <a:r>
-              <a:rPr lang="zh-CN" altLang="en-US" smtClean="0"/>
+              <a:rPr lang="zh-CN" altLang="en-US"/>
               <a:t>单击此处编辑母版文本样式</a:t>
             </a:r>
           </a:p>
           <a:p>
             <a:pPr lvl="1"/>
             <a:r>
-              <a:rPr lang="zh-CN" altLang="en-US" smtClean="0"/>
+              <a:rPr lang="zh-CN" altLang="en-US"/>
               <a:t>第二级</a:t>
             </a:r>
           </a:p>
           <a:p>
             <a:pPr lvl="2"/>
             <a:r>
-              <a:rPr lang="zh-CN" altLang="en-US" smtClean="0"/>
+              <a:rPr lang="zh-CN" altLang="en-US"/>
               <a:t>第三级</a:t>
             </a:r>
           </a:p>
           <a:p>
             <a:pPr lvl="3"/>
             <a:r>
-              <a:rPr lang="zh-CN" altLang="en-US" smtClean="0"/>
+              <a:rPr lang="zh-CN" altLang="en-US"/>
               <a:t>第四级</a:t>
             </a:r>
           </a:p>
           <a:p>
             <a:pPr lvl="4"/>
             <a:r>
-              <a:rPr lang="zh-CN" altLang="en-US" smtClean="0"/>
+              <a:rPr lang="zh-CN" altLang="en-US"/>
               <a:t>第五级</a:t>
             </a:r>
             <a:endParaRPr lang="zh-TW" altLang="en-US"/>
@@ -1187,35 +1213,35 @@
           <a:p>
             <a:pPr lvl="0"/>
             <a:r>
-              <a:rPr lang="zh-CN" altLang="en-US" smtClean="0"/>
+              <a:rPr lang="zh-CN" altLang="en-US"/>
               <a:t>单击此处编辑母版文本样式</a:t>
             </a:r>
           </a:p>
           <a:p>
             <a:pPr lvl="1"/>
             <a:r>
-              <a:rPr lang="zh-CN" altLang="en-US" smtClean="0"/>
+              <a:rPr lang="zh-CN" altLang="en-US"/>
               <a:t>第二级</a:t>
             </a:r>
           </a:p>
           <a:p>
             <a:pPr lvl="2"/>
             <a:r>
-              <a:rPr lang="zh-CN" altLang="en-US" smtClean="0"/>
+              <a:rPr lang="zh-CN" altLang="en-US"/>
               <a:t>第三级</a:t>
             </a:r>
           </a:p>
           <a:p>
             <a:pPr lvl="3"/>
             <a:r>
-              <a:rPr lang="zh-CN" altLang="en-US" smtClean="0"/>
+              <a:rPr lang="zh-CN" altLang="en-US"/>
               <a:t>第四级</a:t>
             </a:r>
           </a:p>
           <a:p>
             <a:pPr lvl="4"/>
             <a:r>
-              <a:rPr lang="zh-CN" altLang="en-US" smtClean="0"/>
+              <a:rPr lang="zh-CN" altLang="en-US"/>
               <a:t>第五级</a:t>
             </a:r>
             <a:endParaRPr lang="zh-TW" altLang="en-US"/>
@@ -1239,7 +1265,7 @@
           <a:p>
             <a:fld id="{1C0A0098-AADB-4028-80F8-1CEEF4DE9F6F}" type="datetimeFigureOut">
               <a:rPr lang="zh-TW" altLang="en-US" smtClean="0"/>
-              <a:t>2023/2/27</a:t>
+              <a:t>2023/8/21</a:t>
             </a:fld>
             <a:endParaRPr lang="zh-TW" altLang="en-US"/>
           </a:p>
@@ -1338,7 +1364,7 @@
           <a:lstStyle/>
           <a:p>
             <a:r>
-              <a:rPr lang="zh-CN" altLang="en-US" smtClean="0"/>
+              <a:rPr lang="zh-CN" altLang="en-US"/>
               <a:t>单击此处编辑母版标题样式</a:t>
             </a:r>
             <a:endParaRPr lang="zh-TW" altLang="en-US"/>
@@ -1404,7 +1430,7 @@
           <a:p>
             <a:pPr lvl="0"/>
             <a:r>
-              <a:rPr lang="zh-CN" altLang="en-US" smtClean="0"/>
+              <a:rPr lang="zh-CN" altLang="en-US"/>
               <a:t>单击此处编辑母版文本样式</a:t>
             </a:r>
           </a:p>
@@ -1432,35 +1458,35 @@
           <a:p>
             <a:pPr lvl="0"/>
             <a:r>
-              <a:rPr lang="zh-CN" altLang="en-US" smtClean="0"/>
+              <a:rPr lang="zh-CN" altLang="en-US"/>
               <a:t>单击此处编辑母版文本样式</a:t>
             </a:r>
           </a:p>
           <a:p>
             <a:pPr lvl="1"/>
             <a:r>
-              <a:rPr lang="zh-CN" altLang="en-US" smtClean="0"/>
+              <a:rPr lang="zh-CN" altLang="en-US"/>
               <a:t>第二级</a:t>
             </a:r>
           </a:p>
           <a:p>
             <a:pPr lvl="2"/>
             <a:r>
-              <a:rPr lang="zh-CN" altLang="en-US" smtClean="0"/>
+              <a:rPr lang="zh-CN" altLang="en-US"/>
               <a:t>第三级</a:t>
             </a:r>
           </a:p>
           <a:p>
             <a:pPr lvl="3"/>
             <a:r>
-              <a:rPr lang="zh-CN" altLang="en-US" smtClean="0"/>
+              <a:rPr lang="zh-CN" altLang="en-US"/>
               <a:t>第四级</a:t>
             </a:r>
           </a:p>
           <a:p>
             <a:pPr lvl="4"/>
             <a:r>
-              <a:rPr lang="zh-CN" altLang="en-US" smtClean="0"/>
+              <a:rPr lang="zh-CN" altLang="en-US"/>
               <a:t>第五级</a:t>
             </a:r>
             <a:endParaRPr lang="zh-TW" altLang="en-US"/>
@@ -1526,7 +1552,7 @@
           <a:p>
             <a:pPr lvl="0"/>
             <a:r>
-              <a:rPr lang="zh-CN" altLang="en-US" smtClean="0"/>
+              <a:rPr lang="zh-CN" altLang="en-US"/>
               <a:t>单击此处编辑母版文本样式</a:t>
             </a:r>
           </a:p>
@@ -1554,35 +1580,35 @@
           <a:p>
             <a:pPr lvl="0"/>
             <a:r>
-              <a:rPr lang="zh-CN" altLang="en-US" smtClean="0"/>
+              <a:rPr lang="zh-CN" altLang="en-US"/>
               <a:t>单击此处编辑母版文本样式</a:t>
             </a:r>
           </a:p>
           <a:p>
             <a:pPr lvl="1"/>
             <a:r>
-              <a:rPr lang="zh-CN" altLang="en-US" smtClean="0"/>
+              <a:rPr lang="zh-CN" altLang="en-US"/>
               <a:t>第二级</a:t>
             </a:r>
           </a:p>
           <a:p>
             <a:pPr lvl="2"/>
             <a:r>
-              <a:rPr lang="zh-CN" altLang="en-US" smtClean="0"/>
+              <a:rPr lang="zh-CN" altLang="en-US"/>
               <a:t>第三级</a:t>
             </a:r>
           </a:p>
           <a:p>
             <a:pPr lvl="3"/>
             <a:r>
-              <a:rPr lang="zh-CN" altLang="en-US" smtClean="0"/>
+              <a:rPr lang="zh-CN" altLang="en-US"/>
               <a:t>第四级</a:t>
             </a:r>
           </a:p>
           <a:p>
             <a:pPr lvl="4"/>
             <a:r>
-              <a:rPr lang="zh-CN" altLang="en-US" smtClean="0"/>
+              <a:rPr lang="zh-CN" altLang="en-US"/>
               <a:t>第五级</a:t>
             </a:r>
             <a:endParaRPr lang="zh-TW" altLang="en-US"/>
@@ -1606,7 +1632,7 @@
           <a:p>
             <a:fld id="{1C0A0098-AADB-4028-80F8-1CEEF4DE9F6F}" type="datetimeFigureOut">
               <a:rPr lang="zh-TW" altLang="en-US" smtClean="0"/>
-              <a:t>2023/2/27</a:t>
+              <a:t>2023/8/21</a:t>
             </a:fld>
             <a:endParaRPr lang="zh-TW" altLang="en-US"/>
           </a:p>
@@ -1700,7 +1726,7 @@
           <a:lstStyle/>
           <a:p>
             <a:r>
-              <a:rPr lang="zh-CN" altLang="en-US" smtClean="0"/>
+              <a:rPr lang="zh-CN" altLang="en-US"/>
               <a:t>单击此处编辑母版标题样式</a:t>
             </a:r>
             <a:endParaRPr lang="zh-TW" altLang="en-US"/>
@@ -1724,7 +1750,7 @@
           <a:p>
             <a:fld id="{1C0A0098-AADB-4028-80F8-1CEEF4DE9F6F}" type="datetimeFigureOut">
               <a:rPr lang="zh-TW" altLang="en-US" smtClean="0"/>
-              <a:t>2023/2/27</a:t>
+              <a:t>2023/8/21</a:t>
             </a:fld>
             <a:endParaRPr lang="zh-TW" altLang="en-US"/>
           </a:p>
@@ -1819,7 +1845,7 @@
           <a:p>
             <a:fld id="{1C0A0098-AADB-4028-80F8-1CEEF4DE9F6F}" type="datetimeFigureOut">
               <a:rPr lang="zh-TW" altLang="en-US" smtClean="0"/>
-              <a:t>2023/2/27</a:t>
+              <a:t>2023/8/21</a:t>
             </a:fld>
             <a:endParaRPr lang="zh-TW" altLang="en-US"/>
           </a:p>
@@ -1922,7 +1948,7 @@
           </a:lstStyle>
           <a:p>
             <a:r>
-              <a:rPr lang="zh-CN" altLang="en-US" smtClean="0"/>
+              <a:rPr lang="zh-CN" altLang="en-US"/>
               <a:t>单击此处编辑母版标题样式</a:t>
             </a:r>
             <a:endParaRPr lang="zh-TW" altLang="en-US"/>
@@ -1979,35 +2005,35 @@
           <a:p>
             <a:pPr lvl="0"/>
             <a:r>
-              <a:rPr lang="zh-CN" altLang="en-US" smtClean="0"/>
+              <a:rPr lang="zh-CN" altLang="en-US"/>
               <a:t>单击此处编辑母版文本样式</a:t>
             </a:r>
           </a:p>
           <a:p>
             <a:pPr lvl="1"/>
             <a:r>
-              <a:rPr lang="zh-CN" altLang="en-US" smtClean="0"/>
+              <a:rPr lang="zh-CN" altLang="en-US"/>
               <a:t>第二级</a:t>
             </a:r>
           </a:p>
           <a:p>
             <a:pPr lvl="2"/>
             <a:r>
-              <a:rPr lang="zh-CN" altLang="en-US" smtClean="0"/>
+              <a:rPr lang="zh-CN" altLang="en-US"/>
               <a:t>第三级</a:t>
             </a:r>
           </a:p>
           <a:p>
             <a:pPr lvl="3"/>
             <a:r>
-              <a:rPr lang="zh-CN" altLang="en-US" smtClean="0"/>
+              <a:rPr lang="zh-CN" altLang="en-US"/>
               <a:t>第四级</a:t>
             </a:r>
           </a:p>
           <a:p>
             <a:pPr lvl="4"/>
             <a:r>
-              <a:rPr lang="zh-CN" altLang="en-US" smtClean="0"/>
+              <a:rPr lang="zh-CN" altLang="en-US"/>
               <a:t>第五级</a:t>
             </a:r>
             <a:endParaRPr lang="zh-TW" altLang="en-US"/>
@@ -2073,7 +2099,7 @@
           <a:p>
             <a:pPr lvl="0"/>
             <a:r>
-              <a:rPr lang="zh-CN" altLang="en-US" smtClean="0"/>
+              <a:rPr lang="zh-CN" altLang="en-US"/>
               <a:t>单击此处编辑母版文本样式</a:t>
             </a:r>
           </a:p>
@@ -2096,7 +2122,7 @@
           <a:p>
             <a:fld id="{1C0A0098-AADB-4028-80F8-1CEEF4DE9F6F}" type="datetimeFigureOut">
               <a:rPr lang="zh-TW" altLang="en-US" smtClean="0"/>
-              <a:t>2023/2/27</a:t>
+              <a:t>2023/8/21</a:t>
             </a:fld>
             <a:endParaRPr lang="zh-TW" altLang="en-US"/>
           </a:p>
@@ -2199,7 +2225,7 @@
           </a:lstStyle>
           <a:p>
             <a:r>
-              <a:rPr lang="zh-CN" altLang="en-US" smtClean="0"/>
+              <a:rPr lang="zh-CN" altLang="en-US"/>
               <a:t>单击此处编辑母版标题样式</a:t>
             </a:r>
             <a:endParaRPr lang="zh-TW" altLang="en-US"/>
@@ -2326,7 +2352,7 @@
           <a:p>
             <a:pPr lvl="0"/>
             <a:r>
-              <a:rPr lang="zh-CN" altLang="en-US" smtClean="0"/>
+              <a:rPr lang="zh-CN" altLang="en-US"/>
               <a:t>单击此处编辑母版文本样式</a:t>
             </a:r>
           </a:p>
@@ -2349,7 +2375,7 @@
           <a:p>
             <a:fld id="{1C0A0098-AADB-4028-80F8-1CEEF4DE9F6F}" type="datetimeFigureOut">
               <a:rPr lang="zh-TW" altLang="en-US" smtClean="0"/>
-              <a:t>2023/2/27</a:t>
+              <a:t>2023/8/21</a:t>
             </a:fld>
             <a:endParaRPr lang="zh-TW" altLang="en-US"/>
           </a:p>
@@ -2458,7 +2484,7 @@
           <a:lstStyle/>
           <a:p>
             <a:r>
-              <a:rPr lang="zh-CN" altLang="en-US" smtClean="0"/>
+              <a:rPr lang="zh-CN" altLang="en-US"/>
               <a:t>单击此处编辑母版标题样式</a:t>
             </a:r>
             <a:endParaRPr lang="zh-TW" altLang="en-US"/>
@@ -2492,35 +2518,35 @@
           <a:p>
             <a:pPr lvl="0"/>
             <a:r>
-              <a:rPr lang="zh-CN" altLang="en-US" smtClean="0"/>
+              <a:rPr lang="zh-CN" altLang="en-US"/>
               <a:t>单击此处编辑母版文本样式</a:t>
             </a:r>
           </a:p>
           <a:p>
             <a:pPr lvl="1"/>
             <a:r>
-              <a:rPr lang="zh-CN" altLang="en-US" smtClean="0"/>
+              <a:rPr lang="zh-CN" altLang="en-US"/>
               <a:t>第二级</a:t>
             </a:r>
           </a:p>
           <a:p>
             <a:pPr lvl="2"/>
             <a:r>
-              <a:rPr lang="zh-CN" altLang="en-US" smtClean="0"/>
+              <a:rPr lang="zh-CN" altLang="en-US"/>
               <a:t>第三级</a:t>
             </a:r>
           </a:p>
           <a:p>
             <a:pPr lvl="3"/>
             <a:r>
-              <a:rPr lang="zh-CN" altLang="en-US" smtClean="0"/>
+              <a:rPr lang="zh-CN" altLang="en-US"/>
               <a:t>第四级</a:t>
             </a:r>
           </a:p>
           <a:p>
             <a:pPr lvl="4"/>
             <a:r>
-              <a:rPr lang="zh-CN" altLang="en-US" smtClean="0"/>
+              <a:rPr lang="zh-CN" altLang="en-US"/>
               <a:t>第五级</a:t>
             </a:r>
             <a:endParaRPr lang="zh-TW" altLang="en-US"/>
@@ -2562,7 +2588,7 @@
           <a:p>
             <a:fld id="{1C0A0098-AADB-4028-80F8-1CEEF4DE9F6F}" type="datetimeFigureOut">
               <a:rPr lang="zh-TW" altLang="en-US" smtClean="0"/>
-              <a:t>2023/2/27</a:t>
+              <a:t>2023/8/21</a:t>
             </a:fld>
             <a:endParaRPr lang="zh-TW" altLang="en-US"/>
           </a:p>
@@ -3040,7 +3066,7 @@
           <a:p>
             <a:pPr algn="ctr"/>
             <a:r>
-              <a:rPr lang="en-US" altLang="zh-TW" sz="3000" b="1" dirty="0" smtClean="0">
+              <a:rPr lang="en-US" altLang="zh-TW" sz="3000" b="1" dirty="0">
                 <a:solidFill>
                   <a:schemeClr val="tx1"/>
                 </a:solidFill>
@@ -3359,7 +3385,7 @@
               <a:lstStyle/>
               <a:p>
                 <a:r>
-                  <a:rPr lang="en-US" altLang="zh-TW" sz="2400" dirty="0" smtClean="0">
+                  <a:rPr lang="en-US" altLang="zh-TW" sz="2400" dirty="0">
                     <a:solidFill>
                       <a:schemeClr val="bg1"/>
                     </a:solidFill>
@@ -3401,7 +3427,7 @@
               <a:lstStyle/>
               <a:p>
                 <a:r>
-                  <a:rPr lang="en-US" altLang="zh-TW" sz="2400" dirty="0" smtClean="0">
+                  <a:rPr lang="en-US" altLang="zh-TW" sz="2400" dirty="0">
                     <a:solidFill>
                       <a:schemeClr val="bg1"/>
                     </a:solidFill>
@@ -3443,7 +3469,7 @@
               <a:lstStyle/>
               <a:p>
                 <a:r>
-                  <a:rPr lang="en-US" altLang="zh-TW" sz="2400" dirty="0" smtClean="0">
+                  <a:rPr lang="en-US" altLang="zh-TW" sz="2400" dirty="0">
                     <a:solidFill>
                       <a:schemeClr val="bg1"/>
                     </a:solidFill>
@@ -3500,7 +3526,7 @@
               <a:lstStyle/>
               <a:p>
                 <a:r>
-                  <a:rPr lang="en-US" altLang="zh-CN" sz="2400" dirty="0" smtClean="0">
+                  <a:rPr lang="en-US" altLang="zh-CN" sz="2400" dirty="0">
                     <a:solidFill>
                       <a:schemeClr val="bg1"/>
                     </a:solidFill>
@@ -3542,7 +3568,7 @@
               <a:lstStyle/>
               <a:p>
                 <a:r>
-                  <a:rPr lang="en-US" altLang="zh-CN" sz="2400" dirty="0" smtClean="0">
+                  <a:rPr lang="en-US" altLang="zh-CN" sz="2400" dirty="0">
                     <a:solidFill>
                       <a:schemeClr val="bg1"/>
                     </a:solidFill>
@@ -3584,7 +3610,7 @@
               <a:lstStyle/>
               <a:p>
                 <a:r>
-                  <a:rPr lang="en-US" altLang="zh-CN" sz="2400" dirty="0" smtClean="0">
+                  <a:rPr lang="en-US" altLang="zh-CN" sz="2400" dirty="0">
                     <a:solidFill>
                       <a:schemeClr val="bg1"/>
                     </a:solidFill>
@@ -3648,16 +3674,26 @@
           <a:p>
             <a:pPr algn="ctr"/>
             <a:r>
-              <a:rPr lang="en-US" altLang="zh-TW" sz="3600" b="1" dirty="0" smtClean="0">
+              <a:rPr lang="en-US" altLang="zh-CN" sz="3300" b="1" dirty="0">
                 <a:solidFill>
                   <a:schemeClr val="tx1"/>
                 </a:solidFill>
                 <a:latin typeface="Times New Roman" panose="02020603050405020304" pitchFamily="18" charset="0"/>
                 <a:cs typeface="Times New Roman" panose="02020603050405020304" pitchFamily="18" charset="0"/>
               </a:rPr>
-              <a:t>Leaning stage</a:t>
-            </a:r>
-            <a:endParaRPr lang="zh-TW" altLang="en-US" sz="3600" b="1" dirty="0">
+              <a:t>Instruction</a:t>
+            </a:r>
+            <a:r>
+              <a:rPr lang="en-US" altLang="zh-TW" sz="3300" b="1" dirty="0">
+                <a:solidFill>
+                  <a:schemeClr val="tx1"/>
+                </a:solidFill>
+                <a:latin typeface="Times New Roman" panose="02020603050405020304" pitchFamily="18" charset="0"/>
+                <a:cs typeface="Times New Roman" panose="02020603050405020304" pitchFamily="18" charset="0"/>
+              </a:rPr>
+              <a:t> Stage</a:t>
+            </a:r>
+            <a:endParaRPr lang="zh-TW" altLang="en-US" sz="3300" b="1" dirty="0">
               <a:solidFill>
                 <a:schemeClr val="tx1"/>
               </a:solidFill>
@@ -3808,20 +3844,20 @@
                 <a:lstStyle/>
                 <a:p>
                   <a:r>
-                    <a:rPr lang="en-US" altLang="zh-TW" sz="1400" dirty="0" smtClean="0">
+                    <a:rPr lang="en-US" altLang="zh-TW" sz="1400" dirty="0">
                       <a:latin typeface="Times New Roman" panose="02020603050405020304" pitchFamily="18" charset="0"/>
                       <a:cs typeface="Times New Roman" panose="02020603050405020304" pitchFamily="18" charset="0"/>
                     </a:rPr>
                     <a:t>500</a:t>
                   </a:r>
                   <a:r>
-                    <a:rPr lang="en-US" altLang="zh-CN" sz="1400" dirty="0" smtClean="0">
+                    <a:rPr lang="en-US" altLang="zh-CN" sz="1400" dirty="0">
                       <a:latin typeface="Times New Roman" panose="02020603050405020304" pitchFamily="18" charset="0"/>
                       <a:cs typeface="Times New Roman" panose="02020603050405020304" pitchFamily="18" charset="0"/>
                     </a:rPr>
                     <a:t>ms</a:t>
                   </a:r>
-                  <a:endParaRPr lang="en-US" altLang="zh-TW" sz="1400" dirty="0" smtClean="0">
+                  <a:endParaRPr lang="en-US" altLang="zh-TW" sz="1400" dirty="0">
                     <a:latin typeface="Times New Roman" panose="02020603050405020304" pitchFamily="18" charset="0"/>
                     <a:cs typeface="Times New Roman" panose="02020603050405020304" pitchFamily="18" charset="0"/>
                   </a:endParaRPr>
@@ -3916,7 +3952,7 @@
                   <a:lstStyle/>
                   <a:p>
                     <a:r>
-                      <a:rPr lang="en-US" altLang="zh-TW" sz="2800" dirty="0" smtClean="0">
+                      <a:rPr lang="en-US" altLang="zh-TW" sz="2800" dirty="0">
                         <a:solidFill>
                           <a:schemeClr val="bg1"/>
                         </a:solidFill>
@@ -4039,7 +4075,7 @@
                   <a:lstStyle/>
                   <a:p>
                     <a:r>
-                      <a:rPr lang="en-US" altLang="zh-TW" sz="2800" dirty="0" smtClean="0">
+                      <a:rPr lang="en-US" altLang="zh-TW" sz="2800" dirty="0">
                         <a:solidFill>
                           <a:schemeClr val="bg1"/>
                         </a:solidFill>
@@ -4133,7 +4169,7 @@
                 <a:lstStyle/>
                 <a:p>
                   <a:r>
-                    <a:rPr lang="en-US" altLang="zh-CN" dirty="0" smtClean="0">
+                    <a:rPr lang="en-US" altLang="zh-CN" dirty="0">
                       <a:solidFill>
                         <a:schemeClr val="bg1"/>
                       </a:solidFill>
@@ -4179,23 +4215,16 @@
                       <a:latin typeface="Times New Roman" panose="02020603050405020304" pitchFamily="18" charset="0"/>
                       <a:cs typeface="Times New Roman" panose="02020603050405020304" pitchFamily="18" charset="0"/>
                     </a:rPr>
-                    <a:t>1</a:t>
+                    <a:t>100</a:t>
                   </a:r>
                   <a:r>
-                    <a:rPr lang="en-US" altLang="zh-TW" sz="1400" dirty="0" smtClean="0">
-                      <a:latin typeface="Times New Roman" panose="02020603050405020304" pitchFamily="18" charset="0"/>
-                      <a:cs typeface="Times New Roman" panose="02020603050405020304" pitchFamily="18" charset="0"/>
-                    </a:rPr>
-                    <a:t>00</a:t>
-                  </a:r>
-                  <a:r>
-                    <a:rPr lang="en-US" altLang="zh-CN" sz="1400" dirty="0" smtClean="0">
+                    <a:rPr lang="en-US" altLang="zh-CN" sz="1400" dirty="0">
                       <a:latin typeface="Times New Roman" panose="02020603050405020304" pitchFamily="18" charset="0"/>
                       <a:cs typeface="Times New Roman" panose="02020603050405020304" pitchFamily="18" charset="0"/>
                     </a:rPr>
                     <a:t>ms</a:t>
                   </a:r>
-                  <a:endParaRPr lang="en-US" altLang="zh-TW" sz="1400" dirty="0" smtClean="0">
+                  <a:endParaRPr lang="en-US" altLang="zh-TW" sz="1400" dirty="0">
                     <a:latin typeface="Times New Roman" panose="02020603050405020304" pitchFamily="18" charset="0"/>
                     <a:cs typeface="Times New Roman" panose="02020603050405020304" pitchFamily="18" charset="0"/>
                   </a:endParaRPr>
@@ -4240,7 +4269,7 @@
                 <a:lstStyle/>
                 <a:p>
                   <a:r>
-                    <a:rPr lang="en-US" altLang="zh-TW" sz="1400" dirty="0" smtClean="0">
+                    <a:rPr lang="en-US" altLang="zh-TW" sz="1400" dirty="0">
                       <a:latin typeface="Times New Roman" panose="02020603050405020304" pitchFamily="18" charset="0"/>
                       <a:cs typeface="Times New Roman" panose="02020603050405020304" pitchFamily="18" charset="0"/>
                     </a:rPr>
@@ -4403,7 +4432,7 @@
                   <a:lstStyle/>
                   <a:p>
                     <a:r>
-                      <a:rPr lang="en-US" altLang="zh-CN" dirty="0" smtClean="0">
+                      <a:rPr lang="en-US" altLang="zh-CN" dirty="0">
                         <a:solidFill>
                           <a:schemeClr val="bg1"/>
                         </a:solidFill>
@@ -4446,20 +4475,20 @@
                 <a:lstStyle/>
                 <a:p>
                   <a:r>
-                    <a:rPr lang="en-US" altLang="zh-TW" sz="1400" dirty="0" smtClean="0">
+                    <a:rPr lang="en-US" altLang="zh-TW" sz="1400" dirty="0">
                       <a:latin typeface="Times New Roman" panose="02020603050405020304" pitchFamily="18" charset="0"/>
                       <a:cs typeface="Times New Roman" panose="02020603050405020304" pitchFamily="18" charset="0"/>
                     </a:rPr>
                     <a:t>500</a:t>
                   </a:r>
                   <a:r>
-                    <a:rPr lang="en-US" altLang="zh-CN" sz="1400" dirty="0" smtClean="0">
+                    <a:rPr lang="en-US" altLang="zh-CN" sz="1400" dirty="0">
                       <a:latin typeface="Times New Roman" panose="02020603050405020304" pitchFamily="18" charset="0"/>
                       <a:cs typeface="Times New Roman" panose="02020603050405020304" pitchFamily="18" charset="0"/>
                     </a:rPr>
                     <a:t>ms</a:t>
                   </a:r>
-                  <a:endParaRPr lang="en-US" altLang="zh-TW" sz="1400" dirty="0" smtClean="0">
+                  <a:endParaRPr lang="en-US" altLang="zh-TW" sz="1400" dirty="0">
                     <a:latin typeface="Times New Roman" panose="02020603050405020304" pitchFamily="18" charset="0"/>
                     <a:cs typeface="Times New Roman" panose="02020603050405020304" pitchFamily="18" charset="0"/>
                   </a:endParaRPr>
@@ -4620,20 +4649,20 @@
                 <a:lstStyle/>
                 <a:p>
                   <a:r>
-                    <a:rPr lang="en-US" altLang="zh-TW" sz="1400" dirty="0" smtClean="0">
+                    <a:rPr lang="en-US" altLang="zh-TW" sz="1400" dirty="0">
                       <a:latin typeface="Times New Roman" panose="02020603050405020304" pitchFamily="18" charset="0"/>
                       <a:cs typeface="Times New Roman" panose="02020603050405020304" pitchFamily="18" charset="0"/>
                     </a:rPr>
                     <a:t>500</a:t>
                   </a:r>
                   <a:r>
-                    <a:rPr lang="en-US" altLang="zh-CN" sz="1400" dirty="0" smtClean="0">
+                    <a:rPr lang="en-US" altLang="zh-CN" sz="1400" dirty="0">
                       <a:latin typeface="Times New Roman" panose="02020603050405020304" pitchFamily="18" charset="0"/>
                       <a:cs typeface="Times New Roman" panose="02020603050405020304" pitchFamily="18" charset="0"/>
                     </a:rPr>
                     <a:t>ms</a:t>
                   </a:r>
-                  <a:endParaRPr lang="en-US" altLang="zh-TW" sz="1400" dirty="0" smtClean="0">
+                  <a:endParaRPr lang="en-US" altLang="zh-TW" sz="1400" dirty="0">
                     <a:latin typeface="Times New Roman" panose="02020603050405020304" pitchFamily="18" charset="0"/>
                     <a:cs typeface="Times New Roman" panose="02020603050405020304" pitchFamily="18" charset="0"/>
                   </a:endParaRPr>
@@ -4728,7 +4757,7 @@
                   <a:lstStyle/>
                   <a:p>
                     <a:r>
-                      <a:rPr lang="en-US" altLang="zh-TW" sz="2800" dirty="0" smtClean="0">
+                      <a:rPr lang="en-US" altLang="zh-TW" sz="2800" dirty="0">
                         <a:solidFill>
                           <a:schemeClr val="bg1"/>
                         </a:solidFill>
@@ -4851,7 +4880,7 @@
                   <a:lstStyle/>
                   <a:p>
                     <a:r>
-                      <a:rPr lang="en-US" altLang="zh-TW" sz="2800" dirty="0" smtClean="0">
+                      <a:rPr lang="en-US" altLang="zh-TW" sz="2800" dirty="0">
                         <a:solidFill>
                           <a:schemeClr val="bg1"/>
                         </a:solidFill>
@@ -4945,7 +4974,7 @@
                 <a:lstStyle/>
                 <a:p>
                   <a:r>
-                    <a:rPr lang="en-US" altLang="zh-CN" dirty="0" smtClean="0">
+                    <a:rPr lang="en-US" altLang="zh-CN" dirty="0">
                       <a:solidFill>
                         <a:schemeClr val="bg1"/>
                       </a:solidFill>
@@ -4991,23 +5020,16 @@
                       <a:latin typeface="Times New Roman" panose="02020603050405020304" pitchFamily="18" charset="0"/>
                       <a:cs typeface="Times New Roman" panose="02020603050405020304" pitchFamily="18" charset="0"/>
                     </a:rPr>
-                    <a:t>1</a:t>
+                    <a:t>100</a:t>
                   </a:r>
                   <a:r>
-                    <a:rPr lang="en-US" altLang="zh-TW" sz="1400" dirty="0" smtClean="0">
-                      <a:latin typeface="Times New Roman" panose="02020603050405020304" pitchFamily="18" charset="0"/>
-                      <a:cs typeface="Times New Roman" panose="02020603050405020304" pitchFamily="18" charset="0"/>
-                    </a:rPr>
-                    <a:t>00</a:t>
-                  </a:r>
-                  <a:r>
-                    <a:rPr lang="en-US" altLang="zh-CN" sz="1400" dirty="0" smtClean="0">
+                    <a:rPr lang="en-US" altLang="zh-CN" sz="1400" dirty="0">
                       <a:latin typeface="Times New Roman" panose="02020603050405020304" pitchFamily="18" charset="0"/>
                       <a:cs typeface="Times New Roman" panose="02020603050405020304" pitchFamily="18" charset="0"/>
                     </a:rPr>
                     <a:t>ms</a:t>
                   </a:r>
-                  <a:endParaRPr lang="en-US" altLang="zh-TW" sz="1400" dirty="0" smtClean="0">
+                  <a:endParaRPr lang="en-US" altLang="zh-TW" sz="1400" dirty="0">
                     <a:latin typeface="Times New Roman" panose="02020603050405020304" pitchFamily="18" charset="0"/>
                     <a:cs typeface="Times New Roman" panose="02020603050405020304" pitchFamily="18" charset="0"/>
                   </a:endParaRPr>
@@ -5052,7 +5074,7 @@
                 <a:lstStyle/>
                 <a:p>
                   <a:r>
-                    <a:rPr lang="en-US" altLang="zh-TW" sz="1400" dirty="0" smtClean="0">
+                    <a:rPr lang="en-US" altLang="zh-TW" sz="1400" dirty="0">
                       <a:latin typeface="Times New Roman" panose="02020603050405020304" pitchFamily="18" charset="0"/>
                       <a:cs typeface="Times New Roman" panose="02020603050405020304" pitchFamily="18" charset="0"/>
                     </a:rPr>
@@ -5201,20 +5223,20 @@
                 <a:lstStyle/>
                 <a:p>
                   <a:r>
-                    <a:rPr lang="en-US" altLang="zh-TW" sz="1400" dirty="0" smtClean="0">
+                    <a:rPr lang="en-US" altLang="zh-TW" sz="1400" dirty="0">
                       <a:latin typeface="Times New Roman" panose="02020603050405020304" pitchFamily="18" charset="0"/>
                       <a:cs typeface="Times New Roman" panose="02020603050405020304" pitchFamily="18" charset="0"/>
                     </a:rPr>
                     <a:t>ITI 0 ~ 500</a:t>
                   </a:r>
                   <a:r>
-                    <a:rPr lang="en-US" altLang="zh-CN" sz="1400" dirty="0" smtClean="0">
+                    <a:rPr lang="en-US" altLang="zh-CN" sz="1400" dirty="0">
                       <a:latin typeface="Times New Roman" panose="02020603050405020304" pitchFamily="18" charset="0"/>
                       <a:cs typeface="Times New Roman" panose="02020603050405020304" pitchFamily="18" charset="0"/>
                     </a:rPr>
                     <a:t>ms</a:t>
                   </a:r>
-                  <a:endParaRPr lang="en-US" altLang="zh-TW" sz="1400" dirty="0" smtClean="0">
+                  <a:endParaRPr lang="en-US" altLang="zh-TW" sz="1400" dirty="0">
                     <a:latin typeface="Times New Roman" panose="02020603050405020304" pitchFamily="18" charset="0"/>
                     <a:cs typeface="Times New Roman" panose="02020603050405020304" pitchFamily="18" charset="0"/>
                   </a:endParaRPr>
@@ -5353,11 +5375,11 @@
           <a:p>
             <a:pPr algn="ctr"/>
             <a:r>
-              <a:rPr lang="en-US" altLang="zh-TW" sz="3600" b="1" dirty="0" smtClean="0">
+              <a:rPr lang="en-US" altLang="zh-TW" sz="3600" b="1" dirty="0">
                 <a:latin typeface="Times New Roman" panose="02020603050405020304" pitchFamily="18" charset="0"/>
                 <a:cs typeface="Times New Roman" panose="02020603050405020304" pitchFamily="18" charset="0"/>
               </a:rPr>
-              <a:t>Practice trials</a:t>
+              <a:t>Practice Trials</a:t>
             </a:r>
             <a:endParaRPr lang="zh-TW" altLang="en-US" sz="3600" b="1" dirty="0">
               <a:latin typeface="Times New Roman" panose="02020603050405020304" pitchFamily="18" charset="0"/>
@@ -5409,11 +5431,11 @@
           <a:p>
             <a:pPr algn="ctr"/>
             <a:r>
-              <a:rPr lang="en-US" altLang="zh-TW" sz="3600" b="1" dirty="0" smtClean="0">
+              <a:rPr lang="en-US" altLang="zh-TW" sz="3600" b="1" dirty="0">
                 <a:latin typeface="Times New Roman" panose="02020603050405020304" pitchFamily="18" charset="0"/>
                 <a:cs typeface="Times New Roman" panose="02020603050405020304" pitchFamily="18" charset="0"/>
               </a:rPr>
-              <a:t>Formal trials</a:t>
+              <a:t>Formal Trials</a:t>
             </a:r>
             <a:endParaRPr lang="zh-TW" altLang="en-US" sz="3600" b="1" dirty="0">
               <a:latin typeface="Times New Roman" panose="02020603050405020304" pitchFamily="18" charset="0"/>
@@ -5465,14 +5487,14 @@
           <a:p>
             <a:pPr algn="ctr"/>
             <a:r>
-              <a:rPr lang="en-US" altLang="zh-TW" sz="3600" b="1" dirty="0" smtClean="0">
+              <a:rPr lang="en-US" altLang="zh-TW" sz="3600" b="1" dirty="0">
                 <a:solidFill>
                   <a:schemeClr val="tx1"/>
                 </a:solidFill>
                 <a:latin typeface="Times New Roman" panose="02020603050405020304" pitchFamily="18" charset="0"/>
                 <a:cs typeface="Times New Roman" panose="02020603050405020304" pitchFamily="18" charset="0"/>
               </a:rPr>
-              <a:t>Matching task</a:t>
+              <a:t>Matching Task</a:t>
             </a:r>
             <a:endParaRPr lang="zh-TW" altLang="en-US" sz="3600" b="1" dirty="0">
               <a:solidFill>
@@ -5514,139 +5536,95 @@
           <a:chExt cx="0" cy="0"/>
         </a:xfrm>
       </p:grpSpPr>
-      <p:grpSp>
-        <p:nvGrpSpPr>
-          <p:cNvPr id="7" name="组合 6"/>
-          <p:cNvGrpSpPr/>
+      <p:pic>
+        <p:nvPicPr>
+          <p:cNvPr id="6" name="图片 5"/>
+          <p:cNvPicPr>
+            <a:picLocks noChangeAspect="1"/>
+          </p:cNvPicPr>
           <p:nvPr/>
-        </p:nvGrpSpPr>
-        <p:grpSpPr>
+        </p:nvPicPr>
+        <p:blipFill rotWithShape="1">
+          <a:blip r:embed="rId2">
+            <a:extLst>
+              <a:ext uri="{28A0092B-C50C-407E-A947-70E740481C1C}">
+                <a14:useLocalDpi xmlns:a14="http://schemas.microsoft.com/office/drawing/2010/main" val="0"/>
+              </a:ext>
+            </a:extLst>
+          </a:blip>
+          <a:srcRect l="9338" t="35874" r="63606" b="21045"/>
+          <a:stretch/>
+        </p:blipFill>
+        <p:spPr>
           <a:xfrm>
-            <a:off x="-883149" y="-110903"/>
-            <a:ext cx="13547196" cy="6321204"/>
-            <a:chOff x="-201828" y="295385"/>
-            <a:chExt cx="12336954" cy="5756497"/>
+            <a:off x="-16934" y="2817817"/>
+            <a:ext cx="3225245" cy="2888722"/>
           </a:xfrm>
-        </p:grpSpPr>
-        <p:pic>
-          <p:nvPicPr>
-            <p:cNvPr id="3" name="图片 2"/>
-            <p:cNvPicPr>
-              <a:picLocks noChangeAspect="1"/>
-            </p:cNvPicPr>
-            <p:nvPr/>
-          </p:nvPicPr>
-          <p:blipFill>
-            <a:blip r:embed="rId2">
-              <a:extLst>
-                <a:ext uri="{28A0092B-C50C-407E-A947-70E740481C1C}">
-                  <a14:useLocalDpi xmlns:a14="http://schemas.microsoft.com/office/drawing/2010/main" val="0"/>
-                </a:ext>
-              </a:extLst>
-            </a:blip>
-            <a:stretch>
-              <a:fillRect/>
-            </a:stretch>
-          </p:blipFill>
-          <p:spPr>
-            <a:xfrm>
-              <a:off x="3352562" y="1045014"/>
-              <a:ext cx="8630164" cy="4854468"/>
-            </a:xfrm>
-            <a:prstGeom prst="rect">
-              <a:avLst/>
-            </a:prstGeom>
-          </p:spPr>
-        </p:pic>
-        <p:pic>
-          <p:nvPicPr>
-            <p:cNvPr id="4" name="图片 3"/>
-            <p:cNvPicPr>
-              <a:picLocks noChangeAspect="1"/>
-            </p:cNvPicPr>
-            <p:nvPr/>
-          </p:nvPicPr>
-          <p:blipFill>
-            <a:blip r:embed="rId2">
-              <a:extLst>
-                <a:ext uri="{28A0092B-C50C-407E-A947-70E740481C1C}">
-                  <a14:useLocalDpi xmlns:a14="http://schemas.microsoft.com/office/drawing/2010/main" val="0"/>
-                </a:ext>
-              </a:extLst>
-            </a:blip>
-            <a:stretch>
-              <a:fillRect/>
-            </a:stretch>
-          </p:blipFill>
-          <p:spPr>
-            <a:xfrm>
-              <a:off x="3504962" y="1197414"/>
-              <a:ext cx="8630164" cy="4854468"/>
-            </a:xfrm>
-            <a:prstGeom prst="rect">
-              <a:avLst/>
-            </a:prstGeom>
-          </p:spPr>
-        </p:pic>
-        <p:pic>
-          <p:nvPicPr>
-            <p:cNvPr id="5" name="图片 4"/>
-            <p:cNvPicPr>
-              <a:picLocks noChangeAspect="1"/>
-            </p:cNvPicPr>
-            <p:nvPr/>
-          </p:nvPicPr>
-          <p:blipFill rotWithShape="1">
-            <a:blip r:embed="rId3">
-              <a:extLst>
-                <a:ext uri="{28A0092B-C50C-407E-A947-70E740481C1C}">
-                  <a14:useLocalDpi xmlns:a14="http://schemas.microsoft.com/office/drawing/2010/main" val="0"/>
-                </a:ext>
-              </a:extLst>
-            </a:blip>
-            <a:srcRect l="1" r="54312" b="65827"/>
-            <a:stretch/>
-          </p:blipFill>
-          <p:spPr>
-            <a:xfrm>
-              <a:off x="-201828" y="295385"/>
-              <a:ext cx="4131276" cy="1738154"/>
-            </a:xfrm>
-            <a:prstGeom prst="rect">
-              <a:avLst/>
-            </a:prstGeom>
-          </p:spPr>
-        </p:pic>
-        <p:pic>
-          <p:nvPicPr>
-            <p:cNvPr id="6" name="图片 5"/>
-            <p:cNvPicPr>
-              <a:picLocks noChangeAspect="1"/>
-            </p:cNvPicPr>
-            <p:nvPr/>
-          </p:nvPicPr>
-          <p:blipFill rotWithShape="1">
-            <a:blip r:embed="rId3">
-              <a:extLst>
-                <a:ext uri="{28A0092B-C50C-407E-A947-70E740481C1C}">
-                  <a14:useLocalDpi xmlns:a14="http://schemas.microsoft.com/office/drawing/2010/main" val="0"/>
-                </a:ext>
-              </a:extLst>
-            </a:blip>
-            <a:srcRect l="9338" t="35874" r="63606" b="21045"/>
-            <a:stretch/>
-          </p:blipFill>
-          <p:spPr>
-            <a:xfrm>
-              <a:off x="640542" y="3232322"/>
-              <a:ext cx="2446536" cy="2191264"/>
-            </a:xfrm>
-            <a:prstGeom prst="rect">
-              <a:avLst/>
-            </a:prstGeom>
-          </p:spPr>
-        </p:pic>
-      </p:grpSp>
+          <a:prstGeom prst="rect">
+            <a:avLst/>
+          </a:prstGeom>
+        </p:spPr>
+      </p:pic>
+      <p:pic>
+        <p:nvPicPr>
+          <p:cNvPr id="9" name="圖片 8">
+            <a:extLst>
+              <a:ext uri="{FF2B5EF4-FFF2-40B4-BE49-F238E27FC236}">
+                <a16:creationId xmlns:a16="http://schemas.microsoft.com/office/drawing/2014/main" id="{4D251A00-554D-9BE6-5273-8634A4FF9956}"/>
+              </a:ext>
+            </a:extLst>
+          </p:cNvPr>
+          <p:cNvPicPr>
+            <a:picLocks noChangeAspect="1"/>
+          </p:cNvPicPr>
+          <p:nvPr/>
+        </p:nvPicPr>
+        <p:blipFill>
+          <a:blip r:embed="rId3"/>
+          <a:stretch>
+            <a:fillRect/>
+          </a:stretch>
+        </p:blipFill>
+        <p:spPr>
+          <a:xfrm>
+            <a:off x="143933" y="1052761"/>
+            <a:ext cx="3620529" cy="736793"/>
+          </a:xfrm>
+          <a:prstGeom prst="rect">
+            <a:avLst/>
+          </a:prstGeom>
+        </p:spPr>
+      </p:pic>
+      <p:pic>
+        <p:nvPicPr>
+          <p:cNvPr id="10" name="圖片 9">
+            <a:extLst>
+              <a:ext uri="{FF2B5EF4-FFF2-40B4-BE49-F238E27FC236}">
+                <a16:creationId xmlns:a16="http://schemas.microsoft.com/office/drawing/2014/main" id="{677BB363-8294-794B-DFFD-54C6E69622B0}"/>
+              </a:ext>
+            </a:extLst>
+          </p:cNvPr>
+          <p:cNvPicPr>
+            <a:picLocks noChangeAspect="1"/>
+          </p:cNvPicPr>
+          <p:nvPr/>
+        </p:nvPicPr>
+        <p:blipFill>
+          <a:blip r:embed="rId4"/>
+          <a:stretch>
+            <a:fillRect/>
+          </a:stretch>
+        </p:blipFill>
+        <p:spPr>
+          <a:xfrm>
+            <a:off x="3764463" y="1061228"/>
+            <a:ext cx="8283604" cy="4975817"/>
+          </a:xfrm>
+          <a:prstGeom prst="rect">
+            <a:avLst/>
+          </a:prstGeom>
+        </p:spPr>
+      </p:pic>
     </p:spTree>
     <p:extLst>
       <p:ext uri="{BB962C8B-B14F-4D97-AF65-F5344CB8AC3E}">

--- a/1_Protocol/1_2_Planned_Analysis/1_2_2_OUTPUT/SALT.pptx
+++ b/1_Protocol/1_2_Planned_Analysis/1_2_2_OUTPUT/SALT.pptx
@@ -8,7 +8,10 @@
     <p:sldId id="256" r:id="rId2"/>
     <p:sldId id="257" r:id="rId3"/>
     <p:sldId id="258" r:id="rId4"/>
-    <p:sldId id="259" r:id="rId5"/>
+    <p:sldId id="261" r:id="rId5"/>
+    <p:sldId id="259" r:id="rId6"/>
+    <p:sldId id="262" r:id="rId7"/>
+    <p:sldId id="260" r:id="rId8"/>
   </p:sldIdLst>
   <p:sldSz cx="12192000" cy="6858000"/>
   <p:notesSz cx="6858000" cy="9144000"/>
@@ -110,11 +113,6 @@
   <p:extLst>
     <p:ext uri="{EFAFB233-063F-42B5-8137-9DF3F51BA10A}">
       <p15:sldGuideLst xmlns:p15="http://schemas.microsoft.com/office/powerpoint/2012/main">
-        <p15:guide id="1" pos="1005" userDrawn="1">
-          <p15:clr>
-            <a:srgbClr val="A4A3A4"/>
-          </p15:clr>
-        </p15:guide>
         <p15:guide id="2" orient="horz" pos="686" userDrawn="1">
           <p15:clr>
             <a:srgbClr val="A4A3A4"/>
@@ -126,6 +124,11 @@
           </p15:clr>
         </p15:guide>
         <p15:guide id="4" orient="horz" pos="2682" userDrawn="1">
+          <p15:clr>
+            <a:srgbClr val="A4A3A4"/>
+          </p15:clr>
+        </p15:guide>
+        <p15:guide id="5" pos="3840">
           <p15:clr>
             <a:srgbClr val="A4A3A4"/>
           </p15:clr>
@@ -267,7 +270,7 @@
           <a:p>
             <a:fld id="{1C0A0098-AADB-4028-80F8-1CEEF4DE9F6F}" type="datetimeFigureOut">
               <a:rPr lang="zh-TW" altLang="en-US" smtClean="0"/>
-              <a:t>2023/8/21</a:t>
+              <a:t>2023/9/27</a:t>
             </a:fld>
             <a:endParaRPr lang="zh-TW" altLang="en-US"/>
           </a:p>
@@ -437,7 +440,7 @@
           <a:p>
             <a:fld id="{1C0A0098-AADB-4028-80F8-1CEEF4DE9F6F}" type="datetimeFigureOut">
               <a:rPr lang="zh-TW" altLang="en-US" smtClean="0"/>
-              <a:t>2023/8/21</a:t>
+              <a:t>2023/9/27</a:t>
             </a:fld>
             <a:endParaRPr lang="zh-TW" altLang="en-US"/>
           </a:p>
@@ -617,7 +620,7 @@
           <a:p>
             <a:fld id="{1C0A0098-AADB-4028-80F8-1CEEF4DE9F6F}" type="datetimeFigureOut">
               <a:rPr lang="zh-TW" altLang="en-US" smtClean="0"/>
-              <a:t>2023/8/21</a:t>
+              <a:t>2023/9/27</a:t>
             </a:fld>
             <a:endParaRPr lang="zh-TW" altLang="en-US"/>
           </a:p>
@@ -787,7 +790,7 @@
           <a:p>
             <a:fld id="{1C0A0098-AADB-4028-80F8-1CEEF4DE9F6F}" type="datetimeFigureOut">
               <a:rPr lang="zh-TW" altLang="en-US" smtClean="0"/>
-              <a:t>2023/8/21</a:t>
+              <a:t>2023/9/27</a:t>
             </a:fld>
             <a:endParaRPr lang="zh-TW" altLang="en-US"/>
           </a:p>
@@ -1033,7 +1036,7 @@
           <a:p>
             <a:fld id="{1C0A0098-AADB-4028-80F8-1CEEF4DE9F6F}" type="datetimeFigureOut">
               <a:rPr lang="zh-TW" altLang="en-US" smtClean="0"/>
-              <a:t>2023/8/21</a:t>
+              <a:t>2023/9/27</a:t>
             </a:fld>
             <a:endParaRPr lang="zh-TW" altLang="en-US"/>
           </a:p>
@@ -1265,7 +1268,7 @@
           <a:p>
             <a:fld id="{1C0A0098-AADB-4028-80F8-1CEEF4DE9F6F}" type="datetimeFigureOut">
               <a:rPr lang="zh-TW" altLang="en-US" smtClean="0"/>
-              <a:t>2023/8/21</a:t>
+              <a:t>2023/9/27</a:t>
             </a:fld>
             <a:endParaRPr lang="zh-TW" altLang="en-US"/>
           </a:p>
@@ -1632,7 +1635,7 @@
           <a:p>
             <a:fld id="{1C0A0098-AADB-4028-80F8-1CEEF4DE9F6F}" type="datetimeFigureOut">
               <a:rPr lang="zh-TW" altLang="en-US" smtClean="0"/>
-              <a:t>2023/8/21</a:t>
+              <a:t>2023/9/27</a:t>
             </a:fld>
             <a:endParaRPr lang="zh-TW" altLang="en-US"/>
           </a:p>
@@ -1750,7 +1753,7 @@
           <a:p>
             <a:fld id="{1C0A0098-AADB-4028-80F8-1CEEF4DE9F6F}" type="datetimeFigureOut">
               <a:rPr lang="zh-TW" altLang="en-US" smtClean="0"/>
-              <a:t>2023/8/21</a:t>
+              <a:t>2023/9/27</a:t>
             </a:fld>
             <a:endParaRPr lang="zh-TW" altLang="en-US"/>
           </a:p>
@@ -1845,7 +1848,7 @@
           <a:p>
             <a:fld id="{1C0A0098-AADB-4028-80F8-1CEEF4DE9F6F}" type="datetimeFigureOut">
               <a:rPr lang="zh-TW" altLang="en-US" smtClean="0"/>
-              <a:t>2023/8/21</a:t>
+              <a:t>2023/9/27</a:t>
             </a:fld>
             <a:endParaRPr lang="zh-TW" altLang="en-US"/>
           </a:p>
@@ -2122,7 +2125,7 @@
           <a:p>
             <a:fld id="{1C0A0098-AADB-4028-80F8-1CEEF4DE9F6F}" type="datetimeFigureOut">
               <a:rPr lang="zh-TW" altLang="en-US" smtClean="0"/>
-              <a:t>2023/8/21</a:t>
+              <a:t>2023/9/27</a:t>
             </a:fld>
             <a:endParaRPr lang="zh-TW" altLang="en-US"/>
           </a:p>
@@ -2375,7 +2378,7 @@
           <a:p>
             <a:fld id="{1C0A0098-AADB-4028-80F8-1CEEF4DE9F6F}" type="datetimeFigureOut">
               <a:rPr lang="zh-TW" altLang="en-US" smtClean="0"/>
-              <a:t>2023/8/21</a:t>
+              <a:t>2023/9/27</a:t>
             </a:fld>
             <a:endParaRPr lang="zh-TW" altLang="en-US"/>
           </a:p>
@@ -2588,7 +2591,7 @@
           <a:p>
             <a:fld id="{1C0A0098-AADB-4028-80F8-1CEEF4DE9F6F}" type="datetimeFigureOut">
               <a:rPr lang="zh-TW" altLang="en-US" smtClean="0"/>
-              <a:t>2023/8/21</a:t>
+              <a:t>2023/9/27</a:t>
             </a:fld>
             <a:endParaRPr lang="zh-TW" altLang="en-US"/>
           </a:p>
@@ -3023,68 +3026,6 @@
           </a:prstGeom>
         </p:spPr>
       </p:pic>
-      <p:sp>
-        <p:nvSpPr>
-          <p:cNvPr id="16" name="圆角矩形 15"/>
-          <p:cNvSpPr/>
-          <p:nvPr/>
-        </p:nvSpPr>
-        <p:spPr>
-          <a:xfrm>
-            <a:off x="4330700" y="1752600"/>
-            <a:ext cx="7454900" cy="736600"/>
-          </a:xfrm>
-          <a:prstGeom prst="roundRect">
-            <a:avLst/>
-          </a:prstGeom>
-          <a:solidFill>
-            <a:srgbClr val="D9D9D9"/>
-          </a:solidFill>
-          <a:ln>
-            <a:noFill/>
-          </a:ln>
-        </p:spPr>
-        <p:style>
-          <a:lnRef idx="2">
-            <a:schemeClr val="accent1">
-              <a:shade val="50000"/>
-            </a:schemeClr>
-          </a:lnRef>
-          <a:fillRef idx="1">
-            <a:schemeClr val="accent1"/>
-          </a:fillRef>
-          <a:effectRef idx="0">
-            <a:schemeClr val="accent1"/>
-          </a:effectRef>
-          <a:fontRef idx="minor">
-            <a:schemeClr val="lt1"/>
-          </a:fontRef>
-        </p:style>
-        <p:txBody>
-          <a:bodyPr rtlCol="0" anchor="ctr"/>
-          <a:lstStyle/>
-          <a:p>
-            <a:pPr algn="ctr"/>
-            <a:r>
-              <a:rPr lang="en-US" altLang="zh-TW" sz="3000" b="1" dirty="0">
-                <a:solidFill>
-                  <a:schemeClr val="tx1"/>
-                </a:solidFill>
-                <a:latin typeface="Times New Roman" panose="02020603050405020304" pitchFamily="18" charset="0"/>
-                <a:cs typeface="Times New Roman" panose="02020603050405020304" pitchFamily="18" charset="0"/>
-              </a:rPr>
-              <a:t>Matching task</a:t>
-            </a:r>
-            <a:endParaRPr lang="zh-TW" altLang="en-US" sz="3000" b="1" dirty="0">
-              <a:solidFill>
-                <a:schemeClr val="tx1"/>
-              </a:solidFill>
-              <a:latin typeface="Times New Roman" panose="02020603050405020304" pitchFamily="18" charset="0"/>
-              <a:cs typeface="Times New Roman" panose="02020603050405020304" pitchFamily="18" charset="0"/>
-            </a:endParaRPr>
-          </a:p>
-        </p:txBody>
-      </p:sp>
     </p:spTree>
     <p:extLst>
       <p:ext uri="{BB962C8B-B14F-4D97-AF65-F5344CB8AC3E}">
@@ -5522,6 +5463,1871 @@
 <file path=ppt/slides/slide4.xml><?xml version="1.0" encoding="utf-8"?>
 <p:sld xmlns:a="http://schemas.openxmlformats.org/drawingml/2006/main" xmlns:r="http://schemas.openxmlformats.org/officeDocument/2006/relationships" xmlns:p="http://schemas.openxmlformats.org/presentationml/2006/main">
   <p:cSld>
+    <p:bg>
+      <p:bgPr>
+        <a:solidFill>
+          <a:schemeClr val="tx1"/>
+        </a:solidFill>
+        <a:effectLst/>
+      </p:bgPr>
+    </p:bg>
+    <p:spTree>
+      <p:nvGrpSpPr>
+        <p:cNvPr id="1" name=""/>
+        <p:cNvGrpSpPr/>
+        <p:nvPr/>
+      </p:nvGrpSpPr>
+      <p:grpSpPr>
+        <a:xfrm>
+          <a:off x="0" y="0"/>
+          <a:ext cx="0" cy="0"/>
+          <a:chOff x="0" y="0"/>
+          <a:chExt cx="0" cy="0"/>
+        </a:xfrm>
+      </p:grpSpPr>
+      <p:grpSp>
+        <p:nvGrpSpPr>
+          <p:cNvPr id="17" name="组合 16"/>
+          <p:cNvGrpSpPr/>
+          <p:nvPr/>
+        </p:nvGrpSpPr>
+        <p:grpSpPr>
+          <a:xfrm>
+            <a:off x="750513" y="2165350"/>
+            <a:ext cx="4914899" cy="4476749"/>
+            <a:chOff x="1104901" y="1343026"/>
+            <a:chExt cx="4914899" cy="4476749"/>
+          </a:xfrm>
+        </p:grpSpPr>
+        <p:grpSp>
+          <p:nvGrpSpPr>
+            <p:cNvPr id="44" name="组合 43"/>
+            <p:cNvGrpSpPr/>
+            <p:nvPr/>
+          </p:nvGrpSpPr>
+          <p:grpSpPr>
+            <a:xfrm>
+              <a:off x="1440591" y="1642785"/>
+              <a:ext cx="4225211" cy="3883129"/>
+              <a:chOff x="4673059" y="1169709"/>
+              <a:chExt cx="4225211" cy="3883129"/>
+            </a:xfrm>
+          </p:grpSpPr>
+          <p:grpSp>
+            <p:nvGrpSpPr>
+              <p:cNvPr id="39" name="组合 38"/>
+              <p:cNvGrpSpPr/>
+              <p:nvPr/>
+            </p:nvGrpSpPr>
+            <p:grpSpPr>
+              <a:xfrm>
+                <a:off x="5113336" y="1169709"/>
+                <a:ext cx="1279075" cy="1434644"/>
+                <a:chOff x="5113336" y="1169709"/>
+                <a:chExt cx="1279075" cy="1434644"/>
+              </a:xfrm>
+            </p:grpSpPr>
+            <p:sp>
+              <p:nvSpPr>
+                <p:cNvPr id="22" name="文本框 21"/>
+                <p:cNvSpPr txBox="1"/>
+                <p:nvPr/>
+              </p:nvSpPr>
+              <p:spPr>
+                <a:xfrm>
+                  <a:off x="5113336" y="2296576"/>
+                  <a:ext cx="681957" cy="307777"/>
+                </a:xfrm>
+                <a:prstGeom prst="rect">
+                  <a:avLst/>
+                </a:prstGeom>
+                <a:noFill/>
+                <a:ln>
+                  <a:solidFill>
+                    <a:schemeClr val="bg1"/>
+                  </a:solidFill>
+                </a:ln>
+              </p:spPr>
+              <p:txBody>
+                <a:bodyPr wrap="square" rtlCol="0">
+                  <a:spAutoFit/>
+                </a:bodyPr>
+                <a:lstStyle/>
+                <a:p>
+                  <a:r>
+                    <a:rPr lang="en-US" altLang="zh-TW" sz="1400" dirty="0">
+                      <a:solidFill>
+                        <a:schemeClr val="bg1"/>
+                      </a:solidFill>
+                      <a:latin typeface="Times New Roman" panose="02020603050405020304" pitchFamily="18" charset="0"/>
+                      <a:cs typeface="Times New Roman" panose="02020603050405020304" pitchFamily="18" charset="0"/>
+                    </a:rPr>
+                    <a:t>500</a:t>
+                  </a:r>
+                  <a:r>
+                    <a:rPr lang="en-US" altLang="zh-CN" sz="1400" dirty="0">
+                      <a:solidFill>
+                        <a:schemeClr val="bg1"/>
+                      </a:solidFill>
+                      <a:latin typeface="Times New Roman" panose="02020603050405020304" pitchFamily="18" charset="0"/>
+                      <a:cs typeface="Times New Roman" panose="02020603050405020304" pitchFamily="18" charset="0"/>
+                    </a:rPr>
+                    <a:t>ms</a:t>
+                  </a:r>
+                  <a:endParaRPr lang="en-US" altLang="zh-TW" sz="1400" dirty="0">
+                    <a:solidFill>
+                      <a:schemeClr val="bg1"/>
+                    </a:solidFill>
+                    <a:latin typeface="Times New Roman" panose="02020603050405020304" pitchFamily="18" charset="0"/>
+                    <a:cs typeface="Times New Roman" panose="02020603050405020304" pitchFamily="18" charset="0"/>
+                  </a:endParaRPr>
+                </a:p>
+              </p:txBody>
+            </p:sp>
+            <p:grpSp>
+              <p:nvGrpSpPr>
+                <p:cNvPr id="25" name="组合 24"/>
+                <p:cNvGrpSpPr/>
+                <p:nvPr/>
+              </p:nvGrpSpPr>
+              <p:grpSpPr>
+                <a:xfrm>
+                  <a:off x="5198176" y="1169709"/>
+                  <a:ext cx="1194235" cy="1145058"/>
+                  <a:chOff x="5198176" y="1169709"/>
+                  <a:chExt cx="1194235" cy="1145058"/>
+                </a:xfrm>
+              </p:grpSpPr>
+              <p:sp>
+                <p:nvSpPr>
+                  <p:cNvPr id="15" name="矩形 14"/>
+                  <p:cNvSpPr/>
+                  <p:nvPr/>
+                </p:nvSpPr>
+                <p:spPr>
+                  <a:xfrm>
+                    <a:off x="5198176" y="1169709"/>
+                    <a:ext cx="1194235" cy="1145058"/>
+                  </a:xfrm>
+                  <a:prstGeom prst="rect">
+                    <a:avLst/>
+                  </a:prstGeom>
+                  <a:solidFill>
+                    <a:srgbClr val="7F7E7F"/>
+                  </a:solidFill>
+                  <a:ln>
+                    <a:solidFill>
+                      <a:schemeClr val="bg1"/>
+                    </a:solidFill>
+                  </a:ln>
+                </p:spPr>
+                <p:style>
+                  <a:lnRef idx="2">
+                    <a:schemeClr val="accent1">
+                      <a:shade val="50000"/>
+                    </a:schemeClr>
+                  </a:lnRef>
+                  <a:fillRef idx="1">
+                    <a:schemeClr val="accent1"/>
+                  </a:fillRef>
+                  <a:effectRef idx="0">
+                    <a:schemeClr val="accent1"/>
+                  </a:effectRef>
+                  <a:fontRef idx="minor">
+                    <a:schemeClr val="lt1"/>
+                  </a:fontRef>
+                </p:style>
+                <p:txBody>
+                  <a:bodyPr rtlCol="0" anchor="ctr"/>
+                  <a:lstStyle/>
+                  <a:p>
+                    <a:pPr algn="ctr"/>
+                    <a:endParaRPr lang="zh-TW" altLang="en-US">
+                      <a:latin typeface="Times New Roman" panose="02020603050405020304" pitchFamily="18" charset="0"/>
+                      <a:cs typeface="Times New Roman" panose="02020603050405020304" pitchFamily="18" charset="0"/>
+                    </a:endParaRPr>
+                  </a:p>
+                </p:txBody>
+              </p:sp>
+              <p:sp>
+                <p:nvSpPr>
+                  <p:cNvPr id="24" name="文本框 23"/>
+                  <p:cNvSpPr txBox="1"/>
+                  <p:nvPr/>
+                </p:nvSpPr>
+                <p:spPr>
+                  <a:xfrm>
+                    <a:off x="5595866" y="1469526"/>
+                    <a:ext cx="370054" cy="523220"/>
+                  </a:xfrm>
+                  <a:prstGeom prst="rect">
+                    <a:avLst/>
+                  </a:prstGeom>
+                  <a:noFill/>
+                  <a:ln>
+                    <a:solidFill>
+                      <a:schemeClr val="bg1"/>
+                    </a:solidFill>
+                  </a:ln>
+                </p:spPr>
+                <p:txBody>
+                  <a:bodyPr wrap="square" rtlCol="0">
+                    <a:spAutoFit/>
+                  </a:bodyPr>
+                  <a:lstStyle/>
+                  <a:p>
+                    <a:r>
+                      <a:rPr lang="en-US" altLang="zh-TW" sz="2800" dirty="0">
+                        <a:solidFill>
+                          <a:schemeClr val="bg1"/>
+                        </a:solidFill>
+                        <a:latin typeface="Times New Roman" panose="02020603050405020304" pitchFamily="18" charset="0"/>
+                        <a:cs typeface="Times New Roman" panose="02020603050405020304" pitchFamily="18" charset="0"/>
+                      </a:rPr>
+                      <a:t>+</a:t>
+                    </a:r>
+                    <a:endParaRPr lang="zh-TW" altLang="en-US" dirty="0">
+                      <a:solidFill>
+                        <a:schemeClr val="bg1"/>
+                      </a:solidFill>
+                      <a:latin typeface="Times New Roman" panose="02020603050405020304" pitchFamily="18" charset="0"/>
+                      <a:cs typeface="Times New Roman" panose="02020603050405020304" pitchFamily="18" charset="0"/>
+                    </a:endParaRPr>
+                  </a:p>
+                </p:txBody>
+              </p:sp>
+            </p:grpSp>
+          </p:grpSp>
+          <p:grpSp>
+            <p:nvGrpSpPr>
+              <p:cNvPr id="38" name="组合 37"/>
+              <p:cNvGrpSpPr/>
+              <p:nvPr/>
+            </p:nvGrpSpPr>
+            <p:grpSpPr>
+              <a:xfrm>
+                <a:off x="5981855" y="1992843"/>
+                <a:ext cx="1247603" cy="1430251"/>
+                <a:chOff x="5694674" y="2173887"/>
+                <a:chExt cx="1247603" cy="1430251"/>
+              </a:xfrm>
+            </p:grpSpPr>
+            <p:grpSp>
+              <p:nvGrpSpPr>
+                <p:cNvPr id="26" name="组合 25"/>
+                <p:cNvGrpSpPr/>
+                <p:nvPr/>
+              </p:nvGrpSpPr>
+              <p:grpSpPr>
+                <a:xfrm>
+                  <a:off x="5748042" y="2173887"/>
+                  <a:ext cx="1194235" cy="1145058"/>
+                  <a:chOff x="5198176" y="1169709"/>
+                  <a:chExt cx="1194235" cy="1145058"/>
+                </a:xfrm>
+              </p:grpSpPr>
+              <p:sp>
+                <p:nvSpPr>
+                  <p:cNvPr id="27" name="矩形 26"/>
+                  <p:cNvSpPr/>
+                  <p:nvPr/>
+                </p:nvSpPr>
+                <p:spPr>
+                  <a:xfrm>
+                    <a:off x="5198176" y="1169709"/>
+                    <a:ext cx="1194235" cy="1145058"/>
+                  </a:xfrm>
+                  <a:prstGeom prst="rect">
+                    <a:avLst/>
+                  </a:prstGeom>
+                  <a:solidFill>
+                    <a:srgbClr val="7F7E7F"/>
+                  </a:solidFill>
+                  <a:ln>
+                    <a:solidFill>
+                      <a:schemeClr val="bg1"/>
+                    </a:solidFill>
+                  </a:ln>
+                </p:spPr>
+                <p:style>
+                  <a:lnRef idx="2">
+                    <a:schemeClr val="accent1">
+                      <a:shade val="50000"/>
+                    </a:schemeClr>
+                  </a:lnRef>
+                  <a:fillRef idx="1">
+                    <a:schemeClr val="accent1"/>
+                  </a:fillRef>
+                  <a:effectRef idx="0">
+                    <a:schemeClr val="accent1"/>
+                  </a:effectRef>
+                  <a:fontRef idx="minor">
+                    <a:schemeClr val="lt1"/>
+                  </a:fontRef>
+                </p:style>
+                <p:txBody>
+                  <a:bodyPr rtlCol="0" anchor="ctr"/>
+                  <a:lstStyle/>
+                  <a:p>
+                    <a:pPr algn="ctr"/>
+                    <a:endParaRPr lang="zh-TW" altLang="en-US">
+                      <a:latin typeface="Times New Roman" panose="02020603050405020304" pitchFamily="18" charset="0"/>
+                      <a:cs typeface="Times New Roman" panose="02020603050405020304" pitchFamily="18" charset="0"/>
+                    </a:endParaRPr>
+                  </a:p>
+                </p:txBody>
+              </p:sp>
+              <p:sp>
+                <p:nvSpPr>
+                  <p:cNvPr id="28" name="文本框 27"/>
+                  <p:cNvSpPr txBox="1"/>
+                  <p:nvPr/>
+                </p:nvSpPr>
+                <p:spPr>
+                  <a:xfrm>
+                    <a:off x="5624666" y="1480628"/>
+                    <a:ext cx="341254" cy="523220"/>
+                  </a:xfrm>
+                  <a:prstGeom prst="rect">
+                    <a:avLst/>
+                  </a:prstGeom>
+                  <a:noFill/>
+                  <a:ln>
+                    <a:solidFill>
+                      <a:schemeClr val="bg1"/>
+                    </a:solidFill>
+                  </a:ln>
+                </p:spPr>
+                <p:txBody>
+                  <a:bodyPr wrap="square" rtlCol="0">
+                    <a:spAutoFit/>
+                  </a:bodyPr>
+                  <a:lstStyle/>
+                  <a:p>
+                    <a:r>
+                      <a:rPr lang="en-US" altLang="zh-TW" sz="2800" dirty="0">
+                        <a:solidFill>
+                          <a:schemeClr val="bg1"/>
+                        </a:solidFill>
+                        <a:latin typeface="Times New Roman" panose="02020603050405020304" pitchFamily="18" charset="0"/>
+                        <a:cs typeface="Times New Roman" panose="02020603050405020304" pitchFamily="18" charset="0"/>
+                      </a:rPr>
+                      <a:t>+</a:t>
+                    </a:r>
+                    <a:endParaRPr lang="zh-TW" altLang="en-US" dirty="0">
+                      <a:solidFill>
+                        <a:schemeClr val="bg1"/>
+                      </a:solidFill>
+                      <a:latin typeface="Times New Roman" panose="02020603050405020304" pitchFamily="18" charset="0"/>
+                      <a:cs typeface="Times New Roman" panose="02020603050405020304" pitchFamily="18" charset="0"/>
+                    </a:endParaRPr>
+                  </a:p>
+                </p:txBody>
+              </p:sp>
+            </p:grpSp>
+            <p:sp>
+              <p:nvSpPr>
+                <p:cNvPr id="29" name="矩形 28"/>
+                <p:cNvSpPr/>
+                <p:nvPr/>
+              </p:nvSpPr>
+              <p:spPr>
+                <a:xfrm>
+                  <a:off x="6239120" y="2344289"/>
+                  <a:ext cx="254941" cy="251874"/>
+                </a:xfrm>
+                <a:prstGeom prst="rect">
+                  <a:avLst/>
+                </a:prstGeom>
+                <a:solidFill>
+                  <a:srgbClr val="7F7E7F"/>
+                </a:solidFill>
+                <a:ln w="19050">
+                  <a:solidFill>
+                    <a:schemeClr val="bg1"/>
+                  </a:solidFill>
+                </a:ln>
+              </p:spPr>
+              <p:style>
+                <a:lnRef idx="2">
+                  <a:schemeClr val="accent1">
+                    <a:shade val="50000"/>
+                  </a:schemeClr>
+                </a:lnRef>
+                <a:fillRef idx="1">
+                  <a:schemeClr val="accent1"/>
+                </a:fillRef>
+                <a:effectRef idx="0">
+                  <a:schemeClr val="accent1"/>
+                </a:effectRef>
+                <a:fontRef idx="minor">
+                  <a:schemeClr val="lt1"/>
+                </a:fontRef>
+              </p:style>
+              <p:txBody>
+                <a:bodyPr rtlCol="0" anchor="ctr"/>
+                <a:lstStyle/>
+                <a:p>
+                  <a:pPr algn="ctr"/>
+                  <a:endParaRPr lang="zh-TW" altLang="en-US">
+                    <a:latin typeface="Times New Roman" panose="02020603050405020304" pitchFamily="18" charset="0"/>
+                    <a:cs typeface="Times New Roman" panose="02020603050405020304" pitchFamily="18" charset="0"/>
+                  </a:endParaRPr>
+                </a:p>
+              </p:txBody>
+            </p:sp>
+            <p:sp>
+              <p:nvSpPr>
+                <p:cNvPr id="30" name="文本框 29"/>
+                <p:cNvSpPr txBox="1"/>
+                <p:nvPr/>
+              </p:nvSpPr>
+              <p:spPr>
+                <a:xfrm>
+                  <a:off x="6069487" y="2859806"/>
+                  <a:ext cx="579647" cy="369332"/>
+                </a:xfrm>
+                <a:prstGeom prst="rect">
+                  <a:avLst/>
+                </a:prstGeom>
+                <a:noFill/>
+                <a:ln>
+                  <a:solidFill>
+                    <a:schemeClr val="bg1"/>
+                  </a:solidFill>
+                </a:ln>
+              </p:spPr>
+              <p:txBody>
+                <a:bodyPr wrap="square" rtlCol="0">
+                  <a:spAutoFit/>
+                </a:bodyPr>
+                <a:lstStyle/>
+                <a:p>
+                  <a:r>
+                    <a:rPr lang="en-US" altLang="zh-CN" dirty="0">
+                      <a:solidFill>
+                        <a:schemeClr val="bg1"/>
+                      </a:solidFill>
+                      <a:latin typeface="Times New Roman" panose="02020603050405020304" pitchFamily="18" charset="0"/>
+                      <a:cs typeface="Times New Roman" panose="02020603050405020304" pitchFamily="18" charset="0"/>
+                    </a:rPr>
+                    <a:t>Self</a:t>
+                  </a:r>
+                  <a:endParaRPr lang="zh-TW" altLang="en-US" sz="1400" dirty="0">
+                    <a:solidFill>
+                      <a:schemeClr val="bg1"/>
+                    </a:solidFill>
+                    <a:latin typeface="Times New Roman" panose="02020603050405020304" pitchFamily="18" charset="0"/>
+                    <a:cs typeface="Times New Roman" panose="02020603050405020304" pitchFamily="18" charset="0"/>
+                  </a:endParaRPr>
+                </a:p>
+              </p:txBody>
+            </p:sp>
+            <p:sp>
+              <p:nvSpPr>
+                <p:cNvPr id="31" name="文本框 30"/>
+                <p:cNvSpPr txBox="1"/>
+                <p:nvPr/>
+              </p:nvSpPr>
+              <p:spPr>
+                <a:xfrm>
+                  <a:off x="5694674" y="3296361"/>
+                  <a:ext cx="681957" cy="307777"/>
+                </a:xfrm>
+                <a:prstGeom prst="rect">
+                  <a:avLst/>
+                </a:prstGeom>
+                <a:noFill/>
+                <a:ln>
+                  <a:solidFill>
+                    <a:schemeClr val="bg1"/>
+                  </a:solidFill>
+                </a:ln>
+              </p:spPr>
+              <p:txBody>
+                <a:bodyPr wrap="square" rtlCol="0">
+                  <a:spAutoFit/>
+                </a:bodyPr>
+                <a:lstStyle/>
+                <a:p>
+                  <a:r>
+                    <a:rPr lang="en-US" altLang="zh-TW" sz="1400" dirty="0">
+                      <a:solidFill>
+                        <a:schemeClr val="bg1"/>
+                      </a:solidFill>
+                      <a:latin typeface="Times New Roman" panose="02020603050405020304" pitchFamily="18" charset="0"/>
+                      <a:cs typeface="Times New Roman" panose="02020603050405020304" pitchFamily="18" charset="0"/>
+                    </a:rPr>
+                    <a:t>100</a:t>
+                  </a:r>
+                  <a:r>
+                    <a:rPr lang="en-US" altLang="zh-CN" sz="1400" dirty="0">
+                      <a:solidFill>
+                        <a:schemeClr val="bg1"/>
+                      </a:solidFill>
+                      <a:latin typeface="Times New Roman" panose="02020603050405020304" pitchFamily="18" charset="0"/>
+                      <a:cs typeface="Times New Roman" panose="02020603050405020304" pitchFamily="18" charset="0"/>
+                    </a:rPr>
+                    <a:t>ms</a:t>
+                  </a:r>
+                  <a:endParaRPr lang="en-US" altLang="zh-TW" sz="1400" dirty="0">
+                    <a:solidFill>
+                      <a:schemeClr val="bg1"/>
+                    </a:solidFill>
+                    <a:latin typeface="Times New Roman" panose="02020603050405020304" pitchFamily="18" charset="0"/>
+                    <a:cs typeface="Times New Roman" panose="02020603050405020304" pitchFamily="18" charset="0"/>
+                  </a:endParaRPr>
+                </a:p>
+              </p:txBody>
+            </p:sp>
+          </p:grpSp>
+          <p:grpSp>
+            <p:nvGrpSpPr>
+              <p:cNvPr id="40" name="组合 39"/>
+              <p:cNvGrpSpPr/>
+              <p:nvPr/>
+            </p:nvGrpSpPr>
+            <p:grpSpPr>
+              <a:xfrm>
+                <a:off x="6423203" y="2797569"/>
+                <a:ext cx="1665624" cy="1455966"/>
+                <a:chOff x="8221750" y="3056379"/>
+                <a:chExt cx="1665624" cy="1455966"/>
+              </a:xfrm>
+            </p:grpSpPr>
+            <p:sp>
+              <p:nvSpPr>
+                <p:cNvPr id="32" name="文本框 31"/>
+                <p:cNvSpPr txBox="1"/>
+                <p:nvPr/>
+              </p:nvSpPr>
+              <p:spPr>
+                <a:xfrm>
+                  <a:off x="8221750" y="4204568"/>
+                  <a:ext cx="1304802" cy="307777"/>
+                </a:xfrm>
+                <a:prstGeom prst="rect">
+                  <a:avLst/>
+                </a:prstGeom>
+                <a:noFill/>
+                <a:ln>
+                  <a:solidFill>
+                    <a:schemeClr val="bg1"/>
+                  </a:solidFill>
+                </a:ln>
+              </p:spPr>
+              <p:txBody>
+                <a:bodyPr wrap="square" rtlCol="0">
+                  <a:spAutoFit/>
+                </a:bodyPr>
+                <a:lstStyle/>
+                <a:p>
+                  <a:r>
+                    <a:rPr lang="en-US" altLang="zh-TW" sz="1400" dirty="0">
+                      <a:solidFill>
+                        <a:schemeClr val="bg1"/>
+                      </a:solidFill>
+                      <a:latin typeface="Times New Roman" panose="02020603050405020304" pitchFamily="18" charset="0"/>
+                      <a:cs typeface="Times New Roman" panose="02020603050405020304" pitchFamily="18" charset="0"/>
+                    </a:rPr>
+                    <a:t>Until response</a:t>
+                  </a:r>
+                </a:p>
+              </p:txBody>
+            </p:sp>
+            <p:sp>
+              <p:nvSpPr>
+                <p:cNvPr id="33" name="矩形 32"/>
+                <p:cNvSpPr/>
+                <p:nvPr/>
+              </p:nvSpPr>
+              <p:spPr>
+                <a:xfrm>
+                  <a:off x="8693139" y="3056379"/>
+                  <a:ext cx="1194235" cy="1145058"/>
+                </a:xfrm>
+                <a:prstGeom prst="rect">
+                  <a:avLst/>
+                </a:prstGeom>
+                <a:solidFill>
+                  <a:srgbClr val="7F7E7F"/>
+                </a:solidFill>
+                <a:ln>
+                  <a:solidFill>
+                    <a:schemeClr val="bg1"/>
+                  </a:solidFill>
+                </a:ln>
+              </p:spPr>
+              <p:style>
+                <a:lnRef idx="2">
+                  <a:schemeClr val="accent1">
+                    <a:shade val="50000"/>
+                  </a:schemeClr>
+                </a:lnRef>
+                <a:fillRef idx="1">
+                  <a:schemeClr val="accent1"/>
+                </a:fillRef>
+                <a:effectRef idx="0">
+                  <a:schemeClr val="accent1"/>
+                </a:effectRef>
+                <a:fontRef idx="minor">
+                  <a:schemeClr val="lt1"/>
+                </a:fontRef>
+              </p:style>
+              <p:txBody>
+                <a:bodyPr rtlCol="0" anchor="ctr"/>
+                <a:lstStyle/>
+                <a:p>
+                  <a:pPr algn="ctr"/>
+                  <a:endParaRPr lang="zh-TW" altLang="en-US">
+                    <a:latin typeface="Times New Roman" panose="02020603050405020304" pitchFamily="18" charset="0"/>
+                    <a:cs typeface="Times New Roman" panose="02020603050405020304" pitchFamily="18" charset="0"/>
+                  </a:endParaRPr>
+                </a:p>
+              </p:txBody>
+            </p:sp>
+          </p:grpSp>
+          <p:grpSp>
+            <p:nvGrpSpPr>
+              <p:cNvPr id="42" name="组合 41"/>
+              <p:cNvGrpSpPr/>
+              <p:nvPr/>
+            </p:nvGrpSpPr>
+            <p:grpSpPr>
+              <a:xfrm>
+                <a:off x="7613998" y="3607073"/>
+                <a:ext cx="1284272" cy="1445765"/>
+                <a:chOff x="9375897" y="4823255"/>
+                <a:chExt cx="1284272" cy="1445765"/>
+              </a:xfrm>
+            </p:grpSpPr>
+            <p:grpSp>
+              <p:nvGrpSpPr>
+                <p:cNvPr id="37" name="组合 36"/>
+                <p:cNvGrpSpPr/>
+                <p:nvPr/>
+              </p:nvGrpSpPr>
+              <p:grpSpPr>
+                <a:xfrm>
+                  <a:off x="9465934" y="4823255"/>
+                  <a:ext cx="1194235" cy="1145058"/>
+                  <a:chOff x="7838611" y="4036085"/>
+                  <a:chExt cx="1194235" cy="1145058"/>
+                </a:xfrm>
+              </p:grpSpPr>
+              <p:sp>
+                <p:nvSpPr>
+                  <p:cNvPr id="34" name="矩形 33"/>
+                  <p:cNvSpPr/>
+                  <p:nvPr/>
+                </p:nvSpPr>
+                <p:spPr>
+                  <a:xfrm>
+                    <a:off x="7838611" y="4036085"/>
+                    <a:ext cx="1194235" cy="1145058"/>
+                  </a:xfrm>
+                  <a:prstGeom prst="rect">
+                    <a:avLst/>
+                  </a:prstGeom>
+                  <a:solidFill>
+                    <a:srgbClr val="7F7E7F"/>
+                  </a:solidFill>
+                  <a:ln>
+                    <a:solidFill>
+                      <a:schemeClr val="bg1"/>
+                    </a:solidFill>
+                  </a:ln>
+                </p:spPr>
+                <p:style>
+                  <a:lnRef idx="2">
+                    <a:schemeClr val="accent1">
+                      <a:shade val="50000"/>
+                    </a:schemeClr>
+                  </a:lnRef>
+                  <a:fillRef idx="1">
+                    <a:schemeClr val="accent1"/>
+                  </a:fillRef>
+                  <a:effectRef idx="0">
+                    <a:schemeClr val="accent1"/>
+                  </a:effectRef>
+                  <a:fontRef idx="minor">
+                    <a:schemeClr val="lt1"/>
+                  </a:fontRef>
+                </p:style>
+                <p:txBody>
+                  <a:bodyPr rtlCol="0" anchor="ctr"/>
+                  <a:lstStyle/>
+                  <a:p>
+                    <a:pPr algn="ctr"/>
+                    <a:endParaRPr lang="zh-TW" altLang="en-US">
+                      <a:latin typeface="Times New Roman" panose="02020603050405020304" pitchFamily="18" charset="0"/>
+                      <a:cs typeface="Times New Roman" panose="02020603050405020304" pitchFamily="18" charset="0"/>
+                    </a:endParaRPr>
+                  </a:p>
+                </p:txBody>
+              </p:sp>
+              <p:sp>
+                <p:nvSpPr>
+                  <p:cNvPr id="36" name="文本框 35"/>
+                  <p:cNvSpPr txBox="1"/>
+                  <p:nvPr/>
+                </p:nvSpPr>
+                <p:spPr>
+                  <a:xfrm>
+                    <a:off x="7999242" y="4422615"/>
+                    <a:ext cx="863030" cy="369332"/>
+                  </a:xfrm>
+                  <a:prstGeom prst="rect">
+                    <a:avLst/>
+                  </a:prstGeom>
+                  <a:noFill/>
+                  <a:ln>
+                    <a:solidFill>
+                      <a:schemeClr val="bg1"/>
+                    </a:solidFill>
+                  </a:ln>
+                </p:spPr>
+                <p:txBody>
+                  <a:bodyPr wrap="square" rtlCol="0">
+                    <a:spAutoFit/>
+                  </a:bodyPr>
+                  <a:lstStyle/>
+                  <a:p>
+                    <a:r>
+                      <a:rPr lang="en-US" altLang="zh-CN" dirty="0">
+                        <a:solidFill>
+                          <a:schemeClr val="bg1"/>
+                        </a:solidFill>
+                        <a:latin typeface="Times New Roman" panose="02020603050405020304" pitchFamily="18" charset="0"/>
+                        <a:cs typeface="Times New Roman" panose="02020603050405020304" pitchFamily="18" charset="0"/>
+                      </a:rPr>
+                      <a:t>correct</a:t>
+                    </a:r>
+                    <a:endParaRPr lang="zh-TW" altLang="en-US" sz="1400" dirty="0">
+                      <a:solidFill>
+                        <a:schemeClr val="bg1"/>
+                      </a:solidFill>
+                      <a:latin typeface="Times New Roman" panose="02020603050405020304" pitchFamily="18" charset="0"/>
+                      <a:cs typeface="Times New Roman" panose="02020603050405020304" pitchFamily="18" charset="0"/>
+                    </a:endParaRPr>
+                  </a:p>
+                </p:txBody>
+              </p:sp>
+            </p:grpSp>
+            <p:sp>
+              <p:nvSpPr>
+                <p:cNvPr id="41" name="文本框 40"/>
+                <p:cNvSpPr txBox="1"/>
+                <p:nvPr/>
+              </p:nvSpPr>
+              <p:spPr>
+                <a:xfrm>
+                  <a:off x="9375897" y="5961243"/>
+                  <a:ext cx="681957" cy="307777"/>
+                </a:xfrm>
+                <a:prstGeom prst="rect">
+                  <a:avLst/>
+                </a:prstGeom>
+                <a:noFill/>
+                <a:ln>
+                  <a:solidFill>
+                    <a:schemeClr val="bg1"/>
+                  </a:solidFill>
+                </a:ln>
+              </p:spPr>
+              <p:txBody>
+                <a:bodyPr wrap="square" rtlCol="0">
+                  <a:spAutoFit/>
+                </a:bodyPr>
+                <a:lstStyle/>
+                <a:p>
+                  <a:r>
+                    <a:rPr lang="en-US" altLang="zh-TW" sz="1400" dirty="0">
+                      <a:solidFill>
+                        <a:schemeClr val="bg1"/>
+                      </a:solidFill>
+                      <a:latin typeface="Times New Roman" panose="02020603050405020304" pitchFamily="18" charset="0"/>
+                      <a:cs typeface="Times New Roman" panose="02020603050405020304" pitchFamily="18" charset="0"/>
+                    </a:rPr>
+                    <a:t>500</a:t>
+                  </a:r>
+                  <a:r>
+                    <a:rPr lang="en-US" altLang="zh-CN" sz="1400" dirty="0">
+                      <a:solidFill>
+                        <a:schemeClr val="bg1"/>
+                      </a:solidFill>
+                      <a:latin typeface="Times New Roman" panose="02020603050405020304" pitchFamily="18" charset="0"/>
+                      <a:cs typeface="Times New Roman" panose="02020603050405020304" pitchFamily="18" charset="0"/>
+                    </a:rPr>
+                    <a:t>ms</a:t>
+                  </a:r>
+                  <a:endParaRPr lang="en-US" altLang="zh-TW" sz="1400" dirty="0">
+                    <a:solidFill>
+                      <a:schemeClr val="bg1"/>
+                    </a:solidFill>
+                    <a:latin typeface="Times New Roman" panose="02020603050405020304" pitchFamily="18" charset="0"/>
+                    <a:cs typeface="Times New Roman" panose="02020603050405020304" pitchFamily="18" charset="0"/>
+                  </a:endParaRPr>
+                </a:p>
+              </p:txBody>
+            </p:sp>
+          </p:grpSp>
+          <p:cxnSp>
+            <p:nvCxnSpPr>
+              <p:cNvPr id="21" name="直接箭头连接符 20"/>
+              <p:cNvCxnSpPr/>
+              <p:nvPr/>
+            </p:nvCxnSpPr>
+            <p:spPr>
+              <a:xfrm>
+                <a:off x="4673059" y="2625686"/>
+                <a:ext cx="2540464" cy="2310928"/>
+              </a:xfrm>
+              <a:prstGeom prst="straightConnector1">
+                <a:avLst/>
+              </a:prstGeom>
+              <a:ln w="12700">
+                <a:solidFill>
+                  <a:schemeClr val="bg1"/>
+                </a:solidFill>
+                <a:tailEnd type="triangle"/>
+              </a:ln>
+            </p:spPr>
+            <p:style>
+              <a:lnRef idx="1">
+                <a:schemeClr val="accent1"/>
+              </a:lnRef>
+              <a:fillRef idx="0">
+                <a:schemeClr val="accent1"/>
+              </a:fillRef>
+              <a:effectRef idx="0">
+                <a:schemeClr val="accent1"/>
+              </a:effectRef>
+              <a:fontRef idx="minor">
+                <a:schemeClr val="tx1"/>
+              </a:fontRef>
+            </p:style>
+          </p:cxnSp>
+        </p:grpSp>
+        <p:sp>
+          <p:nvSpPr>
+            <p:cNvPr id="16" name="矩形 15"/>
+            <p:cNvSpPr/>
+            <p:nvPr/>
+          </p:nvSpPr>
+          <p:spPr>
+            <a:xfrm>
+              <a:off x="1104901" y="1343026"/>
+              <a:ext cx="4914899" cy="4476749"/>
+            </a:xfrm>
+            <a:prstGeom prst="rect">
+              <a:avLst/>
+            </a:prstGeom>
+            <a:noFill/>
+            <a:ln w="19050">
+              <a:solidFill>
+                <a:schemeClr val="bg1"/>
+              </a:solidFill>
+              <a:prstDash val="dash"/>
+            </a:ln>
+          </p:spPr>
+          <p:style>
+            <a:lnRef idx="2">
+              <a:schemeClr val="accent1">
+                <a:shade val="50000"/>
+              </a:schemeClr>
+            </a:lnRef>
+            <a:fillRef idx="1">
+              <a:schemeClr val="accent1"/>
+            </a:fillRef>
+            <a:effectRef idx="0">
+              <a:schemeClr val="accent1"/>
+            </a:effectRef>
+            <a:fontRef idx="minor">
+              <a:schemeClr val="lt1"/>
+            </a:fontRef>
+          </p:style>
+          <p:txBody>
+            <a:bodyPr rtlCol="0" anchor="ctr"/>
+            <a:lstStyle/>
+            <a:p>
+              <a:pPr algn="ctr"/>
+              <a:endParaRPr lang="zh-TW" altLang="en-US">
+                <a:latin typeface="Times New Roman" panose="02020603050405020304" pitchFamily="18" charset="0"/>
+                <a:cs typeface="Times New Roman" panose="02020603050405020304" pitchFamily="18" charset="0"/>
+              </a:endParaRPr>
+            </a:p>
+          </p:txBody>
+        </p:sp>
+      </p:grpSp>
+      <p:grpSp>
+        <p:nvGrpSpPr>
+          <p:cNvPr id="43" name="组合 42"/>
+          <p:cNvGrpSpPr/>
+          <p:nvPr/>
+        </p:nvGrpSpPr>
+        <p:grpSpPr>
+          <a:xfrm>
+            <a:off x="6533010" y="2165351"/>
+            <a:ext cx="4914899" cy="4476749"/>
+            <a:chOff x="1104901" y="1343026"/>
+            <a:chExt cx="4914899" cy="4476749"/>
+          </a:xfrm>
+        </p:grpSpPr>
+        <p:grpSp>
+          <p:nvGrpSpPr>
+            <p:cNvPr id="45" name="组合 44"/>
+            <p:cNvGrpSpPr/>
+            <p:nvPr/>
+          </p:nvGrpSpPr>
+          <p:grpSpPr>
+            <a:xfrm>
+              <a:off x="1440591" y="1642785"/>
+              <a:ext cx="4225211" cy="3883129"/>
+              <a:chOff x="4673059" y="1169709"/>
+              <a:chExt cx="4225211" cy="3883129"/>
+            </a:xfrm>
+          </p:grpSpPr>
+          <p:grpSp>
+            <p:nvGrpSpPr>
+              <p:cNvPr id="47" name="组合 46"/>
+              <p:cNvGrpSpPr/>
+              <p:nvPr/>
+            </p:nvGrpSpPr>
+            <p:grpSpPr>
+              <a:xfrm>
+                <a:off x="5113336" y="1169709"/>
+                <a:ext cx="1279075" cy="1434644"/>
+                <a:chOff x="5113336" y="1169709"/>
+                <a:chExt cx="1279075" cy="1434644"/>
+              </a:xfrm>
+            </p:grpSpPr>
+            <p:sp>
+              <p:nvSpPr>
+                <p:cNvPr id="64" name="文本框 63"/>
+                <p:cNvSpPr txBox="1"/>
+                <p:nvPr/>
+              </p:nvSpPr>
+              <p:spPr>
+                <a:xfrm>
+                  <a:off x="5113336" y="2296576"/>
+                  <a:ext cx="681957" cy="307777"/>
+                </a:xfrm>
+                <a:prstGeom prst="rect">
+                  <a:avLst/>
+                </a:prstGeom>
+                <a:noFill/>
+              </p:spPr>
+              <p:txBody>
+                <a:bodyPr wrap="square" rtlCol="0">
+                  <a:spAutoFit/>
+                </a:bodyPr>
+                <a:lstStyle/>
+                <a:p>
+                  <a:r>
+                    <a:rPr lang="en-US" altLang="zh-TW" sz="1400" dirty="0">
+                      <a:solidFill>
+                        <a:schemeClr val="bg1"/>
+                      </a:solidFill>
+                      <a:latin typeface="Times New Roman" panose="02020603050405020304" pitchFamily="18" charset="0"/>
+                      <a:cs typeface="Times New Roman" panose="02020603050405020304" pitchFamily="18" charset="0"/>
+                    </a:rPr>
+                    <a:t>500</a:t>
+                  </a:r>
+                  <a:r>
+                    <a:rPr lang="en-US" altLang="zh-CN" sz="1400" dirty="0">
+                      <a:solidFill>
+                        <a:schemeClr val="bg1"/>
+                      </a:solidFill>
+                      <a:latin typeface="Times New Roman" panose="02020603050405020304" pitchFamily="18" charset="0"/>
+                      <a:cs typeface="Times New Roman" panose="02020603050405020304" pitchFamily="18" charset="0"/>
+                    </a:rPr>
+                    <a:t>ms</a:t>
+                  </a:r>
+                  <a:endParaRPr lang="en-US" altLang="zh-TW" sz="1400" dirty="0">
+                    <a:solidFill>
+                      <a:schemeClr val="bg1"/>
+                    </a:solidFill>
+                    <a:latin typeface="Times New Roman" panose="02020603050405020304" pitchFamily="18" charset="0"/>
+                    <a:cs typeface="Times New Roman" panose="02020603050405020304" pitchFamily="18" charset="0"/>
+                  </a:endParaRPr>
+                </a:p>
+              </p:txBody>
+            </p:sp>
+            <p:grpSp>
+              <p:nvGrpSpPr>
+                <p:cNvPr id="65" name="组合 64"/>
+                <p:cNvGrpSpPr/>
+                <p:nvPr/>
+              </p:nvGrpSpPr>
+              <p:grpSpPr>
+                <a:xfrm>
+                  <a:off x="5198176" y="1169709"/>
+                  <a:ext cx="1194235" cy="1145058"/>
+                  <a:chOff x="5198176" y="1169709"/>
+                  <a:chExt cx="1194235" cy="1145058"/>
+                </a:xfrm>
+              </p:grpSpPr>
+              <p:sp>
+                <p:nvSpPr>
+                  <p:cNvPr id="66" name="矩形 65"/>
+                  <p:cNvSpPr/>
+                  <p:nvPr/>
+                </p:nvSpPr>
+                <p:spPr>
+                  <a:xfrm>
+                    <a:off x="5198176" y="1169709"/>
+                    <a:ext cx="1194235" cy="1145058"/>
+                  </a:xfrm>
+                  <a:prstGeom prst="rect">
+                    <a:avLst/>
+                  </a:prstGeom>
+                  <a:solidFill>
+                    <a:srgbClr val="7F7E7F"/>
+                  </a:solidFill>
+                  <a:ln>
+                    <a:solidFill>
+                      <a:schemeClr val="bg1"/>
+                    </a:solidFill>
+                  </a:ln>
+                </p:spPr>
+                <p:style>
+                  <a:lnRef idx="2">
+                    <a:schemeClr val="accent1">
+                      <a:shade val="50000"/>
+                    </a:schemeClr>
+                  </a:lnRef>
+                  <a:fillRef idx="1">
+                    <a:schemeClr val="accent1"/>
+                  </a:fillRef>
+                  <a:effectRef idx="0">
+                    <a:schemeClr val="accent1"/>
+                  </a:effectRef>
+                  <a:fontRef idx="minor">
+                    <a:schemeClr val="lt1"/>
+                  </a:fontRef>
+                </p:style>
+                <p:txBody>
+                  <a:bodyPr rtlCol="0" anchor="ctr"/>
+                  <a:lstStyle/>
+                  <a:p>
+                    <a:pPr algn="ctr"/>
+                    <a:endParaRPr lang="zh-TW" altLang="en-US">
+                      <a:latin typeface="Times New Roman" panose="02020603050405020304" pitchFamily="18" charset="0"/>
+                      <a:cs typeface="Times New Roman" panose="02020603050405020304" pitchFamily="18" charset="0"/>
+                    </a:endParaRPr>
+                  </a:p>
+                </p:txBody>
+              </p:sp>
+              <p:sp>
+                <p:nvSpPr>
+                  <p:cNvPr id="67" name="文本框 66"/>
+                  <p:cNvSpPr txBox="1"/>
+                  <p:nvPr/>
+                </p:nvSpPr>
+                <p:spPr>
+                  <a:xfrm>
+                    <a:off x="5608732" y="1469526"/>
+                    <a:ext cx="357189" cy="523220"/>
+                  </a:xfrm>
+                  <a:prstGeom prst="rect">
+                    <a:avLst/>
+                  </a:prstGeom>
+                  <a:noFill/>
+                </p:spPr>
+                <p:txBody>
+                  <a:bodyPr wrap="square" rtlCol="0">
+                    <a:spAutoFit/>
+                  </a:bodyPr>
+                  <a:lstStyle/>
+                  <a:p>
+                    <a:r>
+                      <a:rPr lang="en-US" altLang="zh-TW" sz="2800" dirty="0">
+                        <a:solidFill>
+                          <a:schemeClr val="bg1"/>
+                        </a:solidFill>
+                        <a:latin typeface="Times New Roman" panose="02020603050405020304" pitchFamily="18" charset="0"/>
+                        <a:cs typeface="Times New Roman" panose="02020603050405020304" pitchFamily="18" charset="0"/>
+                      </a:rPr>
+                      <a:t>+</a:t>
+                    </a:r>
+                    <a:endParaRPr lang="zh-TW" altLang="en-US" dirty="0">
+                      <a:solidFill>
+                        <a:schemeClr val="bg1"/>
+                      </a:solidFill>
+                      <a:latin typeface="Times New Roman" panose="02020603050405020304" pitchFamily="18" charset="0"/>
+                      <a:cs typeface="Times New Roman" panose="02020603050405020304" pitchFamily="18" charset="0"/>
+                    </a:endParaRPr>
+                  </a:p>
+                </p:txBody>
+              </p:sp>
+            </p:grpSp>
+          </p:grpSp>
+          <p:grpSp>
+            <p:nvGrpSpPr>
+              <p:cNvPr id="48" name="组合 47"/>
+              <p:cNvGrpSpPr/>
+              <p:nvPr/>
+            </p:nvGrpSpPr>
+            <p:grpSpPr>
+              <a:xfrm>
+                <a:off x="5981855" y="1992843"/>
+                <a:ext cx="1247603" cy="1430251"/>
+                <a:chOff x="5694674" y="2173887"/>
+                <a:chExt cx="1247603" cy="1430251"/>
+              </a:xfrm>
+            </p:grpSpPr>
+            <p:grpSp>
+              <p:nvGrpSpPr>
+                <p:cNvPr id="58" name="组合 57"/>
+                <p:cNvGrpSpPr/>
+                <p:nvPr/>
+              </p:nvGrpSpPr>
+              <p:grpSpPr>
+                <a:xfrm>
+                  <a:off x="5748042" y="2173887"/>
+                  <a:ext cx="1194235" cy="1145058"/>
+                  <a:chOff x="5198176" y="1169709"/>
+                  <a:chExt cx="1194235" cy="1145058"/>
+                </a:xfrm>
+              </p:grpSpPr>
+              <p:sp>
+                <p:nvSpPr>
+                  <p:cNvPr id="62" name="矩形 61"/>
+                  <p:cNvSpPr/>
+                  <p:nvPr/>
+                </p:nvSpPr>
+                <p:spPr>
+                  <a:xfrm>
+                    <a:off x="5198176" y="1169709"/>
+                    <a:ext cx="1194235" cy="1145058"/>
+                  </a:xfrm>
+                  <a:prstGeom prst="rect">
+                    <a:avLst/>
+                  </a:prstGeom>
+                  <a:solidFill>
+                    <a:srgbClr val="7F7E7F"/>
+                  </a:solidFill>
+                  <a:ln>
+                    <a:solidFill>
+                      <a:schemeClr val="bg1"/>
+                    </a:solidFill>
+                  </a:ln>
+                </p:spPr>
+                <p:style>
+                  <a:lnRef idx="2">
+                    <a:schemeClr val="accent1">
+                      <a:shade val="50000"/>
+                    </a:schemeClr>
+                  </a:lnRef>
+                  <a:fillRef idx="1">
+                    <a:schemeClr val="accent1"/>
+                  </a:fillRef>
+                  <a:effectRef idx="0">
+                    <a:schemeClr val="accent1"/>
+                  </a:effectRef>
+                  <a:fontRef idx="minor">
+                    <a:schemeClr val="lt1"/>
+                  </a:fontRef>
+                </p:style>
+                <p:txBody>
+                  <a:bodyPr rtlCol="0" anchor="ctr"/>
+                  <a:lstStyle/>
+                  <a:p>
+                    <a:pPr algn="ctr"/>
+                    <a:endParaRPr lang="zh-TW" altLang="en-US">
+                      <a:latin typeface="Times New Roman" panose="02020603050405020304" pitchFamily="18" charset="0"/>
+                      <a:cs typeface="Times New Roman" panose="02020603050405020304" pitchFamily="18" charset="0"/>
+                    </a:endParaRPr>
+                  </a:p>
+                </p:txBody>
+              </p:sp>
+              <p:sp>
+                <p:nvSpPr>
+                  <p:cNvPr id="63" name="文本框 62"/>
+                  <p:cNvSpPr txBox="1"/>
+                  <p:nvPr/>
+                </p:nvSpPr>
+                <p:spPr>
+                  <a:xfrm>
+                    <a:off x="5624666" y="1480628"/>
+                    <a:ext cx="341254" cy="523220"/>
+                  </a:xfrm>
+                  <a:prstGeom prst="rect">
+                    <a:avLst/>
+                  </a:prstGeom>
+                  <a:noFill/>
+                </p:spPr>
+                <p:txBody>
+                  <a:bodyPr wrap="square" rtlCol="0">
+                    <a:spAutoFit/>
+                  </a:bodyPr>
+                  <a:lstStyle/>
+                  <a:p>
+                    <a:r>
+                      <a:rPr lang="en-US" altLang="zh-TW" sz="2800" dirty="0">
+                        <a:solidFill>
+                          <a:schemeClr val="bg1"/>
+                        </a:solidFill>
+                        <a:latin typeface="Times New Roman" panose="02020603050405020304" pitchFamily="18" charset="0"/>
+                        <a:cs typeface="Times New Roman" panose="02020603050405020304" pitchFamily="18" charset="0"/>
+                      </a:rPr>
+                      <a:t>+</a:t>
+                    </a:r>
+                    <a:endParaRPr lang="zh-TW" altLang="en-US" dirty="0">
+                      <a:solidFill>
+                        <a:schemeClr val="bg1"/>
+                      </a:solidFill>
+                      <a:latin typeface="Times New Roman" panose="02020603050405020304" pitchFamily="18" charset="0"/>
+                      <a:cs typeface="Times New Roman" panose="02020603050405020304" pitchFamily="18" charset="0"/>
+                    </a:endParaRPr>
+                  </a:p>
+                </p:txBody>
+              </p:sp>
+            </p:grpSp>
+            <p:sp>
+              <p:nvSpPr>
+                <p:cNvPr id="59" name="矩形 58"/>
+                <p:cNvSpPr/>
+                <p:nvPr/>
+              </p:nvSpPr>
+              <p:spPr>
+                <a:xfrm>
+                  <a:off x="6236738" y="2344289"/>
+                  <a:ext cx="254941" cy="251874"/>
+                </a:xfrm>
+                <a:prstGeom prst="rect">
+                  <a:avLst/>
+                </a:prstGeom>
+                <a:solidFill>
+                  <a:srgbClr val="7F7E7F"/>
+                </a:solidFill>
+                <a:ln w="19050">
+                  <a:solidFill>
+                    <a:schemeClr val="bg1"/>
+                  </a:solidFill>
+                </a:ln>
+              </p:spPr>
+              <p:style>
+                <a:lnRef idx="2">
+                  <a:schemeClr val="accent1">
+                    <a:shade val="50000"/>
+                  </a:schemeClr>
+                </a:lnRef>
+                <a:fillRef idx="1">
+                  <a:schemeClr val="accent1"/>
+                </a:fillRef>
+                <a:effectRef idx="0">
+                  <a:schemeClr val="accent1"/>
+                </a:effectRef>
+                <a:fontRef idx="minor">
+                  <a:schemeClr val="lt1"/>
+                </a:fontRef>
+              </p:style>
+              <p:txBody>
+                <a:bodyPr rtlCol="0" anchor="ctr"/>
+                <a:lstStyle/>
+                <a:p>
+                  <a:pPr algn="ctr"/>
+                  <a:endParaRPr lang="zh-TW" altLang="en-US">
+                    <a:latin typeface="Times New Roman" panose="02020603050405020304" pitchFamily="18" charset="0"/>
+                    <a:cs typeface="Times New Roman" panose="02020603050405020304" pitchFamily="18" charset="0"/>
+                  </a:endParaRPr>
+                </a:p>
+              </p:txBody>
+            </p:sp>
+            <p:sp>
+              <p:nvSpPr>
+                <p:cNvPr id="60" name="文本框 59"/>
+                <p:cNvSpPr txBox="1"/>
+                <p:nvPr/>
+              </p:nvSpPr>
+              <p:spPr>
+                <a:xfrm>
+                  <a:off x="6051591" y="2859806"/>
+                  <a:ext cx="616593" cy="369332"/>
+                </a:xfrm>
+                <a:prstGeom prst="rect">
+                  <a:avLst/>
+                </a:prstGeom>
+                <a:noFill/>
+              </p:spPr>
+              <p:txBody>
+                <a:bodyPr wrap="square" rtlCol="0">
+                  <a:spAutoFit/>
+                </a:bodyPr>
+                <a:lstStyle/>
+                <a:p>
+                  <a:r>
+                    <a:rPr lang="en-US" altLang="zh-CN" dirty="0">
+                      <a:solidFill>
+                        <a:schemeClr val="bg1"/>
+                      </a:solidFill>
+                      <a:latin typeface="Times New Roman" panose="02020603050405020304" pitchFamily="18" charset="0"/>
+                      <a:cs typeface="Times New Roman" panose="02020603050405020304" pitchFamily="18" charset="0"/>
+                    </a:rPr>
+                    <a:t>Self</a:t>
+                  </a:r>
+                  <a:endParaRPr lang="zh-TW" altLang="en-US" sz="1400" dirty="0">
+                    <a:solidFill>
+                      <a:schemeClr val="bg1"/>
+                    </a:solidFill>
+                    <a:latin typeface="Times New Roman" panose="02020603050405020304" pitchFamily="18" charset="0"/>
+                    <a:cs typeface="Times New Roman" panose="02020603050405020304" pitchFamily="18" charset="0"/>
+                  </a:endParaRPr>
+                </a:p>
+              </p:txBody>
+            </p:sp>
+            <p:sp>
+              <p:nvSpPr>
+                <p:cNvPr id="61" name="文本框 60"/>
+                <p:cNvSpPr txBox="1"/>
+                <p:nvPr/>
+              </p:nvSpPr>
+              <p:spPr>
+                <a:xfrm>
+                  <a:off x="5694674" y="3296361"/>
+                  <a:ext cx="681957" cy="307777"/>
+                </a:xfrm>
+                <a:prstGeom prst="rect">
+                  <a:avLst/>
+                </a:prstGeom>
+                <a:noFill/>
+              </p:spPr>
+              <p:txBody>
+                <a:bodyPr wrap="square" rtlCol="0">
+                  <a:spAutoFit/>
+                </a:bodyPr>
+                <a:lstStyle/>
+                <a:p>
+                  <a:r>
+                    <a:rPr lang="en-US" altLang="zh-TW" sz="1400" dirty="0">
+                      <a:solidFill>
+                        <a:schemeClr val="bg1"/>
+                      </a:solidFill>
+                      <a:latin typeface="Times New Roman" panose="02020603050405020304" pitchFamily="18" charset="0"/>
+                      <a:cs typeface="Times New Roman" panose="02020603050405020304" pitchFamily="18" charset="0"/>
+                    </a:rPr>
+                    <a:t>100</a:t>
+                  </a:r>
+                  <a:r>
+                    <a:rPr lang="en-US" altLang="zh-CN" sz="1400" dirty="0">
+                      <a:solidFill>
+                        <a:schemeClr val="bg1"/>
+                      </a:solidFill>
+                      <a:latin typeface="Times New Roman" panose="02020603050405020304" pitchFamily="18" charset="0"/>
+                      <a:cs typeface="Times New Roman" panose="02020603050405020304" pitchFamily="18" charset="0"/>
+                    </a:rPr>
+                    <a:t>ms</a:t>
+                  </a:r>
+                  <a:endParaRPr lang="en-US" altLang="zh-TW" sz="1400" dirty="0">
+                    <a:solidFill>
+                      <a:schemeClr val="bg1"/>
+                    </a:solidFill>
+                    <a:latin typeface="Times New Roman" panose="02020603050405020304" pitchFamily="18" charset="0"/>
+                    <a:cs typeface="Times New Roman" panose="02020603050405020304" pitchFamily="18" charset="0"/>
+                  </a:endParaRPr>
+                </a:p>
+              </p:txBody>
+            </p:sp>
+          </p:grpSp>
+          <p:grpSp>
+            <p:nvGrpSpPr>
+              <p:cNvPr id="49" name="组合 48"/>
+              <p:cNvGrpSpPr/>
+              <p:nvPr/>
+            </p:nvGrpSpPr>
+            <p:grpSpPr>
+              <a:xfrm>
+                <a:off x="6366053" y="2797569"/>
+                <a:ext cx="1722774" cy="1455966"/>
+                <a:chOff x="8164600" y="3056379"/>
+                <a:chExt cx="1722774" cy="1455966"/>
+              </a:xfrm>
+            </p:grpSpPr>
+            <p:sp>
+              <p:nvSpPr>
+                <p:cNvPr id="56" name="文本框 55"/>
+                <p:cNvSpPr txBox="1"/>
+                <p:nvPr/>
+              </p:nvSpPr>
+              <p:spPr>
+                <a:xfrm>
+                  <a:off x="8164600" y="4204568"/>
+                  <a:ext cx="1430044" cy="307777"/>
+                </a:xfrm>
+                <a:prstGeom prst="rect">
+                  <a:avLst/>
+                </a:prstGeom>
+                <a:noFill/>
+              </p:spPr>
+              <p:txBody>
+                <a:bodyPr wrap="square" rtlCol="0">
+                  <a:spAutoFit/>
+                </a:bodyPr>
+                <a:lstStyle/>
+                <a:p>
+                  <a:r>
+                    <a:rPr lang="en-US" altLang="zh-TW" sz="1400" dirty="0">
+                      <a:solidFill>
+                        <a:schemeClr val="bg1"/>
+                      </a:solidFill>
+                      <a:latin typeface="Times New Roman" panose="02020603050405020304" pitchFamily="18" charset="0"/>
+                      <a:cs typeface="Times New Roman" panose="02020603050405020304" pitchFamily="18" charset="0"/>
+                    </a:rPr>
+                    <a:t>200ms ~ 1500ms</a:t>
+                  </a:r>
+                </a:p>
+              </p:txBody>
+            </p:sp>
+            <p:sp>
+              <p:nvSpPr>
+                <p:cNvPr id="57" name="矩形 56"/>
+                <p:cNvSpPr/>
+                <p:nvPr/>
+              </p:nvSpPr>
+              <p:spPr>
+                <a:xfrm>
+                  <a:off x="8693139" y="3056379"/>
+                  <a:ext cx="1194235" cy="1145058"/>
+                </a:xfrm>
+                <a:prstGeom prst="rect">
+                  <a:avLst/>
+                </a:prstGeom>
+                <a:solidFill>
+                  <a:srgbClr val="7F7E7F"/>
+                </a:solidFill>
+                <a:ln>
+                  <a:solidFill>
+                    <a:schemeClr val="bg1"/>
+                  </a:solidFill>
+                </a:ln>
+              </p:spPr>
+              <p:style>
+                <a:lnRef idx="2">
+                  <a:schemeClr val="accent1">
+                    <a:shade val="50000"/>
+                  </a:schemeClr>
+                </a:lnRef>
+                <a:fillRef idx="1">
+                  <a:schemeClr val="accent1"/>
+                </a:fillRef>
+                <a:effectRef idx="0">
+                  <a:schemeClr val="accent1"/>
+                </a:effectRef>
+                <a:fontRef idx="minor">
+                  <a:schemeClr val="lt1"/>
+                </a:fontRef>
+              </p:style>
+              <p:txBody>
+                <a:bodyPr rtlCol="0" anchor="ctr"/>
+                <a:lstStyle/>
+                <a:p>
+                  <a:pPr algn="ctr"/>
+                  <a:endParaRPr lang="zh-TW" altLang="en-US">
+                    <a:latin typeface="Times New Roman" panose="02020603050405020304" pitchFamily="18" charset="0"/>
+                    <a:cs typeface="Times New Roman" panose="02020603050405020304" pitchFamily="18" charset="0"/>
+                  </a:endParaRPr>
+                </a:p>
+              </p:txBody>
+            </p:sp>
+          </p:grpSp>
+          <p:grpSp>
+            <p:nvGrpSpPr>
+              <p:cNvPr id="50" name="组合 49"/>
+              <p:cNvGrpSpPr/>
+              <p:nvPr/>
+            </p:nvGrpSpPr>
+            <p:grpSpPr>
+              <a:xfrm>
+                <a:off x="7613997" y="3607073"/>
+                <a:ext cx="1284273" cy="1445765"/>
+                <a:chOff x="9375896" y="4823255"/>
+                <a:chExt cx="1284273" cy="1445765"/>
+              </a:xfrm>
+            </p:grpSpPr>
+            <p:sp>
+              <p:nvSpPr>
+                <p:cNvPr id="54" name="矩形 53"/>
+                <p:cNvSpPr/>
+                <p:nvPr/>
+              </p:nvSpPr>
+              <p:spPr>
+                <a:xfrm>
+                  <a:off x="9465934" y="4823255"/>
+                  <a:ext cx="1194235" cy="1145058"/>
+                </a:xfrm>
+                <a:prstGeom prst="rect">
+                  <a:avLst/>
+                </a:prstGeom>
+                <a:solidFill>
+                  <a:srgbClr val="7F7E7F"/>
+                </a:solidFill>
+                <a:ln>
+                  <a:solidFill>
+                    <a:schemeClr val="bg1"/>
+                  </a:solidFill>
+                </a:ln>
+              </p:spPr>
+              <p:style>
+                <a:lnRef idx="2">
+                  <a:schemeClr val="accent1">
+                    <a:shade val="50000"/>
+                  </a:schemeClr>
+                </a:lnRef>
+                <a:fillRef idx="1">
+                  <a:schemeClr val="accent1"/>
+                </a:fillRef>
+                <a:effectRef idx="0">
+                  <a:schemeClr val="accent1"/>
+                </a:effectRef>
+                <a:fontRef idx="minor">
+                  <a:schemeClr val="lt1"/>
+                </a:fontRef>
+              </p:style>
+              <p:txBody>
+                <a:bodyPr rtlCol="0" anchor="ctr"/>
+                <a:lstStyle/>
+                <a:p>
+                  <a:pPr algn="ctr"/>
+                  <a:endParaRPr lang="zh-TW" altLang="en-US">
+                    <a:latin typeface="Times New Roman" panose="02020603050405020304" pitchFamily="18" charset="0"/>
+                    <a:cs typeface="Times New Roman" panose="02020603050405020304" pitchFamily="18" charset="0"/>
+                  </a:endParaRPr>
+                </a:p>
+              </p:txBody>
+            </p:sp>
+            <p:sp>
+              <p:nvSpPr>
+                <p:cNvPr id="53" name="文本框 52"/>
+                <p:cNvSpPr txBox="1"/>
+                <p:nvPr/>
+              </p:nvSpPr>
+              <p:spPr>
+                <a:xfrm>
+                  <a:off x="9375896" y="5961243"/>
+                  <a:ext cx="1210799" cy="307777"/>
+                </a:xfrm>
+                <a:prstGeom prst="rect">
+                  <a:avLst/>
+                </a:prstGeom>
+                <a:noFill/>
+              </p:spPr>
+              <p:txBody>
+                <a:bodyPr wrap="square" rtlCol="0">
+                  <a:spAutoFit/>
+                </a:bodyPr>
+                <a:lstStyle/>
+                <a:p>
+                  <a:r>
+                    <a:rPr lang="en-US" altLang="zh-TW" sz="1400" dirty="0">
+                      <a:solidFill>
+                        <a:schemeClr val="bg1"/>
+                      </a:solidFill>
+                      <a:latin typeface="Times New Roman" panose="02020603050405020304" pitchFamily="18" charset="0"/>
+                      <a:cs typeface="Times New Roman" panose="02020603050405020304" pitchFamily="18" charset="0"/>
+                    </a:rPr>
+                    <a:t>ITI 0 ~ 500</a:t>
+                  </a:r>
+                  <a:r>
+                    <a:rPr lang="en-US" altLang="zh-CN" sz="1400" dirty="0">
+                      <a:solidFill>
+                        <a:schemeClr val="bg1"/>
+                      </a:solidFill>
+                      <a:latin typeface="Times New Roman" panose="02020603050405020304" pitchFamily="18" charset="0"/>
+                      <a:cs typeface="Times New Roman" panose="02020603050405020304" pitchFamily="18" charset="0"/>
+                    </a:rPr>
+                    <a:t>ms</a:t>
+                  </a:r>
+                  <a:endParaRPr lang="en-US" altLang="zh-TW" sz="1400" dirty="0">
+                    <a:solidFill>
+                      <a:schemeClr val="bg1"/>
+                    </a:solidFill>
+                    <a:latin typeface="Times New Roman" panose="02020603050405020304" pitchFamily="18" charset="0"/>
+                    <a:cs typeface="Times New Roman" panose="02020603050405020304" pitchFamily="18" charset="0"/>
+                  </a:endParaRPr>
+                </a:p>
+              </p:txBody>
+            </p:sp>
+          </p:grpSp>
+          <p:cxnSp>
+            <p:nvCxnSpPr>
+              <p:cNvPr id="51" name="直接箭头连接符 50"/>
+              <p:cNvCxnSpPr/>
+              <p:nvPr/>
+            </p:nvCxnSpPr>
+            <p:spPr>
+              <a:xfrm>
+                <a:off x="4673059" y="2625686"/>
+                <a:ext cx="2540464" cy="2310928"/>
+              </a:xfrm>
+              <a:prstGeom prst="straightConnector1">
+                <a:avLst/>
+              </a:prstGeom>
+              <a:ln w="12700">
+                <a:solidFill>
+                  <a:schemeClr val="bg1"/>
+                </a:solidFill>
+                <a:tailEnd type="triangle"/>
+              </a:ln>
+            </p:spPr>
+            <p:style>
+              <a:lnRef idx="1">
+                <a:schemeClr val="accent1"/>
+              </a:lnRef>
+              <a:fillRef idx="0">
+                <a:schemeClr val="accent1"/>
+              </a:fillRef>
+              <a:effectRef idx="0">
+                <a:schemeClr val="accent1"/>
+              </a:effectRef>
+              <a:fontRef idx="minor">
+                <a:schemeClr val="tx1"/>
+              </a:fontRef>
+            </p:style>
+          </p:cxnSp>
+        </p:grpSp>
+        <p:sp>
+          <p:nvSpPr>
+            <p:cNvPr id="46" name="矩形 45"/>
+            <p:cNvSpPr/>
+            <p:nvPr/>
+          </p:nvSpPr>
+          <p:spPr>
+            <a:xfrm>
+              <a:off x="1104901" y="1343026"/>
+              <a:ext cx="4914899" cy="4476749"/>
+            </a:xfrm>
+            <a:prstGeom prst="rect">
+              <a:avLst/>
+            </a:prstGeom>
+            <a:noFill/>
+            <a:ln w="19050">
+              <a:solidFill>
+                <a:schemeClr val="bg1"/>
+              </a:solidFill>
+              <a:prstDash val="dash"/>
+            </a:ln>
+          </p:spPr>
+          <p:style>
+            <a:lnRef idx="2">
+              <a:schemeClr val="accent1">
+                <a:shade val="50000"/>
+              </a:schemeClr>
+            </a:lnRef>
+            <a:fillRef idx="1">
+              <a:schemeClr val="accent1"/>
+            </a:fillRef>
+            <a:effectRef idx="0">
+              <a:schemeClr val="accent1"/>
+            </a:effectRef>
+            <a:fontRef idx="minor">
+              <a:schemeClr val="lt1"/>
+            </a:fontRef>
+          </p:style>
+          <p:txBody>
+            <a:bodyPr rtlCol="0" anchor="ctr"/>
+            <a:lstStyle/>
+            <a:p>
+              <a:pPr algn="ctr"/>
+              <a:endParaRPr lang="zh-TW" altLang="en-US">
+                <a:latin typeface="Times New Roman" panose="02020603050405020304" pitchFamily="18" charset="0"/>
+                <a:cs typeface="Times New Roman" panose="02020603050405020304" pitchFamily="18" charset="0"/>
+              </a:endParaRPr>
+            </a:p>
+          </p:txBody>
+        </p:sp>
+      </p:grpSp>
+      <p:sp>
+        <p:nvSpPr>
+          <p:cNvPr id="68" name="圆角矩形 67"/>
+          <p:cNvSpPr/>
+          <p:nvPr/>
+        </p:nvSpPr>
+        <p:spPr>
+          <a:xfrm>
+            <a:off x="1231900" y="1251407"/>
+            <a:ext cx="3933128" cy="749300"/>
+          </a:xfrm>
+          <a:prstGeom prst="roundRect">
+            <a:avLst/>
+          </a:prstGeom>
+          <a:solidFill>
+            <a:srgbClr val="A6A5A5"/>
+          </a:solidFill>
+          <a:ln>
+            <a:noFill/>
+          </a:ln>
+        </p:spPr>
+        <p:style>
+          <a:lnRef idx="2">
+            <a:schemeClr val="accent1">
+              <a:shade val="50000"/>
+            </a:schemeClr>
+          </a:lnRef>
+          <a:fillRef idx="1">
+            <a:schemeClr val="accent1"/>
+          </a:fillRef>
+          <a:effectRef idx="0">
+            <a:schemeClr val="accent1"/>
+          </a:effectRef>
+          <a:fontRef idx="minor">
+            <a:schemeClr val="lt1"/>
+          </a:fontRef>
+        </p:style>
+        <p:txBody>
+          <a:bodyPr rtlCol="0" anchor="ctr"/>
+          <a:lstStyle/>
+          <a:p>
+            <a:pPr algn="ctr"/>
+            <a:r>
+              <a:rPr lang="en-US" altLang="zh-TW" sz="3600" b="1" dirty="0">
+                <a:latin typeface="Times New Roman" panose="02020603050405020304" pitchFamily="18" charset="0"/>
+                <a:cs typeface="Times New Roman" panose="02020603050405020304" pitchFamily="18" charset="0"/>
+              </a:rPr>
+              <a:t>Practice Trials</a:t>
+            </a:r>
+            <a:endParaRPr lang="zh-TW" altLang="en-US" sz="3600" b="1" dirty="0">
+              <a:latin typeface="Times New Roman" panose="02020603050405020304" pitchFamily="18" charset="0"/>
+              <a:cs typeface="Times New Roman" panose="02020603050405020304" pitchFamily="18" charset="0"/>
+            </a:endParaRPr>
+          </a:p>
+        </p:txBody>
+      </p:sp>
+      <p:sp>
+        <p:nvSpPr>
+          <p:cNvPr id="69" name="圆角矩形 68"/>
+          <p:cNvSpPr/>
+          <p:nvPr/>
+        </p:nvSpPr>
+        <p:spPr>
+          <a:xfrm>
+            <a:off x="7023896" y="1279140"/>
+            <a:ext cx="3933128" cy="749300"/>
+          </a:xfrm>
+          <a:prstGeom prst="roundRect">
+            <a:avLst/>
+          </a:prstGeom>
+          <a:solidFill>
+            <a:srgbClr val="A6A5A5"/>
+          </a:solidFill>
+          <a:ln>
+            <a:noFill/>
+          </a:ln>
+        </p:spPr>
+        <p:style>
+          <a:lnRef idx="2">
+            <a:schemeClr val="accent1">
+              <a:shade val="50000"/>
+            </a:schemeClr>
+          </a:lnRef>
+          <a:fillRef idx="1">
+            <a:schemeClr val="accent1"/>
+          </a:fillRef>
+          <a:effectRef idx="0">
+            <a:schemeClr val="accent1"/>
+          </a:effectRef>
+          <a:fontRef idx="minor">
+            <a:schemeClr val="lt1"/>
+          </a:fontRef>
+        </p:style>
+        <p:txBody>
+          <a:bodyPr rtlCol="0" anchor="ctr"/>
+          <a:lstStyle/>
+          <a:p>
+            <a:pPr algn="ctr"/>
+            <a:r>
+              <a:rPr lang="en-US" altLang="zh-TW" sz="3600" b="1" dirty="0">
+                <a:latin typeface="Times New Roman" panose="02020603050405020304" pitchFamily="18" charset="0"/>
+                <a:cs typeface="Times New Roman" panose="02020603050405020304" pitchFamily="18" charset="0"/>
+              </a:rPr>
+              <a:t>Formal Trials</a:t>
+            </a:r>
+            <a:endParaRPr lang="zh-TW" altLang="en-US" sz="3600" b="1" dirty="0">
+              <a:latin typeface="Times New Roman" panose="02020603050405020304" pitchFamily="18" charset="0"/>
+              <a:cs typeface="Times New Roman" panose="02020603050405020304" pitchFamily="18" charset="0"/>
+            </a:endParaRPr>
+          </a:p>
+        </p:txBody>
+      </p:sp>
+      <p:sp>
+        <p:nvSpPr>
+          <p:cNvPr id="70" name="圆角矩形 69"/>
+          <p:cNvSpPr/>
+          <p:nvPr/>
+        </p:nvSpPr>
+        <p:spPr>
+          <a:xfrm>
+            <a:off x="750514" y="269044"/>
+            <a:ext cx="10697396" cy="736600"/>
+          </a:xfrm>
+          <a:prstGeom prst="roundRect">
+            <a:avLst/>
+          </a:prstGeom>
+          <a:solidFill>
+            <a:srgbClr val="D9D9D9"/>
+          </a:solidFill>
+          <a:ln>
+            <a:noFill/>
+          </a:ln>
+        </p:spPr>
+        <p:style>
+          <a:lnRef idx="2">
+            <a:schemeClr val="accent1">
+              <a:shade val="50000"/>
+            </a:schemeClr>
+          </a:lnRef>
+          <a:fillRef idx="1">
+            <a:schemeClr val="accent1"/>
+          </a:fillRef>
+          <a:effectRef idx="0">
+            <a:schemeClr val="accent1"/>
+          </a:effectRef>
+          <a:fontRef idx="minor">
+            <a:schemeClr val="lt1"/>
+          </a:fontRef>
+        </p:style>
+        <p:txBody>
+          <a:bodyPr rtlCol="0" anchor="ctr"/>
+          <a:lstStyle/>
+          <a:p>
+            <a:pPr algn="ctr"/>
+            <a:r>
+              <a:rPr lang="en-US" altLang="zh-TW" sz="3600" b="1" dirty="0">
+                <a:solidFill>
+                  <a:schemeClr val="tx1"/>
+                </a:solidFill>
+                <a:latin typeface="Times New Roman" panose="02020603050405020304" pitchFamily="18" charset="0"/>
+                <a:cs typeface="Times New Roman" panose="02020603050405020304" pitchFamily="18" charset="0"/>
+              </a:rPr>
+              <a:t>Matching Task</a:t>
+            </a:r>
+            <a:endParaRPr lang="zh-TW" altLang="en-US" sz="3600" b="1" dirty="0">
+              <a:solidFill>
+                <a:schemeClr val="tx1"/>
+              </a:solidFill>
+              <a:latin typeface="Times New Roman" panose="02020603050405020304" pitchFamily="18" charset="0"/>
+              <a:cs typeface="Times New Roman" panose="02020603050405020304" pitchFamily="18" charset="0"/>
+            </a:endParaRPr>
+          </a:p>
+        </p:txBody>
+      </p:sp>
+    </p:spTree>
+    <p:extLst>
+      <p:ext uri="{BB962C8B-B14F-4D97-AF65-F5344CB8AC3E}">
+        <p14:creationId xmlns:p14="http://schemas.microsoft.com/office/powerpoint/2010/main" val="1527452288"/>
+      </p:ext>
+    </p:extLst>
+  </p:cSld>
+  <p:clrMapOvr>
+    <a:masterClrMapping/>
+  </p:clrMapOvr>
+</p:sld>
+</file>
+
+<file path=ppt/slides/slide5.xml><?xml version="1.0" encoding="utf-8"?>
+<p:sld xmlns:a="http://schemas.openxmlformats.org/drawingml/2006/main" xmlns:r="http://schemas.openxmlformats.org/officeDocument/2006/relationships" xmlns:p="http://schemas.openxmlformats.org/presentationml/2006/main">
+  <p:cSld>
     <p:spTree>
       <p:nvGrpSpPr>
         <p:cNvPr id="1" name=""/>
@@ -5552,13 +7358,13 @@
               </a:ext>
             </a:extLst>
           </a:blip>
-          <a:srcRect l="9338" t="35874" r="63606" b="21045"/>
+          <a:srcRect l="11256" t="37540" r="65306" b="24706"/>
           <a:stretch/>
         </p:blipFill>
         <p:spPr>
           <a:xfrm>
-            <a:off x="-16934" y="2817817"/>
-            <a:ext cx="3225245" cy="2888722"/>
+            <a:off x="211667" y="2929467"/>
+            <a:ext cx="2794000" cy="2531533"/>
           </a:xfrm>
           <a:prstGeom prst="rect">
             <a:avLst/>
@@ -5629,6 +7435,273 @@
     <p:extLst>
       <p:ext uri="{BB962C8B-B14F-4D97-AF65-F5344CB8AC3E}">
         <p14:creationId xmlns:p14="http://schemas.microsoft.com/office/powerpoint/2010/main" val="778802326"/>
+      </p:ext>
+    </p:extLst>
+  </p:cSld>
+  <p:clrMapOvr>
+    <a:masterClrMapping/>
+  </p:clrMapOvr>
+</p:sld>
+</file>
+
+<file path=ppt/slides/slide6.xml><?xml version="1.0" encoding="utf-8"?>
+<p:sld xmlns:a="http://schemas.openxmlformats.org/drawingml/2006/main" xmlns:r="http://schemas.openxmlformats.org/officeDocument/2006/relationships" xmlns:p="http://schemas.openxmlformats.org/presentationml/2006/main">
+  <p:cSld>
+    <p:spTree>
+      <p:nvGrpSpPr>
+        <p:cNvPr id="1" name=""/>
+        <p:cNvGrpSpPr/>
+        <p:nvPr/>
+      </p:nvGrpSpPr>
+      <p:grpSpPr>
+        <a:xfrm>
+          <a:off x="0" y="0"/>
+          <a:ext cx="0" cy="0"/>
+          <a:chOff x="0" y="0"/>
+          <a:chExt cx="0" cy="0"/>
+        </a:xfrm>
+      </p:grpSpPr>
+      <p:pic>
+        <p:nvPicPr>
+          <p:cNvPr id="6" name="图片 5"/>
+          <p:cNvPicPr>
+            <a:picLocks noChangeAspect="1"/>
+          </p:cNvPicPr>
+          <p:nvPr/>
+        </p:nvPicPr>
+        <p:blipFill rotWithShape="1">
+          <a:blip r:embed="rId2">
+            <a:extLst>
+              <a:ext uri="{28A0092B-C50C-407E-A947-70E740481C1C}">
+                <a14:useLocalDpi xmlns:a14="http://schemas.microsoft.com/office/drawing/2010/main" val="0"/>
+              </a:ext>
+            </a:extLst>
+          </a:blip>
+          <a:srcRect l="11256" t="37540" r="65306" b="24706"/>
+          <a:stretch/>
+        </p:blipFill>
+        <p:spPr>
+          <a:xfrm>
+            <a:off x="211667" y="2929467"/>
+            <a:ext cx="2794000" cy="2531533"/>
+          </a:xfrm>
+          <a:prstGeom prst="rect">
+            <a:avLst/>
+          </a:prstGeom>
+        </p:spPr>
+      </p:pic>
+      <p:pic>
+        <p:nvPicPr>
+          <p:cNvPr id="9" name="圖片 8">
+            <a:extLst>
+              <a:ext uri="{FF2B5EF4-FFF2-40B4-BE49-F238E27FC236}">
+                <a16:creationId xmlns:a16="http://schemas.microsoft.com/office/drawing/2014/main" id="{4D251A00-554D-9BE6-5273-8634A4FF9956}"/>
+              </a:ext>
+            </a:extLst>
+          </p:cNvPr>
+          <p:cNvPicPr>
+            <a:picLocks noChangeAspect="1"/>
+          </p:cNvPicPr>
+          <p:nvPr/>
+        </p:nvPicPr>
+        <p:blipFill>
+          <a:blip r:embed="rId3"/>
+          <a:stretch>
+            <a:fillRect/>
+          </a:stretch>
+        </p:blipFill>
+        <p:spPr>
+          <a:xfrm>
+            <a:off x="143933" y="1052761"/>
+            <a:ext cx="3620529" cy="736793"/>
+          </a:xfrm>
+          <a:prstGeom prst="rect">
+            <a:avLst/>
+          </a:prstGeom>
+        </p:spPr>
+      </p:pic>
+      <p:pic>
+        <p:nvPicPr>
+          <p:cNvPr id="10" name="圖片 9">
+            <a:extLst>
+              <a:ext uri="{FF2B5EF4-FFF2-40B4-BE49-F238E27FC236}">
+                <a16:creationId xmlns:a16="http://schemas.microsoft.com/office/drawing/2014/main" id="{677BB363-8294-794B-DFFD-54C6E69622B0}"/>
+              </a:ext>
+            </a:extLst>
+          </p:cNvPr>
+          <p:cNvPicPr>
+            <a:picLocks noChangeAspect="1"/>
+          </p:cNvPicPr>
+          <p:nvPr/>
+        </p:nvPicPr>
+        <p:blipFill>
+          <a:blip r:embed="rId4"/>
+          <a:stretch>
+            <a:fillRect/>
+          </a:stretch>
+        </p:blipFill>
+        <p:spPr>
+          <a:xfrm>
+            <a:off x="3764463" y="1061228"/>
+            <a:ext cx="8283604" cy="4975817"/>
+          </a:xfrm>
+          <a:prstGeom prst="rect">
+            <a:avLst/>
+          </a:prstGeom>
+        </p:spPr>
+      </p:pic>
+    </p:spTree>
+    <p:extLst>
+      <p:ext uri="{BB962C8B-B14F-4D97-AF65-F5344CB8AC3E}">
+        <p14:creationId xmlns:p14="http://schemas.microsoft.com/office/powerpoint/2010/main" val="296342646"/>
+      </p:ext>
+    </p:extLst>
+  </p:cSld>
+  <p:clrMapOvr>
+    <a:masterClrMapping/>
+  </p:clrMapOvr>
+</p:sld>
+</file>
+
+<file path=ppt/slides/slide7.xml><?xml version="1.0" encoding="utf-8"?>
+<p:sld xmlns:a="http://schemas.openxmlformats.org/drawingml/2006/main" xmlns:r="http://schemas.openxmlformats.org/officeDocument/2006/relationships" xmlns:p="http://schemas.openxmlformats.org/presentationml/2006/main">
+  <p:cSld>
+    <p:spTree>
+      <p:nvGrpSpPr>
+        <p:cNvPr id="1" name=""/>
+        <p:cNvGrpSpPr/>
+        <p:nvPr/>
+      </p:nvGrpSpPr>
+      <p:grpSpPr>
+        <a:xfrm>
+          <a:off x="0" y="0"/>
+          <a:ext cx="0" cy="0"/>
+          <a:chOff x="0" y="0"/>
+          <a:chExt cx="0" cy="0"/>
+        </a:xfrm>
+      </p:grpSpPr>
+      <p:pic>
+        <p:nvPicPr>
+          <p:cNvPr id="9" name="圖片 8">
+            <a:extLst>
+              <a:ext uri="{FF2B5EF4-FFF2-40B4-BE49-F238E27FC236}">
+                <a16:creationId xmlns:a16="http://schemas.microsoft.com/office/drawing/2014/main" id="{4D251A00-554D-9BE6-5273-8634A4FF9956}"/>
+              </a:ext>
+            </a:extLst>
+          </p:cNvPr>
+          <p:cNvPicPr>
+            <a:picLocks noChangeAspect="1"/>
+          </p:cNvPicPr>
+          <p:nvPr/>
+        </p:nvPicPr>
+        <p:blipFill>
+          <a:blip r:embed="rId2"/>
+          <a:stretch>
+            <a:fillRect/>
+          </a:stretch>
+        </p:blipFill>
+        <p:spPr>
+          <a:xfrm>
+            <a:off x="177801" y="1052761"/>
+            <a:ext cx="3620529" cy="736793"/>
+          </a:xfrm>
+          <a:prstGeom prst="rect">
+            <a:avLst/>
+          </a:prstGeom>
+        </p:spPr>
+      </p:pic>
+      <p:pic>
+        <p:nvPicPr>
+          <p:cNvPr id="10" name="圖片 9">
+            <a:extLst>
+              <a:ext uri="{FF2B5EF4-FFF2-40B4-BE49-F238E27FC236}">
+                <a16:creationId xmlns:a16="http://schemas.microsoft.com/office/drawing/2014/main" id="{677BB363-8294-794B-DFFD-54C6E69622B0}"/>
+              </a:ext>
+            </a:extLst>
+          </p:cNvPr>
+          <p:cNvPicPr>
+            <a:picLocks noChangeAspect="1"/>
+          </p:cNvPicPr>
+          <p:nvPr/>
+        </p:nvPicPr>
+        <p:blipFill rotWithShape="1">
+          <a:blip r:embed="rId3"/>
+          <a:srcRect b="71472"/>
+          <a:stretch/>
+        </p:blipFill>
+        <p:spPr>
+          <a:xfrm>
+            <a:off x="3815265" y="1061228"/>
+            <a:ext cx="8283604" cy="1419505"/>
+          </a:xfrm>
+          <a:prstGeom prst="rect">
+            <a:avLst/>
+          </a:prstGeom>
+        </p:spPr>
+      </p:pic>
+      <p:pic>
+        <p:nvPicPr>
+          <p:cNvPr id="3" name="图片 2">
+            <a:extLst>
+              <a:ext uri="{FF2B5EF4-FFF2-40B4-BE49-F238E27FC236}">
+                <a16:creationId xmlns:a16="http://schemas.microsoft.com/office/drawing/2014/main" id="{6FA1C257-3A7E-C34A-A09F-1AE894BFA800}"/>
+              </a:ext>
+            </a:extLst>
+          </p:cNvPr>
+          <p:cNvPicPr>
+            <a:picLocks noChangeAspect="1"/>
+          </p:cNvPicPr>
+          <p:nvPr/>
+        </p:nvPicPr>
+        <p:blipFill rotWithShape="1">
+          <a:blip r:embed="rId4"/>
+          <a:srcRect l="9510" r="6408"/>
+          <a:stretch/>
+        </p:blipFill>
+        <p:spPr>
+          <a:xfrm>
+            <a:off x="0" y="1789554"/>
+            <a:ext cx="3265831" cy="4910667"/>
+          </a:xfrm>
+          <a:prstGeom prst="rect">
+            <a:avLst/>
+          </a:prstGeom>
+        </p:spPr>
+      </p:pic>
+      <p:pic>
+        <p:nvPicPr>
+          <p:cNvPr id="5" name="图片 4">
+            <a:extLst>
+              <a:ext uri="{FF2B5EF4-FFF2-40B4-BE49-F238E27FC236}">
+                <a16:creationId xmlns:a16="http://schemas.microsoft.com/office/drawing/2014/main" id="{E847708C-1DB1-96AC-3742-21DC317DE25F}"/>
+              </a:ext>
+            </a:extLst>
+          </p:cNvPr>
+          <p:cNvPicPr>
+            <a:picLocks noChangeAspect="1"/>
+          </p:cNvPicPr>
+          <p:nvPr/>
+        </p:nvPicPr>
+        <p:blipFill>
+          <a:blip r:embed="rId5"/>
+          <a:stretch>
+            <a:fillRect/>
+          </a:stretch>
+        </p:blipFill>
+        <p:spPr>
+          <a:xfrm>
+            <a:off x="3979333" y="2489200"/>
+            <a:ext cx="7855465" cy="3778690"/>
+          </a:xfrm>
+          <a:prstGeom prst="rect">
+            <a:avLst/>
+          </a:prstGeom>
+        </p:spPr>
+      </p:pic>
+    </p:spTree>
+    <p:extLst>
+      <p:ext uri="{BB962C8B-B14F-4D97-AF65-F5344CB8AC3E}">
+        <p14:creationId xmlns:p14="http://schemas.microsoft.com/office/powerpoint/2010/main" val="600293167"/>
       </p:ext>
     </p:extLst>
   </p:cSld>

--- a/1_Protocol/1_2_Planned_Analysis/1_2_2_OUTPUT/SALT.pptx
+++ b/1_Protocol/1_2_Planned_Analysis/1_2_2_OUTPUT/SALT.pptx
@@ -8,10 +8,12 @@
     <p:sldId id="256" r:id="rId2"/>
     <p:sldId id="257" r:id="rId3"/>
     <p:sldId id="258" r:id="rId4"/>
-    <p:sldId id="261" r:id="rId5"/>
-    <p:sldId id="259" r:id="rId6"/>
-    <p:sldId id="262" r:id="rId7"/>
-    <p:sldId id="260" r:id="rId8"/>
+    <p:sldId id="263" r:id="rId5"/>
+    <p:sldId id="261" r:id="rId6"/>
+    <p:sldId id="259" r:id="rId7"/>
+    <p:sldId id="264" r:id="rId8"/>
+    <p:sldId id="262" r:id="rId9"/>
+    <p:sldId id="260" r:id="rId10"/>
   </p:sldIdLst>
   <p:sldSz cx="12192000" cy="6858000"/>
   <p:notesSz cx="6858000" cy="9144000"/>
@@ -123,7 +125,7 @@
             <a:srgbClr val="A4A3A4"/>
           </p15:clr>
         </p15:guide>
-        <p15:guide id="4" orient="horz" pos="2682" userDrawn="1">
+        <p15:guide id="4" orient="horz" pos="2592" userDrawn="1">
           <p15:clr>
             <a:srgbClr val="A4A3A4"/>
           </p15:clr>
@@ -270,7 +272,7 @@
           <a:p>
             <a:fld id="{1C0A0098-AADB-4028-80F8-1CEEF4DE9F6F}" type="datetimeFigureOut">
               <a:rPr lang="zh-TW" altLang="en-US" smtClean="0"/>
-              <a:t>2023/9/27</a:t>
+              <a:t>2023/9/29</a:t>
             </a:fld>
             <a:endParaRPr lang="zh-TW" altLang="en-US"/>
           </a:p>
@@ -440,7 +442,7 @@
           <a:p>
             <a:fld id="{1C0A0098-AADB-4028-80F8-1CEEF4DE9F6F}" type="datetimeFigureOut">
               <a:rPr lang="zh-TW" altLang="en-US" smtClean="0"/>
-              <a:t>2023/9/27</a:t>
+              <a:t>2023/9/29</a:t>
             </a:fld>
             <a:endParaRPr lang="zh-TW" altLang="en-US"/>
           </a:p>
@@ -620,7 +622,7 @@
           <a:p>
             <a:fld id="{1C0A0098-AADB-4028-80F8-1CEEF4DE9F6F}" type="datetimeFigureOut">
               <a:rPr lang="zh-TW" altLang="en-US" smtClean="0"/>
-              <a:t>2023/9/27</a:t>
+              <a:t>2023/9/29</a:t>
             </a:fld>
             <a:endParaRPr lang="zh-TW" altLang="en-US"/>
           </a:p>
@@ -790,7 +792,7 @@
           <a:p>
             <a:fld id="{1C0A0098-AADB-4028-80F8-1CEEF4DE9F6F}" type="datetimeFigureOut">
               <a:rPr lang="zh-TW" altLang="en-US" smtClean="0"/>
-              <a:t>2023/9/27</a:t>
+              <a:t>2023/9/29</a:t>
             </a:fld>
             <a:endParaRPr lang="zh-TW" altLang="en-US"/>
           </a:p>
@@ -1036,7 +1038,7 @@
           <a:p>
             <a:fld id="{1C0A0098-AADB-4028-80F8-1CEEF4DE9F6F}" type="datetimeFigureOut">
               <a:rPr lang="zh-TW" altLang="en-US" smtClean="0"/>
-              <a:t>2023/9/27</a:t>
+              <a:t>2023/9/29</a:t>
             </a:fld>
             <a:endParaRPr lang="zh-TW" altLang="en-US"/>
           </a:p>
@@ -1268,7 +1270,7 @@
           <a:p>
             <a:fld id="{1C0A0098-AADB-4028-80F8-1CEEF4DE9F6F}" type="datetimeFigureOut">
               <a:rPr lang="zh-TW" altLang="en-US" smtClean="0"/>
-              <a:t>2023/9/27</a:t>
+              <a:t>2023/9/29</a:t>
             </a:fld>
             <a:endParaRPr lang="zh-TW" altLang="en-US"/>
           </a:p>
@@ -1635,7 +1637,7 @@
           <a:p>
             <a:fld id="{1C0A0098-AADB-4028-80F8-1CEEF4DE9F6F}" type="datetimeFigureOut">
               <a:rPr lang="zh-TW" altLang="en-US" smtClean="0"/>
-              <a:t>2023/9/27</a:t>
+              <a:t>2023/9/29</a:t>
             </a:fld>
             <a:endParaRPr lang="zh-TW" altLang="en-US"/>
           </a:p>
@@ -1753,7 +1755,7 @@
           <a:p>
             <a:fld id="{1C0A0098-AADB-4028-80F8-1CEEF4DE9F6F}" type="datetimeFigureOut">
               <a:rPr lang="zh-TW" altLang="en-US" smtClean="0"/>
-              <a:t>2023/9/27</a:t>
+              <a:t>2023/9/29</a:t>
             </a:fld>
             <a:endParaRPr lang="zh-TW" altLang="en-US"/>
           </a:p>
@@ -1848,7 +1850,7 @@
           <a:p>
             <a:fld id="{1C0A0098-AADB-4028-80F8-1CEEF4DE9F6F}" type="datetimeFigureOut">
               <a:rPr lang="zh-TW" altLang="en-US" smtClean="0"/>
-              <a:t>2023/9/27</a:t>
+              <a:t>2023/9/29</a:t>
             </a:fld>
             <a:endParaRPr lang="zh-TW" altLang="en-US"/>
           </a:p>
@@ -2125,7 +2127,7 @@
           <a:p>
             <a:fld id="{1C0A0098-AADB-4028-80F8-1CEEF4DE9F6F}" type="datetimeFigureOut">
               <a:rPr lang="zh-TW" altLang="en-US" smtClean="0"/>
-              <a:t>2023/9/27</a:t>
+              <a:t>2023/9/29</a:t>
             </a:fld>
             <a:endParaRPr lang="zh-TW" altLang="en-US"/>
           </a:p>
@@ -2378,7 +2380,7 @@
           <a:p>
             <a:fld id="{1C0A0098-AADB-4028-80F8-1CEEF4DE9F6F}" type="datetimeFigureOut">
               <a:rPr lang="zh-TW" altLang="en-US" smtClean="0"/>
-              <a:t>2023/9/27</a:t>
+              <a:t>2023/9/29</a:t>
             </a:fld>
             <a:endParaRPr lang="zh-TW" altLang="en-US"/>
           </a:p>
@@ -2591,7 +2593,7 @@
           <a:p>
             <a:fld id="{1C0A0098-AADB-4028-80F8-1CEEF4DE9F6F}" type="datetimeFigureOut">
               <a:rPr lang="zh-TW" altLang="en-US" smtClean="0"/>
-              <a:t>2023/9/27</a:t>
+              <a:t>2023/9/29</a:t>
             </a:fld>
             <a:endParaRPr lang="zh-TW" altLang="en-US"/>
           </a:p>
@@ -3687,6 +3689,740 @@
           <a:p>
             <a:pPr algn="ctr"/>
             <a:endParaRPr lang="zh-TW" altLang="en-US"/>
+          </a:p>
+        </p:txBody>
+      </p:sp>
+      <p:grpSp>
+        <p:nvGrpSpPr>
+          <p:cNvPr id="15" name="组合 14">
+            <a:extLst>
+              <a:ext uri="{FF2B5EF4-FFF2-40B4-BE49-F238E27FC236}">
+                <a16:creationId xmlns:a16="http://schemas.microsoft.com/office/drawing/2014/main" id="{D7CE0937-F270-2D8F-39AF-10F7407DFF1F}"/>
+              </a:ext>
+            </a:extLst>
+          </p:cNvPr>
+          <p:cNvGrpSpPr/>
+          <p:nvPr/>
+        </p:nvGrpSpPr>
+        <p:grpSpPr>
+          <a:xfrm>
+            <a:off x="6883243" y="2553062"/>
+            <a:ext cx="2883056" cy="2628538"/>
+            <a:chOff x="864971" y="1872049"/>
+            <a:chExt cx="2389885" cy="2178906"/>
+          </a:xfrm>
+          <a:solidFill>
+            <a:srgbClr val="0CA09D"/>
+          </a:solidFill>
+        </p:grpSpPr>
+        <p:sp>
+          <p:nvSpPr>
+            <p:cNvPr id="16" name="矩形 15">
+              <a:extLst>
+                <a:ext uri="{FF2B5EF4-FFF2-40B4-BE49-F238E27FC236}">
+                  <a16:creationId xmlns:a16="http://schemas.microsoft.com/office/drawing/2014/main" id="{60B9BCB8-CAEF-45AA-D107-EC372A87A0DA}"/>
+                </a:ext>
+              </a:extLst>
+            </p:cNvPr>
+            <p:cNvSpPr/>
+            <p:nvPr/>
+          </p:nvSpPr>
+          <p:spPr>
+            <a:xfrm>
+              <a:off x="864971" y="1872049"/>
+              <a:ext cx="2388973" cy="2178906"/>
+            </a:xfrm>
+            <a:prstGeom prst="rect">
+              <a:avLst/>
+            </a:prstGeom>
+            <a:grpFill/>
+            <a:ln>
+              <a:solidFill>
+                <a:schemeClr val="bg1"/>
+              </a:solidFill>
+            </a:ln>
+          </p:spPr>
+          <p:style>
+            <a:lnRef idx="2">
+              <a:schemeClr val="accent1">
+                <a:shade val="50000"/>
+              </a:schemeClr>
+            </a:lnRef>
+            <a:fillRef idx="1">
+              <a:schemeClr val="accent1"/>
+            </a:fillRef>
+            <a:effectRef idx="0">
+              <a:schemeClr val="accent1"/>
+            </a:effectRef>
+            <a:fontRef idx="minor">
+              <a:schemeClr val="lt1"/>
+            </a:fontRef>
+          </p:style>
+          <p:txBody>
+            <a:bodyPr rtlCol="0" anchor="ctr"/>
+            <a:lstStyle/>
+            <a:p>
+              <a:pPr algn="ctr"/>
+              <a:endParaRPr lang="zh-TW" altLang="en-US">
+                <a:latin typeface="Times New Roman" panose="02020603050405020304" pitchFamily="18" charset="0"/>
+                <a:cs typeface="Times New Roman" panose="02020603050405020304" pitchFamily="18" charset="0"/>
+              </a:endParaRPr>
+            </a:p>
+          </p:txBody>
+        </p:sp>
+        <p:grpSp>
+          <p:nvGrpSpPr>
+            <p:cNvPr id="17" name="组合 16">
+              <a:extLst>
+                <a:ext uri="{FF2B5EF4-FFF2-40B4-BE49-F238E27FC236}">
+                  <a16:creationId xmlns:a16="http://schemas.microsoft.com/office/drawing/2014/main" id="{D494B56F-8A1E-96DF-B47F-74C017ACEECF}"/>
+                </a:ext>
+              </a:extLst>
+            </p:cNvPr>
+            <p:cNvGrpSpPr/>
+            <p:nvPr/>
+          </p:nvGrpSpPr>
+          <p:grpSpPr>
+            <a:xfrm>
+              <a:off x="1089453" y="2099979"/>
+              <a:ext cx="486033" cy="1699463"/>
+              <a:chOff x="1173890" y="2159445"/>
+              <a:chExt cx="486033" cy="1699463"/>
+            </a:xfrm>
+            <a:grpFill/>
+          </p:grpSpPr>
+          <p:sp>
+            <p:nvSpPr>
+              <p:cNvPr id="27" name="矩形 26">
+                <a:extLst>
+                  <a:ext uri="{FF2B5EF4-FFF2-40B4-BE49-F238E27FC236}">
+                    <a16:creationId xmlns:a16="http://schemas.microsoft.com/office/drawing/2014/main" id="{CBD1D5D0-CE66-8944-D27B-D902D59B0AD8}"/>
+                  </a:ext>
+                </a:extLst>
+              </p:cNvPr>
+              <p:cNvSpPr/>
+              <p:nvPr/>
+            </p:nvSpPr>
+            <p:spPr>
+              <a:xfrm>
+                <a:off x="1210960" y="2159445"/>
+                <a:ext cx="411892" cy="381000"/>
+              </a:xfrm>
+              <a:prstGeom prst="rect">
+                <a:avLst/>
+              </a:prstGeom>
+              <a:grpFill/>
+              <a:ln w="28575">
+                <a:solidFill>
+                  <a:schemeClr val="bg1"/>
+                </a:solidFill>
+              </a:ln>
+            </p:spPr>
+            <p:style>
+              <a:lnRef idx="2">
+                <a:schemeClr val="accent1">
+                  <a:shade val="50000"/>
+                </a:schemeClr>
+              </a:lnRef>
+              <a:fillRef idx="1">
+                <a:schemeClr val="accent1"/>
+              </a:fillRef>
+              <a:effectRef idx="0">
+                <a:schemeClr val="accent1"/>
+              </a:effectRef>
+              <a:fontRef idx="minor">
+                <a:schemeClr val="lt1"/>
+              </a:fontRef>
+            </p:style>
+            <p:txBody>
+              <a:bodyPr rtlCol="0" anchor="ctr"/>
+              <a:lstStyle/>
+              <a:p>
+                <a:pPr algn="ctr"/>
+                <a:endParaRPr lang="zh-TW" altLang="en-US">
+                  <a:latin typeface="Times New Roman" panose="02020603050405020304" pitchFamily="18" charset="0"/>
+                  <a:cs typeface="Times New Roman" panose="02020603050405020304" pitchFamily="18" charset="0"/>
+                </a:endParaRPr>
+              </a:p>
+            </p:txBody>
+          </p:sp>
+          <p:sp>
+            <p:nvSpPr>
+              <p:cNvPr id="28" name="椭圆 27">
+                <a:extLst>
+                  <a:ext uri="{FF2B5EF4-FFF2-40B4-BE49-F238E27FC236}">
+                    <a16:creationId xmlns:a16="http://schemas.microsoft.com/office/drawing/2014/main" id="{A6A7275D-95CD-2677-5E76-6BFD5195AA31}"/>
+                  </a:ext>
+                </a:extLst>
+              </p:cNvPr>
+              <p:cNvSpPr/>
+              <p:nvPr/>
+            </p:nvSpPr>
+            <p:spPr>
+              <a:xfrm>
+                <a:off x="1186246" y="2820913"/>
+                <a:ext cx="461319" cy="453081"/>
+              </a:xfrm>
+              <a:prstGeom prst="ellipse">
+                <a:avLst/>
+              </a:prstGeom>
+              <a:grpFill/>
+              <a:ln w="28575">
+                <a:solidFill>
+                  <a:schemeClr val="bg1"/>
+                </a:solidFill>
+              </a:ln>
+            </p:spPr>
+            <p:style>
+              <a:lnRef idx="2">
+                <a:schemeClr val="accent1">
+                  <a:shade val="50000"/>
+                </a:schemeClr>
+              </a:lnRef>
+              <a:fillRef idx="1">
+                <a:schemeClr val="accent1"/>
+              </a:fillRef>
+              <a:effectRef idx="0">
+                <a:schemeClr val="accent1"/>
+              </a:effectRef>
+              <a:fontRef idx="minor">
+                <a:schemeClr val="lt1"/>
+              </a:fontRef>
+            </p:style>
+            <p:txBody>
+              <a:bodyPr rtlCol="0" anchor="ctr"/>
+              <a:lstStyle/>
+              <a:p>
+                <a:pPr algn="ctr"/>
+                <a:endParaRPr lang="zh-TW" altLang="en-US">
+                  <a:latin typeface="Times New Roman" panose="02020603050405020304" pitchFamily="18" charset="0"/>
+                  <a:cs typeface="Times New Roman" panose="02020603050405020304" pitchFamily="18" charset="0"/>
+                </a:endParaRPr>
+              </a:p>
+            </p:txBody>
+          </p:sp>
+          <p:sp>
+            <p:nvSpPr>
+              <p:cNvPr id="29" name="等腰三角形 28">
+                <a:extLst>
+                  <a:ext uri="{FF2B5EF4-FFF2-40B4-BE49-F238E27FC236}">
+                    <a16:creationId xmlns:a16="http://schemas.microsoft.com/office/drawing/2014/main" id="{D1CEB73D-A17B-429F-94C7-B593E436B608}"/>
+                  </a:ext>
+                </a:extLst>
+              </p:cNvPr>
+              <p:cNvSpPr/>
+              <p:nvPr/>
+            </p:nvSpPr>
+            <p:spPr>
+              <a:xfrm>
+                <a:off x="1173890" y="3465553"/>
+                <a:ext cx="486033" cy="393355"/>
+              </a:xfrm>
+              <a:prstGeom prst="triangle">
+                <a:avLst/>
+              </a:prstGeom>
+              <a:grpFill/>
+              <a:ln w="28575">
+                <a:solidFill>
+                  <a:schemeClr val="bg1"/>
+                </a:solidFill>
+              </a:ln>
+            </p:spPr>
+            <p:style>
+              <a:lnRef idx="2">
+                <a:schemeClr val="accent1">
+                  <a:shade val="50000"/>
+                </a:schemeClr>
+              </a:lnRef>
+              <a:fillRef idx="1">
+                <a:schemeClr val="accent1"/>
+              </a:fillRef>
+              <a:effectRef idx="0">
+                <a:schemeClr val="accent1"/>
+              </a:effectRef>
+              <a:fontRef idx="minor">
+                <a:schemeClr val="lt1"/>
+              </a:fontRef>
+            </p:style>
+            <p:txBody>
+              <a:bodyPr rtlCol="0" anchor="ctr"/>
+              <a:lstStyle/>
+              <a:p>
+                <a:pPr algn="ctr"/>
+                <a:endParaRPr lang="zh-TW" altLang="en-US">
+                  <a:latin typeface="Times New Roman" panose="02020603050405020304" pitchFamily="18" charset="0"/>
+                  <a:cs typeface="Times New Roman" panose="02020603050405020304" pitchFamily="18" charset="0"/>
+                </a:endParaRPr>
+              </a:p>
+            </p:txBody>
+          </p:sp>
+        </p:grpSp>
+        <p:grpSp>
+          <p:nvGrpSpPr>
+            <p:cNvPr id="18" name="组合 17">
+              <a:extLst>
+                <a:ext uri="{FF2B5EF4-FFF2-40B4-BE49-F238E27FC236}">
+                  <a16:creationId xmlns:a16="http://schemas.microsoft.com/office/drawing/2014/main" id="{EE091CFF-C4A4-F27A-63CE-1761AE24C350}"/>
+                </a:ext>
+              </a:extLst>
+            </p:cNvPr>
+            <p:cNvGrpSpPr/>
+            <p:nvPr/>
+          </p:nvGrpSpPr>
+          <p:grpSpPr>
+            <a:xfrm>
+              <a:off x="1798505" y="2086443"/>
+              <a:ext cx="255810" cy="1754359"/>
+              <a:chOff x="1881912" y="2144023"/>
+              <a:chExt cx="255810" cy="1754359"/>
+            </a:xfrm>
+            <a:grpFill/>
+          </p:grpSpPr>
+          <p:sp>
+            <p:nvSpPr>
+              <p:cNvPr id="24" name="文本框 23">
+                <a:extLst>
+                  <a:ext uri="{FF2B5EF4-FFF2-40B4-BE49-F238E27FC236}">
+                    <a16:creationId xmlns:a16="http://schemas.microsoft.com/office/drawing/2014/main" id="{842F8B78-40A0-4B97-F51A-2EE55B73C168}"/>
+                  </a:ext>
+                </a:extLst>
+              </p:cNvPr>
+              <p:cNvSpPr txBox="1"/>
+              <p:nvPr/>
+            </p:nvSpPr>
+            <p:spPr>
+              <a:xfrm>
+                <a:off x="1881912" y="2144023"/>
+                <a:ext cx="255373" cy="461665"/>
+              </a:xfrm>
+              <a:prstGeom prst="rect">
+                <a:avLst/>
+              </a:prstGeom>
+              <a:grpFill/>
+            </p:spPr>
+            <p:txBody>
+              <a:bodyPr wrap="square" rtlCol="0">
+                <a:spAutoFit/>
+              </a:bodyPr>
+              <a:lstStyle/>
+              <a:p>
+                <a:r>
+                  <a:rPr lang="en-US" altLang="zh-TW" sz="2400" dirty="0">
+                    <a:solidFill>
+                      <a:schemeClr val="bg1"/>
+                    </a:solidFill>
+                    <a:latin typeface="Times New Roman" panose="02020603050405020304" pitchFamily="18" charset="0"/>
+                    <a:cs typeface="Times New Roman" panose="02020603050405020304" pitchFamily="18" charset="0"/>
+                  </a:rPr>
+                  <a:t>=</a:t>
+                </a:r>
+                <a:endParaRPr lang="zh-TW" altLang="en-US" dirty="0">
+                  <a:solidFill>
+                    <a:schemeClr val="bg1"/>
+                  </a:solidFill>
+                  <a:latin typeface="Times New Roman" panose="02020603050405020304" pitchFamily="18" charset="0"/>
+                  <a:cs typeface="Times New Roman" panose="02020603050405020304" pitchFamily="18" charset="0"/>
+                </a:endParaRPr>
+              </a:p>
+            </p:txBody>
+          </p:sp>
+          <p:sp>
+            <p:nvSpPr>
+              <p:cNvPr id="25" name="文本框 24">
+                <a:extLst>
+                  <a:ext uri="{FF2B5EF4-FFF2-40B4-BE49-F238E27FC236}">
+                    <a16:creationId xmlns:a16="http://schemas.microsoft.com/office/drawing/2014/main" id="{0F3F4D88-57FC-95CE-28FC-8A7A897340DB}"/>
+                  </a:ext>
+                </a:extLst>
+              </p:cNvPr>
+              <p:cNvSpPr txBox="1"/>
+              <p:nvPr/>
+            </p:nvSpPr>
+            <p:spPr>
+              <a:xfrm>
+                <a:off x="1881912" y="2833799"/>
+                <a:ext cx="255373" cy="461665"/>
+              </a:xfrm>
+              <a:prstGeom prst="rect">
+                <a:avLst/>
+              </a:prstGeom>
+              <a:grpFill/>
+            </p:spPr>
+            <p:txBody>
+              <a:bodyPr wrap="square" rtlCol="0">
+                <a:spAutoFit/>
+              </a:bodyPr>
+              <a:lstStyle/>
+              <a:p>
+                <a:r>
+                  <a:rPr lang="en-US" altLang="zh-TW" sz="2400" dirty="0">
+                    <a:solidFill>
+                      <a:schemeClr val="bg1"/>
+                    </a:solidFill>
+                    <a:latin typeface="Times New Roman" panose="02020603050405020304" pitchFamily="18" charset="0"/>
+                    <a:cs typeface="Times New Roman" panose="02020603050405020304" pitchFamily="18" charset="0"/>
+                  </a:rPr>
+                  <a:t>=</a:t>
+                </a:r>
+                <a:endParaRPr lang="zh-TW" altLang="en-US" dirty="0">
+                  <a:solidFill>
+                    <a:schemeClr val="bg1"/>
+                  </a:solidFill>
+                  <a:latin typeface="Times New Roman" panose="02020603050405020304" pitchFamily="18" charset="0"/>
+                  <a:cs typeface="Times New Roman" panose="02020603050405020304" pitchFamily="18" charset="0"/>
+                </a:endParaRPr>
+              </a:p>
+            </p:txBody>
+          </p:sp>
+          <p:sp>
+            <p:nvSpPr>
+              <p:cNvPr id="26" name="文本框 25">
+                <a:extLst>
+                  <a:ext uri="{FF2B5EF4-FFF2-40B4-BE49-F238E27FC236}">
+                    <a16:creationId xmlns:a16="http://schemas.microsoft.com/office/drawing/2014/main" id="{CF388D62-9F87-B64D-CFEF-9AE9BDA8F2F4}"/>
+                  </a:ext>
+                </a:extLst>
+              </p:cNvPr>
+              <p:cNvSpPr txBox="1"/>
+              <p:nvPr/>
+            </p:nvSpPr>
+            <p:spPr>
+              <a:xfrm>
+                <a:off x="1882349" y="3436717"/>
+                <a:ext cx="255373" cy="461665"/>
+              </a:xfrm>
+              <a:prstGeom prst="rect">
+                <a:avLst/>
+              </a:prstGeom>
+              <a:grpFill/>
+            </p:spPr>
+            <p:txBody>
+              <a:bodyPr wrap="square" rtlCol="0">
+                <a:spAutoFit/>
+              </a:bodyPr>
+              <a:lstStyle/>
+              <a:p>
+                <a:r>
+                  <a:rPr lang="en-US" altLang="zh-TW" sz="2400" dirty="0">
+                    <a:solidFill>
+                      <a:schemeClr val="bg1"/>
+                    </a:solidFill>
+                    <a:latin typeface="Times New Roman" panose="02020603050405020304" pitchFamily="18" charset="0"/>
+                    <a:cs typeface="Times New Roman" panose="02020603050405020304" pitchFamily="18" charset="0"/>
+                  </a:rPr>
+                  <a:t>=</a:t>
+                </a:r>
+                <a:endParaRPr lang="zh-TW" altLang="en-US" dirty="0">
+                  <a:solidFill>
+                    <a:schemeClr val="bg1"/>
+                  </a:solidFill>
+                  <a:latin typeface="Times New Roman" panose="02020603050405020304" pitchFamily="18" charset="0"/>
+                  <a:cs typeface="Times New Roman" panose="02020603050405020304" pitchFamily="18" charset="0"/>
+                </a:endParaRPr>
+              </a:p>
+            </p:txBody>
+          </p:sp>
+        </p:grpSp>
+        <p:grpSp>
+          <p:nvGrpSpPr>
+            <p:cNvPr id="20" name="组合 19">
+              <a:extLst>
+                <a:ext uri="{FF2B5EF4-FFF2-40B4-BE49-F238E27FC236}">
+                  <a16:creationId xmlns:a16="http://schemas.microsoft.com/office/drawing/2014/main" id="{B8EADCCD-40B2-E4FD-B380-0DC46F94525D}"/>
+                </a:ext>
+              </a:extLst>
+            </p:cNvPr>
+            <p:cNvGrpSpPr/>
+            <p:nvPr/>
+          </p:nvGrpSpPr>
+          <p:grpSpPr>
+            <a:xfrm>
+              <a:off x="2166954" y="2088276"/>
+              <a:ext cx="1087902" cy="1672484"/>
+              <a:chOff x="2138722" y="2145856"/>
+              <a:chExt cx="1192492" cy="1672484"/>
+            </a:xfrm>
+            <a:grpFill/>
+          </p:grpSpPr>
+          <p:sp>
+            <p:nvSpPr>
+              <p:cNvPr id="21" name="文本框 20">
+                <a:extLst>
+                  <a:ext uri="{FF2B5EF4-FFF2-40B4-BE49-F238E27FC236}">
+                    <a16:creationId xmlns:a16="http://schemas.microsoft.com/office/drawing/2014/main" id="{9068DB21-91E8-54C4-45C1-BE3B04B2F49E}"/>
+                  </a:ext>
+                </a:extLst>
+              </p:cNvPr>
+              <p:cNvSpPr txBox="1"/>
+              <p:nvPr/>
+            </p:nvSpPr>
+            <p:spPr>
+              <a:xfrm>
+                <a:off x="2362463" y="2145856"/>
+                <a:ext cx="688588" cy="382694"/>
+              </a:xfrm>
+              <a:prstGeom prst="rect">
+                <a:avLst/>
+              </a:prstGeom>
+              <a:grpFill/>
+            </p:spPr>
+            <p:txBody>
+              <a:bodyPr wrap="square" rtlCol="0">
+                <a:spAutoFit/>
+              </a:bodyPr>
+              <a:lstStyle/>
+              <a:p>
+                <a:r>
+                  <a:rPr lang="en-US" altLang="zh-CN" sz="2400" dirty="0">
+                    <a:solidFill>
+                      <a:schemeClr val="bg1"/>
+                    </a:solidFill>
+                    <a:latin typeface="Times New Roman" panose="02020603050405020304" pitchFamily="18" charset="0"/>
+                    <a:cs typeface="Times New Roman" panose="02020603050405020304" pitchFamily="18" charset="0"/>
+                  </a:rPr>
+                  <a:t>Self</a:t>
+                </a:r>
+                <a:endParaRPr lang="zh-TW" altLang="en-US" dirty="0">
+                  <a:solidFill>
+                    <a:schemeClr val="bg1"/>
+                  </a:solidFill>
+                  <a:latin typeface="Times New Roman" panose="02020603050405020304" pitchFamily="18" charset="0"/>
+                  <a:cs typeface="Times New Roman" panose="02020603050405020304" pitchFamily="18" charset="0"/>
+                </a:endParaRPr>
+              </a:p>
+            </p:txBody>
+          </p:sp>
+          <p:sp>
+            <p:nvSpPr>
+              <p:cNvPr id="22" name="文本框 21">
+                <a:extLst>
+                  <a:ext uri="{FF2B5EF4-FFF2-40B4-BE49-F238E27FC236}">
+                    <a16:creationId xmlns:a16="http://schemas.microsoft.com/office/drawing/2014/main" id="{533C5025-AEE5-B75C-A0CE-E14DB208FF60}"/>
+                  </a:ext>
+                </a:extLst>
+              </p:cNvPr>
+              <p:cNvSpPr txBox="1"/>
+              <p:nvPr/>
+            </p:nvSpPr>
+            <p:spPr>
+              <a:xfrm>
+                <a:off x="2259715" y="2842714"/>
+                <a:ext cx="937440" cy="382694"/>
+              </a:xfrm>
+              <a:prstGeom prst="rect">
+                <a:avLst/>
+              </a:prstGeom>
+              <a:grpFill/>
+            </p:spPr>
+            <p:txBody>
+              <a:bodyPr wrap="square" rtlCol="0">
+                <a:spAutoFit/>
+              </a:bodyPr>
+              <a:lstStyle/>
+              <a:p>
+                <a:r>
+                  <a:rPr lang="en-US" altLang="zh-CN" sz="2400" dirty="0">
+                    <a:solidFill>
+                      <a:schemeClr val="bg1"/>
+                    </a:solidFill>
+                    <a:latin typeface="Times New Roman" panose="02020603050405020304" pitchFamily="18" charset="0"/>
+                    <a:cs typeface="Times New Roman" panose="02020603050405020304" pitchFamily="18" charset="0"/>
+                  </a:rPr>
+                  <a:t>Friend</a:t>
+                </a:r>
+                <a:endParaRPr lang="zh-TW" altLang="en-US" dirty="0">
+                  <a:solidFill>
+                    <a:schemeClr val="bg1"/>
+                  </a:solidFill>
+                  <a:latin typeface="Times New Roman" panose="02020603050405020304" pitchFamily="18" charset="0"/>
+                  <a:cs typeface="Times New Roman" panose="02020603050405020304" pitchFamily="18" charset="0"/>
+                </a:endParaRPr>
+              </a:p>
+            </p:txBody>
+          </p:sp>
+          <p:sp>
+            <p:nvSpPr>
+              <p:cNvPr id="23" name="文本框 22">
+                <a:extLst>
+                  <a:ext uri="{FF2B5EF4-FFF2-40B4-BE49-F238E27FC236}">
+                    <a16:creationId xmlns:a16="http://schemas.microsoft.com/office/drawing/2014/main" id="{C3D67155-FB7E-BC9C-3151-5086A25D1359}"/>
+                  </a:ext>
+                </a:extLst>
+              </p:cNvPr>
+              <p:cNvSpPr txBox="1"/>
+              <p:nvPr/>
+            </p:nvSpPr>
+            <p:spPr>
+              <a:xfrm>
+                <a:off x="2138722" y="3435646"/>
+                <a:ext cx="1192492" cy="382694"/>
+              </a:xfrm>
+              <a:prstGeom prst="rect">
+                <a:avLst/>
+              </a:prstGeom>
+              <a:grpFill/>
+            </p:spPr>
+            <p:txBody>
+              <a:bodyPr wrap="square" rtlCol="0">
+                <a:spAutoFit/>
+              </a:bodyPr>
+              <a:lstStyle/>
+              <a:p>
+                <a:r>
+                  <a:rPr lang="en-US" altLang="zh-CN" sz="2400" dirty="0">
+                    <a:solidFill>
+                      <a:schemeClr val="bg1"/>
+                    </a:solidFill>
+                    <a:latin typeface="Times New Roman" panose="02020603050405020304" pitchFamily="18" charset="0"/>
+                    <a:cs typeface="Times New Roman" panose="02020603050405020304" pitchFamily="18" charset="0"/>
+                  </a:rPr>
+                  <a:t>Stranger</a:t>
+                </a:r>
+                <a:endParaRPr lang="zh-TW" altLang="en-US" dirty="0">
+                  <a:solidFill>
+                    <a:schemeClr val="bg1"/>
+                  </a:solidFill>
+                  <a:latin typeface="Times New Roman" panose="02020603050405020304" pitchFamily="18" charset="0"/>
+                  <a:cs typeface="Times New Roman" panose="02020603050405020304" pitchFamily="18" charset="0"/>
+                </a:endParaRPr>
+              </a:p>
+            </p:txBody>
+          </p:sp>
+        </p:grpSp>
+      </p:grpSp>
+      <p:sp>
+        <p:nvSpPr>
+          <p:cNvPr id="30" name="圆角矩形 44">
+            <a:extLst>
+              <a:ext uri="{FF2B5EF4-FFF2-40B4-BE49-F238E27FC236}">
+                <a16:creationId xmlns:a16="http://schemas.microsoft.com/office/drawing/2014/main" id="{242D5D87-E7F5-25AE-7872-D28492176DC8}"/>
+              </a:ext>
+            </a:extLst>
+          </p:cNvPr>
+          <p:cNvSpPr/>
+          <p:nvPr/>
+        </p:nvSpPr>
+        <p:spPr>
+          <a:xfrm>
+            <a:off x="6638442" y="1446992"/>
+            <a:ext cx="3360585" cy="736600"/>
+          </a:xfrm>
+          <a:prstGeom prst="roundRect">
+            <a:avLst/>
+          </a:prstGeom>
+          <a:solidFill>
+            <a:srgbClr val="0CA09D"/>
+          </a:solidFill>
+          <a:ln>
+            <a:solidFill>
+              <a:srgbClr val="0CA09D"/>
+            </a:solidFill>
+          </a:ln>
+        </p:spPr>
+        <p:style>
+          <a:lnRef idx="2">
+            <a:schemeClr val="accent1">
+              <a:shade val="50000"/>
+            </a:schemeClr>
+          </a:lnRef>
+          <a:fillRef idx="1">
+            <a:schemeClr val="accent1"/>
+          </a:fillRef>
+          <a:effectRef idx="0">
+            <a:schemeClr val="accent1"/>
+          </a:effectRef>
+          <a:fontRef idx="minor">
+            <a:schemeClr val="lt1"/>
+          </a:fontRef>
+        </p:style>
+        <p:txBody>
+          <a:bodyPr rtlCol="0" anchor="ctr"/>
+          <a:lstStyle/>
+          <a:p>
+            <a:pPr algn="ctr"/>
+            <a:r>
+              <a:rPr lang="en-US" altLang="zh-CN" sz="3300" b="1" dirty="0">
+                <a:solidFill>
+                  <a:schemeClr val="bg1"/>
+                </a:solidFill>
+                <a:latin typeface="Times New Roman" panose="02020603050405020304" pitchFamily="18" charset="0"/>
+                <a:cs typeface="Times New Roman" panose="02020603050405020304" pitchFamily="18" charset="0"/>
+              </a:rPr>
+              <a:t>Instruction</a:t>
+            </a:r>
+            <a:r>
+              <a:rPr lang="en-US" altLang="zh-TW" sz="3300" b="1" dirty="0">
+                <a:solidFill>
+                  <a:schemeClr val="bg1"/>
+                </a:solidFill>
+                <a:latin typeface="Times New Roman" panose="02020603050405020304" pitchFamily="18" charset="0"/>
+                <a:cs typeface="Times New Roman" panose="02020603050405020304" pitchFamily="18" charset="0"/>
+              </a:rPr>
+              <a:t> Stage</a:t>
+            </a:r>
+            <a:endParaRPr lang="zh-TW" altLang="en-US" sz="3300" b="1" dirty="0">
+              <a:solidFill>
+                <a:schemeClr val="bg1"/>
+              </a:solidFill>
+              <a:latin typeface="Times New Roman" panose="02020603050405020304" pitchFamily="18" charset="0"/>
+              <a:cs typeface="Times New Roman" panose="02020603050405020304" pitchFamily="18" charset="0"/>
+            </a:endParaRPr>
+          </a:p>
+        </p:txBody>
+      </p:sp>
+      <p:sp>
+        <p:nvSpPr>
+          <p:cNvPr id="31" name="右箭头 45">
+            <a:extLst>
+              <a:ext uri="{FF2B5EF4-FFF2-40B4-BE49-F238E27FC236}">
+                <a16:creationId xmlns:a16="http://schemas.microsoft.com/office/drawing/2014/main" id="{4E2FD3C5-BBA1-F9D3-0517-1464BB02CBC1}"/>
+              </a:ext>
+            </a:extLst>
+          </p:cNvPr>
+          <p:cNvSpPr/>
+          <p:nvPr/>
+        </p:nvSpPr>
+        <p:spPr>
+          <a:xfrm>
+            <a:off x="10346320" y="1404129"/>
+            <a:ext cx="685800" cy="822325"/>
+          </a:xfrm>
+          <a:prstGeom prst="rightArrow">
+            <a:avLst/>
+          </a:prstGeom>
+          <a:solidFill>
+            <a:srgbClr val="0CA09D"/>
+          </a:solidFill>
+          <a:ln>
+            <a:noFill/>
+          </a:ln>
+        </p:spPr>
+        <p:style>
+          <a:lnRef idx="2">
+            <a:schemeClr val="accent1">
+              <a:shade val="50000"/>
+            </a:schemeClr>
+          </a:lnRef>
+          <a:fillRef idx="1">
+            <a:schemeClr val="accent1"/>
+          </a:fillRef>
+          <a:effectRef idx="0">
+            <a:schemeClr val="accent1"/>
+          </a:effectRef>
+          <a:fontRef idx="minor">
+            <a:schemeClr val="lt1"/>
+          </a:fontRef>
+        </p:style>
+        <p:txBody>
+          <a:bodyPr rtlCol="0" anchor="ctr"/>
+          <a:lstStyle/>
+          <a:p>
+            <a:pPr algn="ctr"/>
+            <a:endParaRPr lang="zh-TW" altLang="en-US">
+              <a:solidFill>
+                <a:srgbClr val="F3F2F1"/>
+              </a:solidFill>
+            </a:endParaRPr>
           </a:p>
         </p:txBody>
       </p:sp>
@@ -5461,6 +6197,1855 @@
 </file>
 
 <file path=ppt/slides/slide4.xml><?xml version="1.0" encoding="utf-8"?>
+<p:sld xmlns:a="http://schemas.openxmlformats.org/drawingml/2006/main" xmlns:r="http://schemas.openxmlformats.org/officeDocument/2006/relationships" xmlns:p="http://schemas.openxmlformats.org/presentationml/2006/main">
+  <p:cSld>
+    <p:spTree>
+      <p:nvGrpSpPr>
+        <p:cNvPr id="1" name=""/>
+        <p:cNvGrpSpPr/>
+        <p:nvPr/>
+      </p:nvGrpSpPr>
+      <p:grpSpPr>
+        <a:xfrm>
+          <a:off x="0" y="0"/>
+          <a:ext cx="0" cy="0"/>
+          <a:chOff x="0" y="0"/>
+          <a:chExt cx="0" cy="0"/>
+        </a:xfrm>
+      </p:grpSpPr>
+      <p:grpSp>
+        <p:nvGrpSpPr>
+          <p:cNvPr id="17" name="组合 16"/>
+          <p:cNvGrpSpPr/>
+          <p:nvPr/>
+        </p:nvGrpSpPr>
+        <p:grpSpPr>
+          <a:xfrm>
+            <a:off x="750513" y="2165350"/>
+            <a:ext cx="4914899" cy="4476749"/>
+            <a:chOff x="1104901" y="1343026"/>
+            <a:chExt cx="4914899" cy="4476749"/>
+          </a:xfrm>
+        </p:grpSpPr>
+        <p:grpSp>
+          <p:nvGrpSpPr>
+            <p:cNvPr id="44" name="组合 43"/>
+            <p:cNvGrpSpPr/>
+            <p:nvPr/>
+          </p:nvGrpSpPr>
+          <p:grpSpPr>
+            <a:xfrm>
+              <a:off x="1440591" y="1642785"/>
+              <a:ext cx="4225211" cy="3883129"/>
+              <a:chOff x="4673059" y="1169709"/>
+              <a:chExt cx="4225211" cy="3883129"/>
+            </a:xfrm>
+          </p:grpSpPr>
+          <p:grpSp>
+            <p:nvGrpSpPr>
+              <p:cNvPr id="39" name="组合 38"/>
+              <p:cNvGrpSpPr/>
+              <p:nvPr/>
+            </p:nvGrpSpPr>
+            <p:grpSpPr>
+              <a:xfrm>
+                <a:off x="5113336" y="1169709"/>
+                <a:ext cx="1279075" cy="1434644"/>
+                <a:chOff x="5113336" y="1169709"/>
+                <a:chExt cx="1279075" cy="1434644"/>
+              </a:xfrm>
+            </p:grpSpPr>
+            <p:sp>
+              <p:nvSpPr>
+                <p:cNvPr id="22" name="文本框 21"/>
+                <p:cNvSpPr txBox="1"/>
+                <p:nvPr/>
+              </p:nvSpPr>
+              <p:spPr>
+                <a:xfrm>
+                  <a:off x="5113336" y="2296576"/>
+                  <a:ext cx="681957" cy="307777"/>
+                </a:xfrm>
+                <a:prstGeom prst="rect">
+                  <a:avLst/>
+                </a:prstGeom>
+                <a:noFill/>
+                <a:ln>
+                  <a:noFill/>
+                </a:ln>
+              </p:spPr>
+              <p:txBody>
+                <a:bodyPr wrap="square" rtlCol="0">
+                  <a:spAutoFit/>
+                </a:bodyPr>
+                <a:lstStyle/>
+                <a:p>
+                  <a:r>
+                    <a:rPr lang="en-US" altLang="zh-TW" sz="1400" dirty="0">
+                      <a:solidFill>
+                        <a:srgbClr val="0CA09D"/>
+                      </a:solidFill>
+                      <a:latin typeface="Times New Roman" panose="02020603050405020304" pitchFamily="18" charset="0"/>
+                      <a:cs typeface="Times New Roman" panose="02020603050405020304" pitchFamily="18" charset="0"/>
+                    </a:rPr>
+                    <a:t>500</a:t>
+                  </a:r>
+                  <a:r>
+                    <a:rPr lang="en-US" altLang="zh-CN" sz="1400" dirty="0">
+                      <a:solidFill>
+                        <a:srgbClr val="0CA09D"/>
+                      </a:solidFill>
+                      <a:latin typeface="Times New Roman" panose="02020603050405020304" pitchFamily="18" charset="0"/>
+                      <a:cs typeface="Times New Roman" panose="02020603050405020304" pitchFamily="18" charset="0"/>
+                    </a:rPr>
+                    <a:t>ms</a:t>
+                  </a:r>
+                  <a:endParaRPr lang="en-US" altLang="zh-TW" sz="1400" dirty="0">
+                    <a:solidFill>
+                      <a:srgbClr val="0CA09D"/>
+                    </a:solidFill>
+                    <a:latin typeface="Times New Roman" panose="02020603050405020304" pitchFamily="18" charset="0"/>
+                    <a:cs typeface="Times New Roman" panose="02020603050405020304" pitchFamily="18" charset="0"/>
+                  </a:endParaRPr>
+                </a:p>
+              </p:txBody>
+            </p:sp>
+            <p:grpSp>
+              <p:nvGrpSpPr>
+                <p:cNvPr id="25" name="组合 24"/>
+                <p:cNvGrpSpPr/>
+                <p:nvPr/>
+              </p:nvGrpSpPr>
+              <p:grpSpPr>
+                <a:xfrm>
+                  <a:off x="5198176" y="1169709"/>
+                  <a:ext cx="1194235" cy="1145058"/>
+                  <a:chOff x="5198176" y="1169709"/>
+                  <a:chExt cx="1194235" cy="1145058"/>
+                </a:xfrm>
+              </p:grpSpPr>
+              <p:sp>
+                <p:nvSpPr>
+                  <p:cNvPr id="15" name="矩形 14"/>
+                  <p:cNvSpPr/>
+                  <p:nvPr/>
+                </p:nvSpPr>
+                <p:spPr>
+                  <a:xfrm>
+                    <a:off x="5198176" y="1169709"/>
+                    <a:ext cx="1194235" cy="1145058"/>
+                  </a:xfrm>
+                  <a:prstGeom prst="rect">
+                    <a:avLst/>
+                  </a:prstGeom>
+                  <a:solidFill>
+                    <a:srgbClr val="0CA09D"/>
+                  </a:solidFill>
+                  <a:ln>
+                    <a:solidFill>
+                      <a:srgbClr val="0CA09D"/>
+                    </a:solidFill>
+                  </a:ln>
+                </p:spPr>
+                <p:style>
+                  <a:lnRef idx="2">
+                    <a:schemeClr val="accent1">
+                      <a:shade val="50000"/>
+                    </a:schemeClr>
+                  </a:lnRef>
+                  <a:fillRef idx="1">
+                    <a:schemeClr val="accent1"/>
+                  </a:fillRef>
+                  <a:effectRef idx="0">
+                    <a:schemeClr val="accent1"/>
+                  </a:effectRef>
+                  <a:fontRef idx="minor">
+                    <a:schemeClr val="lt1"/>
+                  </a:fontRef>
+                </p:style>
+                <p:txBody>
+                  <a:bodyPr rtlCol="0" anchor="ctr"/>
+                  <a:lstStyle/>
+                  <a:p>
+                    <a:pPr algn="ctr"/>
+                    <a:endParaRPr lang="zh-TW" altLang="en-US">
+                      <a:latin typeface="Times New Roman" panose="02020603050405020304" pitchFamily="18" charset="0"/>
+                      <a:cs typeface="Times New Roman" panose="02020603050405020304" pitchFamily="18" charset="0"/>
+                    </a:endParaRPr>
+                  </a:p>
+                </p:txBody>
+              </p:sp>
+              <p:sp>
+                <p:nvSpPr>
+                  <p:cNvPr id="24" name="文本框 23"/>
+                  <p:cNvSpPr txBox="1"/>
+                  <p:nvPr/>
+                </p:nvSpPr>
+                <p:spPr>
+                  <a:xfrm>
+                    <a:off x="5595866" y="1469526"/>
+                    <a:ext cx="370054" cy="523220"/>
+                  </a:xfrm>
+                  <a:prstGeom prst="rect">
+                    <a:avLst/>
+                  </a:prstGeom>
+                  <a:noFill/>
+                  <a:ln>
+                    <a:solidFill>
+                      <a:srgbClr val="0CA09D"/>
+                    </a:solidFill>
+                  </a:ln>
+                </p:spPr>
+                <p:txBody>
+                  <a:bodyPr wrap="square" rtlCol="0">
+                    <a:spAutoFit/>
+                  </a:bodyPr>
+                  <a:lstStyle/>
+                  <a:p>
+                    <a:r>
+                      <a:rPr lang="en-US" altLang="zh-TW" sz="2800" dirty="0">
+                        <a:solidFill>
+                          <a:schemeClr val="bg1"/>
+                        </a:solidFill>
+                        <a:latin typeface="Times New Roman" panose="02020603050405020304" pitchFamily="18" charset="0"/>
+                        <a:cs typeface="Times New Roman" panose="02020603050405020304" pitchFamily="18" charset="0"/>
+                      </a:rPr>
+                      <a:t>+</a:t>
+                    </a:r>
+                    <a:endParaRPr lang="zh-TW" altLang="en-US" dirty="0">
+                      <a:solidFill>
+                        <a:schemeClr val="bg1"/>
+                      </a:solidFill>
+                      <a:latin typeface="Times New Roman" panose="02020603050405020304" pitchFamily="18" charset="0"/>
+                      <a:cs typeface="Times New Roman" panose="02020603050405020304" pitchFamily="18" charset="0"/>
+                    </a:endParaRPr>
+                  </a:p>
+                </p:txBody>
+              </p:sp>
+            </p:grpSp>
+          </p:grpSp>
+          <p:grpSp>
+            <p:nvGrpSpPr>
+              <p:cNvPr id="38" name="组合 37"/>
+              <p:cNvGrpSpPr/>
+              <p:nvPr/>
+            </p:nvGrpSpPr>
+            <p:grpSpPr>
+              <a:xfrm>
+                <a:off x="5981855" y="1992843"/>
+                <a:ext cx="1247603" cy="1430251"/>
+                <a:chOff x="5694674" y="2173887"/>
+                <a:chExt cx="1247603" cy="1430251"/>
+              </a:xfrm>
+            </p:grpSpPr>
+            <p:grpSp>
+              <p:nvGrpSpPr>
+                <p:cNvPr id="26" name="组合 25"/>
+                <p:cNvGrpSpPr/>
+                <p:nvPr/>
+              </p:nvGrpSpPr>
+              <p:grpSpPr>
+                <a:xfrm>
+                  <a:off x="5748042" y="2173887"/>
+                  <a:ext cx="1194235" cy="1145058"/>
+                  <a:chOff x="5198176" y="1169709"/>
+                  <a:chExt cx="1194235" cy="1145058"/>
+                </a:xfrm>
+              </p:grpSpPr>
+              <p:sp>
+                <p:nvSpPr>
+                  <p:cNvPr id="27" name="矩形 26"/>
+                  <p:cNvSpPr/>
+                  <p:nvPr/>
+                </p:nvSpPr>
+                <p:spPr>
+                  <a:xfrm>
+                    <a:off x="5198176" y="1169709"/>
+                    <a:ext cx="1194235" cy="1145058"/>
+                  </a:xfrm>
+                  <a:prstGeom prst="rect">
+                    <a:avLst/>
+                  </a:prstGeom>
+                  <a:solidFill>
+                    <a:srgbClr val="0CA09D"/>
+                  </a:solidFill>
+                  <a:ln>
+                    <a:solidFill>
+                      <a:srgbClr val="0CA09D"/>
+                    </a:solidFill>
+                  </a:ln>
+                </p:spPr>
+                <p:style>
+                  <a:lnRef idx="2">
+                    <a:schemeClr val="accent1">
+                      <a:shade val="50000"/>
+                    </a:schemeClr>
+                  </a:lnRef>
+                  <a:fillRef idx="1">
+                    <a:schemeClr val="accent1"/>
+                  </a:fillRef>
+                  <a:effectRef idx="0">
+                    <a:schemeClr val="accent1"/>
+                  </a:effectRef>
+                  <a:fontRef idx="minor">
+                    <a:schemeClr val="lt1"/>
+                  </a:fontRef>
+                </p:style>
+                <p:txBody>
+                  <a:bodyPr rtlCol="0" anchor="ctr"/>
+                  <a:lstStyle/>
+                  <a:p>
+                    <a:pPr algn="ctr"/>
+                    <a:endParaRPr lang="zh-TW" altLang="en-US">
+                      <a:latin typeface="Times New Roman" panose="02020603050405020304" pitchFamily="18" charset="0"/>
+                      <a:cs typeface="Times New Roman" panose="02020603050405020304" pitchFamily="18" charset="0"/>
+                    </a:endParaRPr>
+                  </a:p>
+                </p:txBody>
+              </p:sp>
+              <p:sp>
+                <p:nvSpPr>
+                  <p:cNvPr id="28" name="文本框 27"/>
+                  <p:cNvSpPr txBox="1"/>
+                  <p:nvPr/>
+                </p:nvSpPr>
+                <p:spPr>
+                  <a:xfrm>
+                    <a:off x="5624666" y="1480628"/>
+                    <a:ext cx="341254" cy="523220"/>
+                  </a:xfrm>
+                  <a:prstGeom prst="rect">
+                    <a:avLst/>
+                  </a:prstGeom>
+                  <a:noFill/>
+                  <a:ln>
+                    <a:solidFill>
+                      <a:srgbClr val="0CA09D"/>
+                    </a:solidFill>
+                  </a:ln>
+                </p:spPr>
+                <p:txBody>
+                  <a:bodyPr wrap="square" rtlCol="0">
+                    <a:spAutoFit/>
+                  </a:bodyPr>
+                  <a:lstStyle/>
+                  <a:p>
+                    <a:r>
+                      <a:rPr lang="en-US" altLang="zh-TW" sz="2800" dirty="0">
+                        <a:solidFill>
+                          <a:schemeClr val="bg1"/>
+                        </a:solidFill>
+                        <a:latin typeface="Times New Roman" panose="02020603050405020304" pitchFamily="18" charset="0"/>
+                        <a:cs typeface="Times New Roman" panose="02020603050405020304" pitchFamily="18" charset="0"/>
+                      </a:rPr>
+                      <a:t>+</a:t>
+                    </a:r>
+                    <a:endParaRPr lang="zh-TW" altLang="en-US" dirty="0">
+                      <a:solidFill>
+                        <a:schemeClr val="bg1"/>
+                      </a:solidFill>
+                      <a:latin typeface="Times New Roman" panose="02020603050405020304" pitchFamily="18" charset="0"/>
+                      <a:cs typeface="Times New Roman" panose="02020603050405020304" pitchFamily="18" charset="0"/>
+                    </a:endParaRPr>
+                  </a:p>
+                </p:txBody>
+              </p:sp>
+            </p:grpSp>
+            <p:sp>
+              <p:nvSpPr>
+                <p:cNvPr id="29" name="矩形 28"/>
+                <p:cNvSpPr/>
+                <p:nvPr/>
+              </p:nvSpPr>
+              <p:spPr>
+                <a:xfrm>
+                  <a:off x="6239120" y="2344289"/>
+                  <a:ext cx="254941" cy="251874"/>
+                </a:xfrm>
+                <a:prstGeom prst="rect">
+                  <a:avLst/>
+                </a:prstGeom>
+                <a:solidFill>
+                  <a:srgbClr val="0CA09D"/>
+                </a:solidFill>
+                <a:ln w="19050">
+                  <a:solidFill>
+                    <a:srgbClr val="0CA09D"/>
+                  </a:solidFill>
+                </a:ln>
+              </p:spPr>
+              <p:style>
+                <a:lnRef idx="2">
+                  <a:schemeClr val="accent1">
+                    <a:shade val="50000"/>
+                  </a:schemeClr>
+                </a:lnRef>
+                <a:fillRef idx="1">
+                  <a:schemeClr val="accent1"/>
+                </a:fillRef>
+                <a:effectRef idx="0">
+                  <a:schemeClr val="accent1"/>
+                </a:effectRef>
+                <a:fontRef idx="minor">
+                  <a:schemeClr val="lt1"/>
+                </a:fontRef>
+              </p:style>
+              <p:txBody>
+                <a:bodyPr rtlCol="0" anchor="ctr"/>
+                <a:lstStyle/>
+                <a:p>
+                  <a:pPr algn="ctr"/>
+                  <a:endParaRPr lang="zh-TW" altLang="en-US">
+                    <a:latin typeface="Times New Roman" panose="02020603050405020304" pitchFamily="18" charset="0"/>
+                    <a:cs typeface="Times New Roman" panose="02020603050405020304" pitchFamily="18" charset="0"/>
+                  </a:endParaRPr>
+                </a:p>
+              </p:txBody>
+            </p:sp>
+            <p:sp>
+              <p:nvSpPr>
+                <p:cNvPr id="30" name="文本框 29"/>
+                <p:cNvSpPr txBox="1"/>
+                <p:nvPr/>
+              </p:nvSpPr>
+              <p:spPr>
+                <a:xfrm>
+                  <a:off x="6069487" y="2859806"/>
+                  <a:ext cx="579647" cy="369332"/>
+                </a:xfrm>
+                <a:prstGeom prst="rect">
+                  <a:avLst/>
+                </a:prstGeom>
+                <a:noFill/>
+                <a:ln>
+                  <a:solidFill>
+                    <a:srgbClr val="0CA09D"/>
+                  </a:solidFill>
+                </a:ln>
+              </p:spPr>
+              <p:txBody>
+                <a:bodyPr wrap="square" rtlCol="0">
+                  <a:spAutoFit/>
+                </a:bodyPr>
+                <a:lstStyle/>
+                <a:p>
+                  <a:r>
+                    <a:rPr lang="en-US" altLang="zh-CN" dirty="0">
+                      <a:solidFill>
+                        <a:schemeClr val="bg1"/>
+                      </a:solidFill>
+                      <a:latin typeface="Times New Roman" panose="02020603050405020304" pitchFamily="18" charset="0"/>
+                      <a:cs typeface="Times New Roman" panose="02020603050405020304" pitchFamily="18" charset="0"/>
+                    </a:rPr>
+                    <a:t>Self</a:t>
+                  </a:r>
+                  <a:endParaRPr lang="zh-TW" altLang="en-US" sz="1400" dirty="0">
+                    <a:solidFill>
+                      <a:schemeClr val="bg1"/>
+                    </a:solidFill>
+                    <a:latin typeface="Times New Roman" panose="02020603050405020304" pitchFamily="18" charset="0"/>
+                    <a:cs typeface="Times New Roman" panose="02020603050405020304" pitchFamily="18" charset="0"/>
+                  </a:endParaRPr>
+                </a:p>
+              </p:txBody>
+            </p:sp>
+            <p:sp>
+              <p:nvSpPr>
+                <p:cNvPr id="31" name="文本框 30"/>
+                <p:cNvSpPr txBox="1"/>
+                <p:nvPr/>
+              </p:nvSpPr>
+              <p:spPr>
+                <a:xfrm>
+                  <a:off x="5694674" y="3296361"/>
+                  <a:ext cx="681957" cy="307777"/>
+                </a:xfrm>
+                <a:prstGeom prst="rect">
+                  <a:avLst/>
+                </a:prstGeom>
+                <a:noFill/>
+                <a:ln>
+                  <a:noFill/>
+                </a:ln>
+              </p:spPr>
+              <p:txBody>
+                <a:bodyPr wrap="square" rtlCol="0">
+                  <a:spAutoFit/>
+                </a:bodyPr>
+                <a:lstStyle/>
+                <a:p>
+                  <a:r>
+                    <a:rPr lang="en-US" altLang="zh-TW" sz="1400" dirty="0">
+                      <a:solidFill>
+                        <a:srgbClr val="0CA09D"/>
+                      </a:solidFill>
+                      <a:latin typeface="Times New Roman" panose="02020603050405020304" pitchFamily="18" charset="0"/>
+                      <a:cs typeface="Times New Roman" panose="02020603050405020304" pitchFamily="18" charset="0"/>
+                    </a:rPr>
+                    <a:t>100</a:t>
+                  </a:r>
+                  <a:r>
+                    <a:rPr lang="en-US" altLang="zh-CN" sz="1400" dirty="0">
+                      <a:solidFill>
+                        <a:srgbClr val="0CA09D"/>
+                      </a:solidFill>
+                      <a:latin typeface="Times New Roman" panose="02020603050405020304" pitchFamily="18" charset="0"/>
+                      <a:cs typeface="Times New Roman" panose="02020603050405020304" pitchFamily="18" charset="0"/>
+                    </a:rPr>
+                    <a:t>ms</a:t>
+                  </a:r>
+                  <a:endParaRPr lang="en-US" altLang="zh-TW" sz="1400" dirty="0">
+                    <a:solidFill>
+                      <a:srgbClr val="0CA09D"/>
+                    </a:solidFill>
+                    <a:latin typeface="Times New Roman" panose="02020603050405020304" pitchFamily="18" charset="0"/>
+                    <a:cs typeface="Times New Roman" panose="02020603050405020304" pitchFamily="18" charset="0"/>
+                  </a:endParaRPr>
+                </a:p>
+              </p:txBody>
+            </p:sp>
+          </p:grpSp>
+          <p:grpSp>
+            <p:nvGrpSpPr>
+              <p:cNvPr id="40" name="组合 39"/>
+              <p:cNvGrpSpPr/>
+              <p:nvPr/>
+            </p:nvGrpSpPr>
+            <p:grpSpPr>
+              <a:xfrm>
+                <a:off x="6423203" y="2797569"/>
+                <a:ext cx="1665624" cy="1455966"/>
+                <a:chOff x="8221750" y="3056379"/>
+                <a:chExt cx="1665624" cy="1455966"/>
+              </a:xfrm>
+            </p:grpSpPr>
+            <p:sp>
+              <p:nvSpPr>
+                <p:cNvPr id="32" name="文本框 31"/>
+                <p:cNvSpPr txBox="1"/>
+                <p:nvPr/>
+              </p:nvSpPr>
+              <p:spPr>
+                <a:xfrm>
+                  <a:off x="8221750" y="4204568"/>
+                  <a:ext cx="1304802" cy="307777"/>
+                </a:xfrm>
+                <a:prstGeom prst="rect">
+                  <a:avLst/>
+                </a:prstGeom>
+                <a:noFill/>
+                <a:ln>
+                  <a:noFill/>
+                </a:ln>
+              </p:spPr>
+              <p:txBody>
+                <a:bodyPr wrap="square" rtlCol="0">
+                  <a:spAutoFit/>
+                </a:bodyPr>
+                <a:lstStyle/>
+                <a:p>
+                  <a:r>
+                    <a:rPr lang="en-US" altLang="zh-TW" sz="1400" dirty="0">
+                      <a:solidFill>
+                        <a:srgbClr val="0CA09D"/>
+                      </a:solidFill>
+                      <a:latin typeface="Times New Roman" panose="02020603050405020304" pitchFamily="18" charset="0"/>
+                      <a:cs typeface="Times New Roman" panose="02020603050405020304" pitchFamily="18" charset="0"/>
+                    </a:rPr>
+                    <a:t>Until response</a:t>
+                  </a:r>
+                </a:p>
+              </p:txBody>
+            </p:sp>
+            <p:sp>
+              <p:nvSpPr>
+                <p:cNvPr id="33" name="矩形 32"/>
+                <p:cNvSpPr/>
+                <p:nvPr/>
+              </p:nvSpPr>
+              <p:spPr>
+                <a:xfrm>
+                  <a:off x="8693139" y="3056379"/>
+                  <a:ext cx="1194235" cy="1145058"/>
+                </a:xfrm>
+                <a:prstGeom prst="rect">
+                  <a:avLst/>
+                </a:prstGeom>
+                <a:solidFill>
+                  <a:srgbClr val="0CA09D"/>
+                </a:solidFill>
+                <a:ln>
+                  <a:solidFill>
+                    <a:srgbClr val="0CA09D"/>
+                  </a:solidFill>
+                </a:ln>
+              </p:spPr>
+              <p:style>
+                <a:lnRef idx="2">
+                  <a:schemeClr val="accent1">
+                    <a:shade val="50000"/>
+                  </a:schemeClr>
+                </a:lnRef>
+                <a:fillRef idx="1">
+                  <a:schemeClr val="accent1"/>
+                </a:fillRef>
+                <a:effectRef idx="0">
+                  <a:schemeClr val="accent1"/>
+                </a:effectRef>
+                <a:fontRef idx="minor">
+                  <a:schemeClr val="lt1"/>
+                </a:fontRef>
+              </p:style>
+              <p:txBody>
+                <a:bodyPr rtlCol="0" anchor="ctr"/>
+                <a:lstStyle/>
+                <a:p>
+                  <a:pPr algn="ctr"/>
+                  <a:endParaRPr lang="zh-TW" altLang="en-US">
+                    <a:latin typeface="Times New Roman" panose="02020603050405020304" pitchFamily="18" charset="0"/>
+                    <a:cs typeface="Times New Roman" panose="02020603050405020304" pitchFamily="18" charset="0"/>
+                  </a:endParaRPr>
+                </a:p>
+              </p:txBody>
+            </p:sp>
+          </p:grpSp>
+          <p:grpSp>
+            <p:nvGrpSpPr>
+              <p:cNvPr id="42" name="组合 41"/>
+              <p:cNvGrpSpPr/>
+              <p:nvPr/>
+            </p:nvGrpSpPr>
+            <p:grpSpPr>
+              <a:xfrm>
+                <a:off x="7613998" y="3607073"/>
+                <a:ext cx="1284272" cy="1445765"/>
+                <a:chOff x="9375897" y="4823255"/>
+                <a:chExt cx="1284272" cy="1445765"/>
+              </a:xfrm>
+            </p:grpSpPr>
+            <p:grpSp>
+              <p:nvGrpSpPr>
+                <p:cNvPr id="37" name="组合 36"/>
+                <p:cNvGrpSpPr/>
+                <p:nvPr/>
+              </p:nvGrpSpPr>
+              <p:grpSpPr>
+                <a:xfrm>
+                  <a:off x="9465934" y="4823255"/>
+                  <a:ext cx="1194235" cy="1145058"/>
+                  <a:chOff x="7838611" y="4036085"/>
+                  <a:chExt cx="1194235" cy="1145058"/>
+                </a:xfrm>
+              </p:grpSpPr>
+              <p:sp>
+                <p:nvSpPr>
+                  <p:cNvPr id="34" name="矩形 33"/>
+                  <p:cNvSpPr/>
+                  <p:nvPr/>
+                </p:nvSpPr>
+                <p:spPr>
+                  <a:xfrm>
+                    <a:off x="7838611" y="4036085"/>
+                    <a:ext cx="1194235" cy="1145058"/>
+                  </a:xfrm>
+                  <a:prstGeom prst="rect">
+                    <a:avLst/>
+                  </a:prstGeom>
+                  <a:solidFill>
+                    <a:srgbClr val="0CA09D"/>
+                  </a:solidFill>
+                  <a:ln>
+                    <a:solidFill>
+                      <a:srgbClr val="0CA09D"/>
+                    </a:solidFill>
+                  </a:ln>
+                </p:spPr>
+                <p:style>
+                  <a:lnRef idx="2">
+                    <a:schemeClr val="accent1">
+                      <a:shade val="50000"/>
+                    </a:schemeClr>
+                  </a:lnRef>
+                  <a:fillRef idx="1">
+                    <a:schemeClr val="accent1"/>
+                  </a:fillRef>
+                  <a:effectRef idx="0">
+                    <a:schemeClr val="accent1"/>
+                  </a:effectRef>
+                  <a:fontRef idx="minor">
+                    <a:schemeClr val="lt1"/>
+                  </a:fontRef>
+                </p:style>
+                <p:txBody>
+                  <a:bodyPr rtlCol="0" anchor="ctr"/>
+                  <a:lstStyle/>
+                  <a:p>
+                    <a:pPr algn="ctr"/>
+                    <a:endParaRPr lang="zh-TW" altLang="en-US">
+                      <a:latin typeface="Times New Roman" panose="02020603050405020304" pitchFamily="18" charset="0"/>
+                      <a:cs typeface="Times New Roman" panose="02020603050405020304" pitchFamily="18" charset="0"/>
+                    </a:endParaRPr>
+                  </a:p>
+                </p:txBody>
+              </p:sp>
+              <p:sp>
+                <p:nvSpPr>
+                  <p:cNvPr id="36" name="文本框 35"/>
+                  <p:cNvSpPr txBox="1"/>
+                  <p:nvPr/>
+                </p:nvSpPr>
+                <p:spPr>
+                  <a:xfrm>
+                    <a:off x="7999242" y="4422615"/>
+                    <a:ext cx="863030" cy="369332"/>
+                  </a:xfrm>
+                  <a:prstGeom prst="rect">
+                    <a:avLst/>
+                  </a:prstGeom>
+                  <a:noFill/>
+                  <a:ln>
+                    <a:solidFill>
+                      <a:srgbClr val="0CA09D"/>
+                    </a:solidFill>
+                  </a:ln>
+                </p:spPr>
+                <p:txBody>
+                  <a:bodyPr wrap="square" rtlCol="0">
+                    <a:spAutoFit/>
+                  </a:bodyPr>
+                  <a:lstStyle/>
+                  <a:p>
+                    <a:r>
+                      <a:rPr lang="en-US" altLang="zh-CN" dirty="0">
+                        <a:solidFill>
+                          <a:schemeClr val="bg1"/>
+                        </a:solidFill>
+                        <a:latin typeface="Times New Roman" panose="02020603050405020304" pitchFamily="18" charset="0"/>
+                        <a:cs typeface="Times New Roman" panose="02020603050405020304" pitchFamily="18" charset="0"/>
+                      </a:rPr>
+                      <a:t>correct</a:t>
+                    </a:r>
+                    <a:endParaRPr lang="zh-TW" altLang="en-US" sz="1400" dirty="0">
+                      <a:solidFill>
+                        <a:schemeClr val="bg1"/>
+                      </a:solidFill>
+                      <a:latin typeface="Times New Roman" panose="02020603050405020304" pitchFamily="18" charset="0"/>
+                      <a:cs typeface="Times New Roman" panose="02020603050405020304" pitchFamily="18" charset="0"/>
+                    </a:endParaRPr>
+                  </a:p>
+                </p:txBody>
+              </p:sp>
+            </p:grpSp>
+            <p:sp>
+              <p:nvSpPr>
+                <p:cNvPr id="41" name="文本框 40"/>
+                <p:cNvSpPr txBox="1"/>
+                <p:nvPr/>
+              </p:nvSpPr>
+              <p:spPr>
+                <a:xfrm>
+                  <a:off x="9375897" y="5961243"/>
+                  <a:ext cx="681957" cy="307777"/>
+                </a:xfrm>
+                <a:prstGeom prst="rect">
+                  <a:avLst/>
+                </a:prstGeom>
+                <a:noFill/>
+                <a:ln>
+                  <a:noFill/>
+                </a:ln>
+              </p:spPr>
+              <p:txBody>
+                <a:bodyPr wrap="square" rtlCol="0">
+                  <a:spAutoFit/>
+                </a:bodyPr>
+                <a:lstStyle/>
+                <a:p>
+                  <a:r>
+                    <a:rPr lang="en-US" altLang="zh-TW" sz="1400" dirty="0">
+                      <a:solidFill>
+                        <a:srgbClr val="0CA09D"/>
+                      </a:solidFill>
+                      <a:latin typeface="Times New Roman" panose="02020603050405020304" pitchFamily="18" charset="0"/>
+                      <a:cs typeface="Times New Roman" panose="02020603050405020304" pitchFamily="18" charset="0"/>
+                    </a:rPr>
+                    <a:t>500</a:t>
+                  </a:r>
+                  <a:r>
+                    <a:rPr lang="en-US" altLang="zh-CN" sz="1400" dirty="0">
+                      <a:solidFill>
+                        <a:srgbClr val="0CA09D"/>
+                      </a:solidFill>
+                      <a:latin typeface="Times New Roman" panose="02020603050405020304" pitchFamily="18" charset="0"/>
+                      <a:cs typeface="Times New Roman" panose="02020603050405020304" pitchFamily="18" charset="0"/>
+                    </a:rPr>
+                    <a:t>ms</a:t>
+                  </a:r>
+                  <a:endParaRPr lang="en-US" altLang="zh-TW" sz="1400" dirty="0">
+                    <a:solidFill>
+                      <a:srgbClr val="0CA09D"/>
+                    </a:solidFill>
+                    <a:latin typeface="Times New Roman" panose="02020603050405020304" pitchFamily="18" charset="0"/>
+                    <a:cs typeface="Times New Roman" panose="02020603050405020304" pitchFamily="18" charset="0"/>
+                  </a:endParaRPr>
+                </a:p>
+              </p:txBody>
+            </p:sp>
+          </p:grpSp>
+          <p:cxnSp>
+            <p:nvCxnSpPr>
+              <p:cNvPr id="21" name="直接箭头连接符 20"/>
+              <p:cNvCxnSpPr/>
+              <p:nvPr/>
+            </p:nvCxnSpPr>
+            <p:spPr>
+              <a:xfrm>
+                <a:off x="4673059" y="2625686"/>
+                <a:ext cx="2540464" cy="2310928"/>
+              </a:xfrm>
+              <a:prstGeom prst="straightConnector1">
+                <a:avLst/>
+              </a:prstGeom>
+              <a:ln w="12700">
+                <a:solidFill>
+                  <a:srgbClr val="0CA09D"/>
+                </a:solidFill>
+                <a:tailEnd type="triangle"/>
+              </a:ln>
+            </p:spPr>
+            <p:style>
+              <a:lnRef idx="1">
+                <a:schemeClr val="accent1"/>
+              </a:lnRef>
+              <a:fillRef idx="0">
+                <a:schemeClr val="accent1"/>
+              </a:fillRef>
+              <a:effectRef idx="0">
+                <a:schemeClr val="accent1"/>
+              </a:effectRef>
+              <a:fontRef idx="minor">
+                <a:schemeClr val="tx1"/>
+              </a:fontRef>
+            </p:style>
+          </p:cxnSp>
+        </p:grpSp>
+        <p:sp>
+          <p:nvSpPr>
+            <p:cNvPr id="16" name="矩形 15"/>
+            <p:cNvSpPr/>
+            <p:nvPr/>
+          </p:nvSpPr>
+          <p:spPr>
+            <a:xfrm>
+              <a:off x="1104901" y="1343026"/>
+              <a:ext cx="4914899" cy="4476749"/>
+            </a:xfrm>
+            <a:prstGeom prst="rect">
+              <a:avLst/>
+            </a:prstGeom>
+            <a:noFill/>
+            <a:ln w="19050">
+              <a:solidFill>
+                <a:srgbClr val="0CA09D"/>
+              </a:solidFill>
+              <a:prstDash val="dash"/>
+            </a:ln>
+          </p:spPr>
+          <p:style>
+            <a:lnRef idx="2">
+              <a:schemeClr val="accent1">
+                <a:shade val="50000"/>
+              </a:schemeClr>
+            </a:lnRef>
+            <a:fillRef idx="1">
+              <a:schemeClr val="accent1"/>
+            </a:fillRef>
+            <a:effectRef idx="0">
+              <a:schemeClr val="accent1"/>
+            </a:effectRef>
+            <a:fontRef idx="minor">
+              <a:schemeClr val="lt1"/>
+            </a:fontRef>
+          </p:style>
+          <p:txBody>
+            <a:bodyPr rtlCol="0" anchor="ctr"/>
+            <a:lstStyle/>
+            <a:p>
+              <a:pPr algn="ctr"/>
+              <a:endParaRPr lang="zh-TW" altLang="en-US">
+                <a:latin typeface="Times New Roman" panose="02020603050405020304" pitchFamily="18" charset="0"/>
+                <a:cs typeface="Times New Roman" panose="02020603050405020304" pitchFamily="18" charset="0"/>
+              </a:endParaRPr>
+            </a:p>
+          </p:txBody>
+        </p:sp>
+      </p:grpSp>
+      <p:grpSp>
+        <p:nvGrpSpPr>
+          <p:cNvPr id="43" name="组合 42"/>
+          <p:cNvGrpSpPr/>
+          <p:nvPr/>
+        </p:nvGrpSpPr>
+        <p:grpSpPr>
+          <a:xfrm>
+            <a:off x="6533010" y="2165351"/>
+            <a:ext cx="4914899" cy="4476749"/>
+            <a:chOff x="1104901" y="1343026"/>
+            <a:chExt cx="4914899" cy="4476749"/>
+          </a:xfrm>
+        </p:grpSpPr>
+        <p:grpSp>
+          <p:nvGrpSpPr>
+            <p:cNvPr id="45" name="组合 44"/>
+            <p:cNvGrpSpPr/>
+            <p:nvPr/>
+          </p:nvGrpSpPr>
+          <p:grpSpPr>
+            <a:xfrm>
+              <a:off x="1440591" y="1642785"/>
+              <a:ext cx="4225211" cy="3883129"/>
+              <a:chOff x="4673059" y="1169709"/>
+              <a:chExt cx="4225211" cy="3883129"/>
+            </a:xfrm>
+          </p:grpSpPr>
+          <p:grpSp>
+            <p:nvGrpSpPr>
+              <p:cNvPr id="47" name="组合 46"/>
+              <p:cNvGrpSpPr/>
+              <p:nvPr/>
+            </p:nvGrpSpPr>
+            <p:grpSpPr>
+              <a:xfrm>
+                <a:off x="5113336" y="1169709"/>
+                <a:ext cx="1279075" cy="1434644"/>
+                <a:chOff x="5113336" y="1169709"/>
+                <a:chExt cx="1279075" cy="1434644"/>
+              </a:xfrm>
+            </p:grpSpPr>
+            <p:sp>
+              <p:nvSpPr>
+                <p:cNvPr id="64" name="文本框 63"/>
+                <p:cNvSpPr txBox="1"/>
+                <p:nvPr/>
+              </p:nvSpPr>
+              <p:spPr>
+                <a:xfrm>
+                  <a:off x="5113336" y="2296576"/>
+                  <a:ext cx="681957" cy="307777"/>
+                </a:xfrm>
+                <a:prstGeom prst="rect">
+                  <a:avLst/>
+                </a:prstGeom>
+                <a:noFill/>
+              </p:spPr>
+              <p:txBody>
+                <a:bodyPr wrap="square" rtlCol="0">
+                  <a:spAutoFit/>
+                </a:bodyPr>
+                <a:lstStyle/>
+                <a:p>
+                  <a:r>
+                    <a:rPr lang="en-US" altLang="zh-TW" sz="1400" dirty="0">
+                      <a:solidFill>
+                        <a:srgbClr val="0CA09D"/>
+                      </a:solidFill>
+                      <a:latin typeface="Times New Roman" panose="02020603050405020304" pitchFamily="18" charset="0"/>
+                      <a:cs typeface="Times New Roman" panose="02020603050405020304" pitchFamily="18" charset="0"/>
+                    </a:rPr>
+                    <a:t>500</a:t>
+                  </a:r>
+                  <a:r>
+                    <a:rPr lang="en-US" altLang="zh-CN" sz="1400" dirty="0">
+                      <a:solidFill>
+                        <a:srgbClr val="0CA09D"/>
+                      </a:solidFill>
+                      <a:latin typeface="Times New Roman" panose="02020603050405020304" pitchFamily="18" charset="0"/>
+                      <a:cs typeface="Times New Roman" panose="02020603050405020304" pitchFamily="18" charset="0"/>
+                    </a:rPr>
+                    <a:t>ms</a:t>
+                  </a:r>
+                  <a:endParaRPr lang="en-US" altLang="zh-TW" sz="1400" dirty="0">
+                    <a:solidFill>
+                      <a:srgbClr val="0CA09D"/>
+                    </a:solidFill>
+                    <a:latin typeface="Times New Roman" panose="02020603050405020304" pitchFamily="18" charset="0"/>
+                    <a:cs typeface="Times New Roman" panose="02020603050405020304" pitchFamily="18" charset="0"/>
+                  </a:endParaRPr>
+                </a:p>
+              </p:txBody>
+            </p:sp>
+            <p:grpSp>
+              <p:nvGrpSpPr>
+                <p:cNvPr id="65" name="组合 64"/>
+                <p:cNvGrpSpPr/>
+                <p:nvPr/>
+              </p:nvGrpSpPr>
+              <p:grpSpPr>
+                <a:xfrm>
+                  <a:off x="5198176" y="1169709"/>
+                  <a:ext cx="1194235" cy="1145058"/>
+                  <a:chOff x="5198176" y="1169709"/>
+                  <a:chExt cx="1194235" cy="1145058"/>
+                </a:xfrm>
+              </p:grpSpPr>
+              <p:sp>
+                <p:nvSpPr>
+                  <p:cNvPr id="66" name="矩形 65"/>
+                  <p:cNvSpPr/>
+                  <p:nvPr/>
+                </p:nvSpPr>
+                <p:spPr>
+                  <a:xfrm>
+                    <a:off x="5198176" y="1169709"/>
+                    <a:ext cx="1194235" cy="1145058"/>
+                  </a:xfrm>
+                  <a:prstGeom prst="rect">
+                    <a:avLst/>
+                  </a:prstGeom>
+                  <a:solidFill>
+                    <a:srgbClr val="0CA09D"/>
+                  </a:solidFill>
+                  <a:ln>
+                    <a:solidFill>
+                      <a:schemeClr val="bg1"/>
+                    </a:solidFill>
+                  </a:ln>
+                </p:spPr>
+                <p:style>
+                  <a:lnRef idx="2">
+                    <a:schemeClr val="accent1">
+                      <a:shade val="50000"/>
+                    </a:schemeClr>
+                  </a:lnRef>
+                  <a:fillRef idx="1">
+                    <a:schemeClr val="accent1"/>
+                  </a:fillRef>
+                  <a:effectRef idx="0">
+                    <a:schemeClr val="accent1"/>
+                  </a:effectRef>
+                  <a:fontRef idx="minor">
+                    <a:schemeClr val="lt1"/>
+                  </a:fontRef>
+                </p:style>
+                <p:txBody>
+                  <a:bodyPr rtlCol="0" anchor="ctr"/>
+                  <a:lstStyle/>
+                  <a:p>
+                    <a:pPr algn="ctr"/>
+                    <a:endParaRPr lang="zh-TW" altLang="en-US">
+                      <a:latin typeface="Times New Roman" panose="02020603050405020304" pitchFamily="18" charset="0"/>
+                      <a:cs typeface="Times New Roman" panose="02020603050405020304" pitchFamily="18" charset="0"/>
+                    </a:endParaRPr>
+                  </a:p>
+                </p:txBody>
+              </p:sp>
+              <p:sp>
+                <p:nvSpPr>
+                  <p:cNvPr id="67" name="文本框 66"/>
+                  <p:cNvSpPr txBox="1"/>
+                  <p:nvPr/>
+                </p:nvSpPr>
+                <p:spPr>
+                  <a:xfrm>
+                    <a:off x="5608732" y="1469526"/>
+                    <a:ext cx="357189" cy="523220"/>
+                  </a:xfrm>
+                  <a:prstGeom prst="rect">
+                    <a:avLst/>
+                  </a:prstGeom>
+                  <a:noFill/>
+                </p:spPr>
+                <p:txBody>
+                  <a:bodyPr wrap="square" rtlCol="0">
+                    <a:spAutoFit/>
+                  </a:bodyPr>
+                  <a:lstStyle/>
+                  <a:p>
+                    <a:r>
+                      <a:rPr lang="en-US" altLang="zh-TW" sz="2800" dirty="0">
+                        <a:solidFill>
+                          <a:schemeClr val="bg1"/>
+                        </a:solidFill>
+                        <a:latin typeface="Times New Roman" panose="02020603050405020304" pitchFamily="18" charset="0"/>
+                        <a:cs typeface="Times New Roman" panose="02020603050405020304" pitchFamily="18" charset="0"/>
+                      </a:rPr>
+                      <a:t>+</a:t>
+                    </a:r>
+                    <a:endParaRPr lang="zh-TW" altLang="en-US" dirty="0">
+                      <a:solidFill>
+                        <a:schemeClr val="bg1"/>
+                      </a:solidFill>
+                      <a:latin typeface="Times New Roman" panose="02020603050405020304" pitchFamily="18" charset="0"/>
+                      <a:cs typeface="Times New Roman" panose="02020603050405020304" pitchFamily="18" charset="0"/>
+                    </a:endParaRPr>
+                  </a:p>
+                </p:txBody>
+              </p:sp>
+            </p:grpSp>
+          </p:grpSp>
+          <p:grpSp>
+            <p:nvGrpSpPr>
+              <p:cNvPr id="48" name="组合 47"/>
+              <p:cNvGrpSpPr/>
+              <p:nvPr/>
+            </p:nvGrpSpPr>
+            <p:grpSpPr>
+              <a:xfrm>
+                <a:off x="5981855" y="1992843"/>
+                <a:ext cx="1247603" cy="1430251"/>
+                <a:chOff x="5694674" y="2173887"/>
+                <a:chExt cx="1247603" cy="1430251"/>
+              </a:xfrm>
+            </p:grpSpPr>
+            <p:grpSp>
+              <p:nvGrpSpPr>
+                <p:cNvPr id="58" name="组合 57"/>
+                <p:cNvGrpSpPr/>
+                <p:nvPr/>
+              </p:nvGrpSpPr>
+              <p:grpSpPr>
+                <a:xfrm>
+                  <a:off x="5748042" y="2173887"/>
+                  <a:ext cx="1194235" cy="1145058"/>
+                  <a:chOff x="5198176" y="1169709"/>
+                  <a:chExt cx="1194235" cy="1145058"/>
+                </a:xfrm>
+              </p:grpSpPr>
+              <p:sp>
+                <p:nvSpPr>
+                  <p:cNvPr id="62" name="矩形 61"/>
+                  <p:cNvSpPr/>
+                  <p:nvPr/>
+                </p:nvSpPr>
+                <p:spPr>
+                  <a:xfrm>
+                    <a:off x="5198176" y="1169709"/>
+                    <a:ext cx="1194235" cy="1145058"/>
+                  </a:xfrm>
+                  <a:prstGeom prst="rect">
+                    <a:avLst/>
+                  </a:prstGeom>
+                  <a:solidFill>
+                    <a:srgbClr val="0CA09D"/>
+                  </a:solidFill>
+                  <a:ln>
+                    <a:solidFill>
+                      <a:schemeClr val="bg1"/>
+                    </a:solidFill>
+                  </a:ln>
+                </p:spPr>
+                <p:style>
+                  <a:lnRef idx="2">
+                    <a:schemeClr val="accent1">
+                      <a:shade val="50000"/>
+                    </a:schemeClr>
+                  </a:lnRef>
+                  <a:fillRef idx="1">
+                    <a:schemeClr val="accent1"/>
+                  </a:fillRef>
+                  <a:effectRef idx="0">
+                    <a:schemeClr val="accent1"/>
+                  </a:effectRef>
+                  <a:fontRef idx="minor">
+                    <a:schemeClr val="lt1"/>
+                  </a:fontRef>
+                </p:style>
+                <p:txBody>
+                  <a:bodyPr rtlCol="0" anchor="ctr"/>
+                  <a:lstStyle/>
+                  <a:p>
+                    <a:pPr algn="ctr"/>
+                    <a:endParaRPr lang="zh-TW" altLang="en-US">
+                      <a:latin typeface="Times New Roman" panose="02020603050405020304" pitchFamily="18" charset="0"/>
+                      <a:cs typeface="Times New Roman" panose="02020603050405020304" pitchFamily="18" charset="0"/>
+                    </a:endParaRPr>
+                  </a:p>
+                </p:txBody>
+              </p:sp>
+              <p:sp>
+                <p:nvSpPr>
+                  <p:cNvPr id="63" name="文本框 62"/>
+                  <p:cNvSpPr txBox="1"/>
+                  <p:nvPr/>
+                </p:nvSpPr>
+                <p:spPr>
+                  <a:xfrm>
+                    <a:off x="5624666" y="1480628"/>
+                    <a:ext cx="341254" cy="523220"/>
+                  </a:xfrm>
+                  <a:prstGeom prst="rect">
+                    <a:avLst/>
+                  </a:prstGeom>
+                  <a:noFill/>
+                </p:spPr>
+                <p:txBody>
+                  <a:bodyPr wrap="square" rtlCol="0">
+                    <a:spAutoFit/>
+                  </a:bodyPr>
+                  <a:lstStyle/>
+                  <a:p>
+                    <a:r>
+                      <a:rPr lang="en-US" altLang="zh-TW" sz="2800" dirty="0">
+                        <a:solidFill>
+                          <a:schemeClr val="bg1"/>
+                        </a:solidFill>
+                        <a:latin typeface="Times New Roman" panose="02020603050405020304" pitchFamily="18" charset="0"/>
+                        <a:cs typeface="Times New Roman" panose="02020603050405020304" pitchFamily="18" charset="0"/>
+                      </a:rPr>
+                      <a:t>+</a:t>
+                    </a:r>
+                    <a:endParaRPr lang="zh-TW" altLang="en-US" dirty="0">
+                      <a:solidFill>
+                        <a:schemeClr val="bg1"/>
+                      </a:solidFill>
+                      <a:latin typeface="Times New Roman" panose="02020603050405020304" pitchFamily="18" charset="0"/>
+                      <a:cs typeface="Times New Roman" panose="02020603050405020304" pitchFamily="18" charset="0"/>
+                    </a:endParaRPr>
+                  </a:p>
+                </p:txBody>
+              </p:sp>
+            </p:grpSp>
+            <p:sp>
+              <p:nvSpPr>
+                <p:cNvPr id="59" name="矩形 58"/>
+                <p:cNvSpPr/>
+                <p:nvPr/>
+              </p:nvSpPr>
+              <p:spPr>
+                <a:xfrm>
+                  <a:off x="6236738" y="2344289"/>
+                  <a:ext cx="254941" cy="251874"/>
+                </a:xfrm>
+                <a:prstGeom prst="rect">
+                  <a:avLst/>
+                </a:prstGeom>
+                <a:solidFill>
+                  <a:srgbClr val="0CA09D"/>
+                </a:solidFill>
+                <a:ln w="19050">
+                  <a:solidFill>
+                    <a:schemeClr val="bg1"/>
+                  </a:solidFill>
+                </a:ln>
+              </p:spPr>
+              <p:style>
+                <a:lnRef idx="2">
+                  <a:schemeClr val="accent1">
+                    <a:shade val="50000"/>
+                  </a:schemeClr>
+                </a:lnRef>
+                <a:fillRef idx="1">
+                  <a:schemeClr val="accent1"/>
+                </a:fillRef>
+                <a:effectRef idx="0">
+                  <a:schemeClr val="accent1"/>
+                </a:effectRef>
+                <a:fontRef idx="minor">
+                  <a:schemeClr val="lt1"/>
+                </a:fontRef>
+              </p:style>
+              <p:txBody>
+                <a:bodyPr rtlCol="0" anchor="ctr"/>
+                <a:lstStyle/>
+                <a:p>
+                  <a:pPr algn="ctr"/>
+                  <a:endParaRPr lang="zh-TW" altLang="en-US">
+                    <a:latin typeface="Times New Roman" panose="02020603050405020304" pitchFamily="18" charset="0"/>
+                    <a:cs typeface="Times New Roman" panose="02020603050405020304" pitchFamily="18" charset="0"/>
+                  </a:endParaRPr>
+                </a:p>
+              </p:txBody>
+            </p:sp>
+            <p:sp>
+              <p:nvSpPr>
+                <p:cNvPr id="60" name="文本框 59"/>
+                <p:cNvSpPr txBox="1"/>
+                <p:nvPr/>
+              </p:nvSpPr>
+              <p:spPr>
+                <a:xfrm>
+                  <a:off x="6051591" y="2859806"/>
+                  <a:ext cx="616593" cy="369332"/>
+                </a:xfrm>
+                <a:prstGeom prst="rect">
+                  <a:avLst/>
+                </a:prstGeom>
+                <a:noFill/>
+              </p:spPr>
+              <p:txBody>
+                <a:bodyPr wrap="square" rtlCol="0">
+                  <a:spAutoFit/>
+                </a:bodyPr>
+                <a:lstStyle/>
+                <a:p>
+                  <a:r>
+                    <a:rPr lang="en-US" altLang="zh-CN" dirty="0">
+                      <a:solidFill>
+                        <a:schemeClr val="bg1"/>
+                      </a:solidFill>
+                      <a:latin typeface="Times New Roman" panose="02020603050405020304" pitchFamily="18" charset="0"/>
+                      <a:cs typeface="Times New Roman" panose="02020603050405020304" pitchFamily="18" charset="0"/>
+                    </a:rPr>
+                    <a:t>Self</a:t>
+                  </a:r>
+                  <a:endParaRPr lang="zh-TW" altLang="en-US" sz="1400" dirty="0">
+                    <a:solidFill>
+                      <a:schemeClr val="bg1"/>
+                    </a:solidFill>
+                    <a:latin typeface="Times New Roman" panose="02020603050405020304" pitchFamily="18" charset="0"/>
+                    <a:cs typeface="Times New Roman" panose="02020603050405020304" pitchFamily="18" charset="0"/>
+                  </a:endParaRPr>
+                </a:p>
+              </p:txBody>
+            </p:sp>
+            <p:sp>
+              <p:nvSpPr>
+                <p:cNvPr id="61" name="文本框 60"/>
+                <p:cNvSpPr txBox="1"/>
+                <p:nvPr/>
+              </p:nvSpPr>
+              <p:spPr>
+                <a:xfrm>
+                  <a:off x="5694674" y="3296361"/>
+                  <a:ext cx="681957" cy="307777"/>
+                </a:xfrm>
+                <a:prstGeom prst="rect">
+                  <a:avLst/>
+                </a:prstGeom>
+                <a:noFill/>
+              </p:spPr>
+              <p:txBody>
+                <a:bodyPr wrap="square" rtlCol="0">
+                  <a:spAutoFit/>
+                </a:bodyPr>
+                <a:lstStyle/>
+                <a:p>
+                  <a:r>
+                    <a:rPr lang="en-US" altLang="zh-TW" sz="1400" dirty="0">
+                      <a:solidFill>
+                        <a:srgbClr val="0CA09D"/>
+                      </a:solidFill>
+                      <a:latin typeface="Times New Roman" panose="02020603050405020304" pitchFamily="18" charset="0"/>
+                      <a:cs typeface="Times New Roman" panose="02020603050405020304" pitchFamily="18" charset="0"/>
+                    </a:rPr>
+                    <a:t>100</a:t>
+                  </a:r>
+                  <a:r>
+                    <a:rPr lang="en-US" altLang="zh-CN" sz="1400" dirty="0">
+                      <a:solidFill>
+                        <a:srgbClr val="0CA09D"/>
+                      </a:solidFill>
+                      <a:latin typeface="Times New Roman" panose="02020603050405020304" pitchFamily="18" charset="0"/>
+                      <a:cs typeface="Times New Roman" panose="02020603050405020304" pitchFamily="18" charset="0"/>
+                    </a:rPr>
+                    <a:t>ms</a:t>
+                  </a:r>
+                  <a:endParaRPr lang="en-US" altLang="zh-TW" sz="1400" dirty="0">
+                    <a:solidFill>
+                      <a:srgbClr val="0CA09D"/>
+                    </a:solidFill>
+                    <a:latin typeface="Times New Roman" panose="02020603050405020304" pitchFamily="18" charset="0"/>
+                    <a:cs typeface="Times New Roman" panose="02020603050405020304" pitchFamily="18" charset="0"/>
+                  </a:endParaRPr>
+                </a:p>
+              </p:txBody>
+            </p:sp>
+          </p:grpSp>
+          <p:grpSp>
+            <p:nvGrpSpPr>
+              <p:cNvPr id="49" name="组合 48"/>
+              <p:cNvGrpSpPr/>
+              <p:nvPr/>
+            </p:nvGrpSpPr>
+            <p:grpSpPr>
+              <a:xfrm>
+                <a:off x="6366053" y="2797569"/>
+                <a:ext cx="1722774" cy="1455966"/>
+                <a:chOff x="8164600" y="3056379"/>
+                <a:chExt cx="1722774" cy="1455966"/>
+              </a:xfrm>
+            </p:grpSpPr>
+            <p:sp>
+              <p:nvSpPr>
+                <p:cNvPr id="56" name="文本框 55"/>
+                <p:cNvSpPr txBox="1"/>
+                <p:nvPr/>
+              </p:nvSpPr>
+              <p:spPr>
+                <a:xfrm>
+                  <a:off x="8164600" y="4204568"/>
+                  <a:ext cx="1430044" cy="307777"/>
+                </a:xfrm>
+                <a:prstGeom prst="rect">
+                  <a:avLst/>
+                </a:prstGeom>
+                <a:noFill/>
+              </p:spPr>
+              <p:txBody>
+                <a:bodyPr wrap="square" rtlCol="0">
+                  <a:spAutoFit/>
+                </a:bodyPr>
+                <a:lstStyle/>
+                <a:p>
+                  <a:r>
+                    <a:rPr lang="en-US" altLang="zh-TW" sz="1400" dirty="0">
+                      <a:solidFill>
+                        <a:srgbClr val="0CA09D"/>
+                      </a:solidFill>
+                      <a:latin typeface="Times New Roman" panose="02020603050405020304" pitchFamily="18" charset="0"/>
+                      <a:cs typeface="Times New Roman" panose="02020603050405020304" pitchFamily="18" charset="0"/>
+                    </a:rPr>
+                    <a:t>200ms ~ 1500ms</a:t>
+                  </a:r>
+                </a:p>
+              </p:txBody>
+            </p:sp>
+            <p:sp>
+              <p:nvSpPr>
+                <p:cNvPr id="57" name="矩形 56"/>
+                <p:cNvSpPr/>
+                <p:nvPr/>
+              </p:nvSpPr>
+              <p:spPr>
+                <a:xfrm>
+                  <a:off x="8693139" y="3056379"/>
+                  <a:ext cx="1194235" cy="1145058"/>
+                </a:xfrm>
+                <a:prstGeom prst="rect">
+                  <a:avLst/>
+                </a:prstGeom>
+                <a:solidFill>
+                  <a:srgbClr val="0CA09D"/>
+                </a:solidFill>
+                <a:ln>
+                  <a:solidFill>
+                    <a:schemeClr val="bg1"/>
+                  </a:solidFill>
+                </a:ln>
+              </p:spPr>
+              <p:style>
+                <a:lnRef idx="2">
+                  <a:schemeClr val="accent1">
+                    <a:shade val="50000"/>
+                  </a:schemeClr>
+                </a:lnRef>
+                <a:fillRef idx="1">
+                  <a:schemeClr val="accent1"/>
+                </a:fillRef>
+                <a:effectRef idx="0">
+                  <a:schemeClr val="accent1"/>
+                </a:effectRef>
+                <a:fontRef idx="minor">
+                  <a:schemeClr val="lt1"/>
+                </a:fontRef>
+              </p:style>
+              <p:txBody>
+                <a:bodyPr rtlCol="0" anchor="ctr"/>
+                <a:lstStyle/>
+                <a:p>
+                  <a:pPr algn="ctr"/>
+                  <a:endParaRPr lang="zh-TW" altLang="en-US">
+                    <a:latin typeface="Times New Roman" panose="02020603050405020304" pitchFamily="18" charset="0"/>
+                    <a:cs typeface="Times New Roman" panose="02020603050405020304" pitchFamily="18" charset="0"/>
+                  </a:endParaRPr>
+                </a:p>
+              </p:txBody>
+            </p:sp>
+          </p:grpSp>
+          <p:grpSp>
+            <p:nvGrpSpPr>
+              <p:cNvPr id="50" name="组合 49"/>
+              <p:cNvGrpSpPr/>
+              <p:nvPr/>
+            </p:nvGrpSpPr>
+            <p:grpSpPr>
+              <a:xfrm>
+                <a:off x="7613997" y="3607073"/>
+                <a:ext cx="1284273" cy="1445765"/>
+                <a:chOff x="9375896" y="4823255"/>
+                <a:chExt cx="1284273" cy="1445765"/>
+              </a:xfrm>
+            </p:grpSpPr>
+            <p:sp>
+              <p:nvSpPr>
+                <p:cNvPr id="54" name="矩形 53"/>
+                <p:cNvSpPr/>
+                <p:nvPr/>
+              </p:nvSpPr>
+              <p:spPr>
+                <a:xfrm>
+                  <a:off x="9465934" y="4823255"/>
+                  <a:ext cx="1194235" cy="1145058"/>
+                </a:xfrm>
+                <a:prstGeom prst="rect">
+                  <a:avLst/>
+                </a:prstGeom>
+                <a:solidFill>
+                  <a:srgbClr val="0CA09D"/>
+                </a:solidFill>
+                <a:ln>
+                  <a:solidFill>
+                    <a:schemeClr val="bg1"/>
+                  </a:solidFill>
+                </a:ln>
+              </p:spPr>
+              <p:style>
+                <a:lnRef idx="2">
+                  <a:schemeClr val="accent1">
+                    <a:shade val="50000"/>
+                  </a:schemeClr>
+                </a:lnRef>
+                <a:fillRef idx="1">
+                  <a:schemeClr val="accent1"/>
+                </a:fillRef>
+                <a:effectRef idx="0">
+                  <a:schemeClr val="accent1"/>
+                </a:effectRef>
+                <a:fontRef idx="minor">
+                  <a:schemeClr val="lt1"/>
+                </a:fontRef>
+              </p:style>
+              <p:txBody>
+                <a:bodyPr rtlCol="0" anchor="ctr"/>
+                <a:lstStyle/>
+                <a:p>
+                  <a:pPr algn="ctr"/>
+                  <a:endParaRPr lang="zh-TW" altLang="en-US">
+                    <a:latin typeface="Times New Roman" panose="02020603050405020304" pitchFamily="18" charset="0"/>
+                    <a:cs typeface="Times New Roman" panose="02020603050405020304" pitchFamily="18" charset="0"/>
+                  </a:endParaRPr>
+                </a:p>
+              </p:txBody>
+            </p:sp>
+            <p:sp>
+              <p:nvSpPr>
+                <p:cNvPr id="53" name="文本框 52"/>
+                <p:cNvSpPr txBox="1"/>
+                <p:nvPr/>
+              </p:nvSpPr>
+              <p:spPr>
+                <a:xfrm>
+                  <a:off x="9375896" y="5961243"/>
+                  <a:ext cx="1210799" cy="307777"/>
+                </a:xfrm>
+                <a:prstGeom prst="rect">
+                  <a:avLst/>
+                </a:prstGeom>
+                <a:noFill/>
+              </p:spPr>
+              <p:txBody>
+                <a:bodyPr wrap="square" rtlCol="0">
+                  <a:spAutoFit/>
+                </a:bodyPr>
+                <a:lstStyle/>
+                <a:p>
+                  <a:r>
+                    <a:rPr lang="en-US" altLang="zh-TW" sz="1400" dirty="0">
+                      <a:solidFill>
+                        <a:srgbClr val="0CA09D"/>
+                      </a:solidFill>
+                      <a:latin typeface="Times New Roman" panose="02020603050405020304" pitchFamily="18" charset="0"/>
+                      <a:cs typeface="Times New Roman" panose="02020603050405020304" pitchFamily="18" charset="0"/>
+                    </a:rPr>
+                    <a:t>ITI 0 ~ 500</a:t>
+                  </a:r>
+                  <a:r>
+                    <a:rPr lang="en-US" altLang="zh-CN" sz="1400" dirty="0">
+                      <a:solidFill>
+                        <a:srgbClr val="0CA09D"/>
+                      </a:solidFill>
+                      <a:latin typeface="Times New Roman" panose="02020603050405020304" pitchFamily="18" charset="0"/>
+                      <a:cs typeface="Times New Roman" panose="02020603050405020304" pitchFamily="18" charset="0"/>
+                    </a:rPr>
+                    <a:t>ms</a:t>
+                  </a:r>
+                  <a:endParaRPr lang="en-US" altLang="zh-TW" sz="1400" dirty="0">
+                    <a:solidFill>
+                      <a:srgbClr val="0CA09D"/>
+                    </a:solidFill>
+                    <a:latin typeface="Times New Roman" panose="02020603050405020304" pitchFamily="18" charset="0"/>
+                    <a:cs typeface="Times New Roman" panose="02020603050405020304" pitchFamily="18" charset="0"/>
+                  </a:endParaRPr>
+                </a:p>
+              </p:txBody>
+            </p:sp>
+          </p:grpSp>
+          <p:cxnSp>
+            <p:nvCxnSpPr>
+              <p:cNvPr id="51" name="直接箭头连接符 50"/>
+              <p:cNvCxnSpPr/>
+              <p:nvPr/>
+            </p:nvCxnSpPr>
+            <p:spPr>
+              <a:xfrm>
+                <a:off x="4673059" y="2625686"/>
+                <a:ext cx="2540464" cy="2310928"/>
+              </a:xfrm>
+              <a:prstGeom prst="straightConnector1">
+                <a:avLst/>
+              </a:prstGeom>
+              <a:ln w="12700">
+                <a:solidFill>
+                  <a:srgbClr val="0CA09D"/>
+                </a:solidFill>
+                <a:tailEnd type="triangle"/>
+              </a:ln>
+            </p:spPr>
+            <p:style>
+              <a:lnRef idx="1">
+                <a:schemeClr val="accent1"/>
+              </a:lnRef>
+              <a:fillRef idx="0">
+                <a:schemeClr val="accent1"/>
+              </a:fillRef>
+              <a:effectRef idx="0">
+                <a:schemeClr val="accent1"/>
+              </a:effectRef>
+              <a:fontRef idx="minor">
+                <a:schemeClr val="tx1"/>
+              </a:fontRef>
+            </p:style>
+          </p:cxnSp>
+        </p:grpSp>
+        <p:sp>
+          <p:nvSpPr>
+            <p:cNvPr id="46" name="矩形 45"/>
+            <p:cNvSpPr/>
+            <p:nvPr/>
+          </p:nvSpPr>
+          <p:spPr>
+            <a:xfrm>
+              <a:off x="1104901" y="1343026"/>
+              <a:ext cx="4914899" cy="4476749"/>
+            </a:xfrm>
+            <a:prstGeom prst="rect">
+              <a:avLst/>
+            </a:prstGeom>
+            <a:noFill/>
+            <a:ln w="19050">
+              <a:solidFill>
+                <a:srgbClr val="0CA09D"/>
+              </a:solidFill>
+              <a:prstDash val="dash"/>
+            </a:ln>
+          </p:spPr>
+          <p:style>
+            <a:lnRef idx="2">
+              <a:schemeClr val="accent1">
+                <a:shade val="50000"/>
+              </a:schemeClr>
+            </a:lnRef>
+            <a:fillRef idx="1">
+              <a:schemeClr val="accent1"/>
+            </a:fillRef>
+            <a:effectRef idx="0">
+              <a:schemeClr val="accent1"/>
+            </a:effectRef>
+            <a:fontRef idx="minor">
+              <a:schemeClr val="lt1"/>
+            </a:fontRef>
+          </p:style>
+          <p:txBody>
+            <a:bodyPr rtlCol="0" anchor="ctr"/>
+            <a:lstStyle/>
+            <a:p>
+              <a:pPr algn="ctr"/>
+              <a:endParaRPr lang="zh-TW" altLang="en-US">
+                <a:latin typeface="Times New Roman" panose="02020603050405020304" pitchFamily="18" charset="0"/>
+                <a:cs typeface="Times New Roman" panose="02020603050405020304" pitchFamily="18" charset="0"/>
+              </a:endParaRPr>
+            </a:p>
+          </p:txBody>
+        </p:sp>
+      </p:grpSp>
+      <p:sp>
+        <p:nvSpPr>
+          <p:cNvPr id="68" name="圆角矩形 67"/>
+          <p:cNvSpPr/>
+          <p:nvPr/>
+        </p:nvSpPr>
+        <p:spPr>
+          <a:xfrm>
+            <a:off x="1231900" y="1251407"/>
+            <a:ext cx="3933128" cy="749300"/>
+          </a:xfrm>
+          <a:prstGeom prst="roundRect">
+            <a:avLst/>
+          </a:prstGeom>
+          <a:solidFill>
+            <a:srgbClr val="0CA09D"/>
+          </a:solidFill>
+          <a:ln>
+            <a:noFill/>
+          </a:ln>
+        </p:spPr>
+        <p:style>
+          <a:lnRef idx="2">
+            <a:schemeClr val="accent1">
+              <a:shade val="50000"/>
+            </a:schemeClr>
+          </a:lnRef>
+          <a:fillRef idx="1">
+            <a:schemeClr val="accent1"/>
+          </a:fillRef>
+          <a:effectRef idx="0">
+            <a:schemeClr val="accent1"/>
+          </a:effectRef>
+          <a:fontRef idx="minor">
+            <a:schemeClr val="lt1"/>
+          </a:fontRef>
+        </p:style>
+        <p:txBody>
+          <a:bodyPr rtlCol="0" anchor="ctr"/>
+          <a:lstStyle/>
+          <a:p>
+            <a:pPr algn="ctr"/>
+            <a:r>
+              <a:rPr lang="en-US" altLang="zh-TW" sz="3600" b="1" dirty="0">
+                <a:latin typeface="Times New Roman" panose="02020603050405020304" pitchFamily="18" charset="0"/>
+                <a:cs typeface="Times New Roman" panose="02020603050405020304" pitchFamily="18" charset="0"/>
+              </a:rPr>
+              <a:t>Practice Trials</a:t>
+            </a:r>
+            <a:endParaRPr lang="zh-TW" altLang="en-US" sz="3600" b="1" dirty="0">
+              <a:latin typeface="Times New Roman" panose="02020603050405020304" pitchFamily="18" charset="0"/>
+              <a:cs typeface="Times New Roman" panose="02020603050405020304" pitchFamily="18" charset="0"/>
+            </a:endParaRPr>
+          </a:p>
+        </p:txBody>
+      </p:sp>
+      <p:sp>
+        <p:nvSpPr>
+          <p:cNvPr id="69" name="圆角矩形 68"/>
+          <p:cNvSpPr/>
+          <p:nvPr/>
+        </p:nvSpPr>
+        <p:spPr>
+          <a:xfrm>
+            <a:off x="7023896" y="1279140"/>
+            <a:ext cx="3933128" cy="749300"/>
+          </a:xfrm>
+          <a:prstGeom prst="roundRect">
+            <a:avLst/>
+          </a:prstGeom>
+          <a:solidFill>
+            <a:srgbClr val="0CA09D"/>
+          </a:solidFill>
+          <a:ln>
+            <a:noFill/>
+          </a:ln>
+        </p:spPr>
+        <p:style>
+          <a:lnRef idx="2">
+            <a:schemeClr val="accent1">
+              <a:shade val="50000"/>
+            </a:schemeClr>
+          </a:lnRef>
+          <a:fillRef idx="1">
+            <a:schemeClr val="accent1"/>
+          </a:fillRef>
+          <a:effectRef idx="0">
+            <a:schemeClr val="accent1"/>
+          </a:effectRef>
+          <a:fontRef idx="minor">
+            <a:schemeClr val="lt1"/>
+          </a:fontRef>
+        </p:style>
+        <p:txBody>
+          <a:bodyPr rtlCol="0" anchor="ctr"/>
+          <a:lstStyle/>
+          <a:p>
+            <a:pPr algn="ctr"/>
+            <a:r>
+              <a:rPr lang="en-US" altLang="zh-TW" sz="3600" b="1" dirty="0">
+                <a:latin typeface="Times New Roman" panose="02020603050405020304" pitchFamily="18" charset="0"/>
+                <a:cs typeface="Times New Roman" panose="02020603050405020304" pitchFamily="18" charset="0"/>
+              </a:rPr>
+              <a:t>Formal Trials</a:t>
+            </a:r>
+            <a:endParaRPr lang="zh-TW" altLang="en-US" sz="3600" b="1" dirty="0">
+              <a:latin typeface="Times New Roman" panose="02020603050405020304" pitchFamily="18" charset="0"/>
+              <a:cs typeface="Times New Roman" panose="02020603050405020304" pitchFamily="18" charset="0"/>
+            </a:endParaRPr>
+          </a:p>
+        </p:txBody>
+      </p:sp>
+      <p:sp>
+        <p:nvSpPr>
+          <p:cNvPr id="70" name="圆角矩形 69"/>
+          <p:cNvSpPr/>
+          <p:nvPr/>
+        </p:nvSpPr>
+        <p:spPr>
+          <a:xfrm>
+            <a:off x="750514" y="269044"/>
+            <a:ext cx="10697396" cy="736600"/>
+          </a:xfrm>
+          <a:prstGeom prst="roundRect">
+            <a:avLst/>
+          </a:prstGeom>
+          <a:solidFill>
+            <a:srgbClr val="0CA09D"/>
+          </a:solidFill>
+          <a:ln>
+            <a:noFill/>
+          </a:ln>
+        </p:spPr>
+        <p:style>
+          <a:lnRef idx="2">
+            <a:schemeClr val="accent1">
+              <a:shade val="50000"/>
+            </a:schemeClr>
+          </a:lnRef>
+          <a:fillRef idx="1">
+            <a:schemeClr val="accent1"/>
+          </a:fillRef>
+          <a:effectRef idx="0">
+            <a:schemeClr val="accent1"/>
+          </a:effectRef>
+          <a:fontRef idx="minor">
+            <a:schemeClr val="lt1"/>
+          </a:fontRef>
+        </p:style>
+        <p:txBody>
+          <a:bodyPr rtlCol="0" anchor="ctr"/>
+          <a:lstStyle/>
+          <a:p>
+            <a:pPr algn="ctr"/>
+            <a:r>
+              <a:rPr lang="en-US" altLang="zh-TW" sz="3600" b="1" dirty="0">
+                <a:solidFill>
+                  <a:schemeClr val="bg1"/>
+                </a:solidFill>
+                <a:latin typeface="Times New Roman" panose="02020603050405020304" pitchFamily="18" charset="0"/>
+                <a:cs typeface="Times New Roman" panose="02020603050405020304" pitchFamily="18" charset="0"/>
+              </a:rPr>
+              <a:t>Matching Task</a:t>
+            </a:r>
+            <a:endParaRPr lang="zh-TW" altLang="en-US" sz="3600" b="1" dirty="0">
+              <a:solidFill>
+                <a:schemeClr val="bg1"/>
+              </a:solidFill>
+              <a:latin typeface="Times New Roman" panose="02020603050405020304" pitchFamily="18" charset="0"/>
+              <a:cs typeface="Times New Roman" panose="02020603050405020304" pitchFamily="18" charset="0"/>
+            </a:endParaRPr>
+          </a:p>
+        </p:txBody>
+      </p:sp>
+    </p:spTree>
+    <p:extLst>
+      <p:ext uri="{BB962C8B-B14F-4D97-AF65-F5344CB8AC3E}">
+        <p14:creationId xmlns:p14="http://schemas.microsoft.com/office/powerpoint/2010/main" val="3599253577"/>
+      </p:ext>
+    </p:extLst>
+  </p:cSld>
+  <p:clrMapOvr>
+    <a:masterClrMapping/>
+  </p:clrMapOvr>
+</p:sld>
+</file>
+
+<file path=ppt/slides/slide5.xml><?xml version="1.0" encoding="utf-8"?>
 <p:sld xmlns:a="http://schemas.openxmlformats.org/drawingml/2006/main" xmlns:r="http://schemas.openxmlformats.org/officeDocument/2006/relationships" xmlns:p="http://schemas.openxmlformats.org/presentationml/2006/main">
   <p:cSld>
     <p:bg>
@@ -7325,7 +9910,7 @@
 </p:sld>
 </file>
 
-<file path=ppt/slides/slide5.xml><?xml version="1.0" encoding="utf-8"?>
+<file path=ppt/slides/slide6.xml><?xml version="1.0" encoding="utf-8"?>
 <p:sld xmlns:a="http://schemas.openxmlformats.org/drawingml/2006/main" xmlns:r="http://schemas.openxmlformats.org/officeDocument/2006/relationships" xmlns:p="http://schemas.openxmlformats.org/presentationml/2006/main">
   <p:cSld>
     <p:spTree>
@@ -7444,7 +10029,127 @@
 </p:sld>
 </file>
 
-<file path=ppt/slides/slide6.xml><?xml version="1.0" encoding="utf-8"?>
+<file path=ppt/slides/slide7.xml><?xml version="1.0" encoding="utf-8"?>
+<p:sld xmlns:a="http://schemas.openxmlformats.org/drawingml/2006/main" xmlns:r="http://schemas.openxmlformats.org/officeDocument/2006/relationships" xmlns:p="http://schemas.openxmlformats.org/presentationml/2006/main">
+  <p:cSld>
+    <p:spTree>
+      <p:nvGrpSpPr>
+        <p:cNvPr id="1" name=""/>
+        <p:cNvGrpSpPr/>
+        <p:nvPr/>
+      </p:nvGrpSpPr>
+      <p:grpSpPr>
+        <a:xfrm>
+          <a:off x="0" y="0"/>
+          <a:ext cx="0" cy="0"/>
+          <a:chOff x="0" y="0"/>
+          <a:chExt cx="0" cy="0"/>
+        </a:xfrm>
+      </p:grpSpPr>
+      <p:pic>
+        <p:nvPicPr>
+          <p:cNvPr id="2" name="图片 1">
+            <a:extLst>
+              <a:ext uri="{FF2B5EF4-FFF2-40B4-BE49-F238E27FC236}">
+                <a16:creationId xmlns:a16="http://schemas.microsoft.com/office/drawing/2014/main" id="{21C0A622-1F60-A87B-7E1C-D98A32721C73}"/>
+              </a:ext>
+            </a:extLst>
+          </p:cNvPr>
+          <p:cNvPicPr>
+            <a:picLocks noChangeAspect="1"/>
+          </p:cNvPicPr>
+          <p:nvPr/>
+        </p:nvPicPr>
+        <p:blipFill>
+          <a:blip r:embed="rId2"/>
+          <a:stretch>
+            <a:fillRect/>
+          </a:stretch>
+        </p:blipFill>
+        <p:spPr>
+          <a:xfrm>
+            <a:off x="4124082" y="1089025"/>
+            <a:ext cx="7842210" cy="4710679"/>
+          </a:xfrm>
+          <a:prstGeom prst="rect">
+            <a:avLst/>
+          </a:prstGeom>
+        </p:spPr>
+      </p:pic>
+      <p:pic>
+        <p:nvPicPr>
+          <p:cNvPr id="3" name="图片 2">
+            <a:extLst>
+              <a:ext uri="{FF2B5EF4-FFF2-40B4-BE49-F238E27FC236}">
+                <a16:creationId xmlns:a16="http://schemas.microsoft.com/office/drawing/2014/main" id="{C135D277-48CC-FD06-CF3B-9E2198F6E66F}"/>
+              </a:ext>
+            </a:extLst>
+          </p:cNvPr>
+          <p:cNvPicPr>
+            <a:picLocks noChangeAspect="1"/>
+          </p:cNvPicPr>
+          <p:nvPr/>
+        </p:nvPicPr>
+        <p:blipFill>
+          <a:blip r:embed="rId3"/>
+          <a:stretch>
+            <a:fillRect/>
+          </a:stretch>
+        </p:blipFill>
+        <p:spPr>
+          <a:xfrm>
+            <a:off x="321733" y="1089025"/>
+            <a:ext cx="3367528" cy="685306"/>
+          </a:xfrm>
+          <a:prstGeom prst="rect">
+            <a:avLst/>
+          </a:prstGeom>
+        </p:spPr>
+      </p:pic>
+      <p:pic>
+        <p:nvPicPr>
+          <p:cNvPr id="4" name="图片 3">
+            <a:extLst>
+              <a:ext uri="{FF2B5EF4-FFF2-40B4-BE49-F238E27FC236}">
+                <a16:creationId xmlns:a16="http://schemas.microsoft.com/office/drawing/2014/main" id="{0F5FA80C-170E-A093-C98A-83CA2BE5E8B7}"/>
+              </a:ext>
+            </a:extLst>
+          </p:cNvPr>
+          <p:cNvPicPr>
+            <a:picLocks noChangeAspect="1"/>
+          </p:cNvPicPr>
+          <p:nvPr/>
+        </p:nvPicPr>
+        <p:blipFill>
+          <a:blip r:embed="rId4"/>
+          <a:stretch>
+            <a:fillRect/>
+          </a:stretch>
+        </p:blipFill>
+        <p:spPr>
+          <a:xfrm>
+            <a:off x="279398" y="2794901"/>
+            <a:ext cx="2895851" cy="2639797"/>
+          </a:xfrm>
+          <a:prstGeom prst="rect">
+            <a:avLst/>
+          </a:prstGeom>
+        </p:spPr>
+      </p:pic>
+    </p:spTree>
+    <p:extLst>
+      <p:ext uri="{BB962C8B-B14F-4D97-AF65-F5344CB8AC3E}">
+        <p14:creationId xmlns:p14="http://schemas.microsoft.com/office/powerpoint/2010/main" val="1684288617"/>
+      </p:ext>
+    </p:extLst>
+  </p:cSld>
+  <p:clrMapOvr>
+    <a:masterClrMapping/>
+  </p:clrMapOvr>
+</p:sld>
+</file>
+
+<file path=ppt/slides/slide8.xml><?xml version="1.0" encoding="utf-8"?>
 <p:sld xmlns:a="http://schemas.openxmlformats.org/drawingml/2006/main" xmlns:r="http://schemas.openxmlformats.org/officeDocument/2006/relationships" xmlns:p="http://schemas.openxmlformats.org/presentationml/2006/main">
   <p:cSld>
     <p:spTree>
@@ -7563,7 +10268,7 @@
 </p:sld>
 </file>
 
-<file path=ppt/slides/slide7.xml><?xml version="1.0" encoding="utf-8"?>
+<file path=ppt/slides/slide9.xml><?xml version="1.0" encoding="utf-8"?>
 <p:sld xmlns:a="http://schemas.openxmlformats.org/drawingml/2006/main" xmlns:r="http://schemas.openxmlformats.org/officeDocument/2006/relationships" xmlns:p="http://schemas.openxmlformats.org/presentationml/2006/main">
   <p:cSld>
     <p:spTree>

--- a/1_Protocol/1_2_Planned_Analysis/1_2_2_OUTPUT/SALT.pptx
+++ b/1_Protocol/1_2_Planned_Analysis/1_2_2_OUTPUT/SALT.pptx
@@ -272,7 +272,7 @@
           <a:p>
             <a:fld id="{1C0A0098-AADB-4028-80F8-1CEEF4DE9F6F}" type="datetimeFigureOut">
               <a:rPr lang="zh-TW" altLang="en-US" smtClean="0"/>
-              <a:t>2023/9/29</a:t>
+              <a:t>2023/10/8</a:t>
             </a:fld>
             <a:endParaRPr lang="zh-TW" altLang="en-US"/>
           </a:p>
@@ -442,7 +442,7 @@
           <a:p>
             <a:fld id="{1C0A0098-AADB-4028-80F8-1CEEF4DE9F6F}" type="datetimeFigureOut">
               <a:rPr lang="zh-TW" altLang="en-US" smtClean="0"/>
-              <a:t>2023/9/29</a:t>
+              <a:t>2023/10/8</a:t>
             </a:fld>
             <a:endParaRPr lang="zh-TW" altLang="en-US"/>
           </a:p>
@@ -622,7 +622,7 @@
           <a:p>
             <a:fld id="{1C0A0098-AADB-4028-80F8-1CEEF4DE9F6F}" type="datetimeFigureOut">
               <a:rPr lang="zh-TW" altLang="en-US" smtClean="0"/>
-              <a:t>2023/9/29</a:t>
+              <a:t>2023/10/8</a:t>
             </a:fld>
             <a:endParaRPr lang="zh-TW" altLang="en-US"/>
           </a:p>
@@ -792,7 +792,7 @@
           <a:p>
             <a:fld id="{1C0A0098-AADB-4028-80F8-1CEEF4DE9F6F}" type="datetimeFigureOut">
               <a:rPr lang="zh-TW" altLang="en-US" smtClean="0"/>
-              <a:t>2023/9/29</a:t>
+              <a:t>2023/10/8</a:t>
             </a:fld>
             <a:endParaRPr lang="zh-TW" altLang="en-US"/>
           </a:p>
@@ -1038,7 +1038,7 @@
           <a:p>
             <a:fld id="{1C0A0098-AADB-4028-80F8-1CEEF4DE9F6F}" type="datetimeFigureOut">
               <a:rPr lang="zh-TW" altLang="en-US" smtClean="0"/>
-              <a:t>2023/9/29</a:t>
+              <a:t>2023/10/8</a:t>
             </a:fld>
             <a:endParaRPr lang="zh-TW" altLang="en-US"/>
           </a:p>
@@ -1270,7 +1270,7 @@
           <a:p>
             <a:fld id="{1C0A0098-AADB-4028-80F8-1CEEF4DE9F6F}" type="datetimeFigureOut">
               <a:rPr lang="zh-TW" altLang="en-US" smtClean="0"/>
-              <a:t>2023/9/29</a:t>
+              <a:t>2023/10/8</a:t>
             </a:fld>
             <a:endParaRPr lang="zh-TW" altLang="en-US"/>
           </a:p>
@@ -1637,7 +1637,7 @@
           <a:p>
             <a:fld id="{1C0A0098-AADB-4028-80F8-1CEEF4DE9F6F}" type="datetimeFigureOut">
               <a:rPr lang="zh-TW" altLang="en-US" smtClean="0"/>
-              <a:t>2023/9/29</a:t>
+              <a:t>2023/10/8</a:t>
             </a:fld>
             <a:endParaRPr lang="zh-TW" altLang="en-US"/>
           </a:p>
@@ -1755,7 +1755,7 @@
           <a:p>
             <a:fld id="{1C0A0098-AADB-4028-80F8-1CEEF4DE9F6F}" type="datetimeFigureOut">
               <a:rPr lang="zh-TW" altLang="en-US" smtClean="0"/>
-              <a:t>2023/9/29</a:t>
+              <a:t>2023/10/8</a:t>
             </a:fld>
             <a:endParaRPr lang="zh-TW" altLang="en-US"/>
           </a:p>
@@ -1850,7 +1850,7 @@
           <a:p>
             <a:fld id="{1C0A0098-AADB-4028-80F8-1CEEF4DE9F6F}" type="datetimeFigureOut">
               <a:rPr lang="zh-TW" altLang="en-US" smtClean="0"/>
-              <a:t>2023/9/29</a:t>
+              <a:t>2023/10/8</a:t>
             </a:fld>
             <a:endParaRPr lang="zh-TW" altLang="en-US"/>
           </a:p>
@@ -2127,7 +2127,7 @@
           <a:p>
             <a:fld id="{1C0A0098-AADB-4028-80F8-1CEEF4DE9F6F}" type="datetimeFigureOut">
               <a:rPr lang="zh-TW" altLang="en-US" smtClean="0"/>
-              <a:t>2023/9/29</a:t>
+              <a:t>2023/10/8</a:t>
             </a:fld>
             <a:endParaRPr lang="zh-TW" altLang="en-US"/>
           </a:p>
@@ -2380,7 +2380,7 @@
           <a:p>
             <a:fld id="{1C0A0098-AADB-4028-80F8-1CEEF4DE9F6F}" type="datetimeFigureOut">
               <a:rPr lang="zh-TW" altLang="en-US" smtClean="0"/>
-              <a:t>2023/9/29</a:t>
+              <a:t>2023/10/8</a:t>
             </a:fld>
             <a:endParaRPr lang="zh-TW" altLang="en-US"/>
           </a:p>
@@ -2593,7 +2593,7 @@
           <a:p>
             <a:fld id="{1C0A0098-AADB-4028-80F8-1CEEF4DE9F6F}" type="datetimeFigureOut">
               <a:rPr lang="zh-TW" altLang="en-US" smtClean="0"/>
-              <a:t>2023/9/29</a:t>
+              <a:t>2023/10/8</a:t>
             </a:fld>
             <a:endParaRPr lang="zh-TW" altLang="en-US"/>
           </a:p>
@@ -6570,7 +6570,7 @@
                 </a:solidFill>
                 <a:ln w="19050">
                   <a:solidFill>
-                    <a:srgbClr val="0CA09D"/>
+                    <a:schemeClr val="bg1"/>
                   </a:solidFill>
                 </a:ln>
               </p:spPr>
@@ -10048,36 +10048,6 @@
       </p:grpSpPr>
       <p:pic>
         <p:nvPicPr>
-          <p:cNvPr id="2" name="图片 1">
-            <a:extLst>
-              <a:ext uri="{FF2B5EF4-FFF2-40B4-BE49-F238E27FC236}">
-                <a16:creationId xmlns:a16="http://schemas.microsoft.com/office/drawing/2014/main" id="{21C0A622-1F60-A87B-7E1C-D98A32721C73}"/>
-              </a:ext>
-            </a:extLst>
-          </p:cNvPr>
-          <p:cNvPicPr>
-            <a:picLocks noChangeAspect="1"/>
-          </p:cNvPicPr>
-          <p:nvPr/>
-        </p:nvPicPr>
-        <p:blipFill>
-          <a:blip r:embed="rId2"/>
-          <a:stretch>
-            <a:fillRect/>
-          </a:stretch>
-        </p:blipFill>
-        <p:spPr>
-          <a:xfrm>
-            <a:off x="4124082" y="1089025"/>
-            <a:ext cx="7842210" cy="4710679"/>
-          </a:xfrm>
-          <a:prstGeom prst="rect">
-            <a:avLst/>
-          </a:prstGeom>
-        </p:spPr>
-      </p:pic>
-      <p:pic>
-        <p:nvPicPr>
           <p:cNvPr id="3" name="图片 2">
             <a:extLst>
               <a:ext uri="{FF2B5EF4-FFF2-40B4-BE49-F238E27FC236}">
@@ -10091,7 +10061,7 @@
           <p:nvPr/>
         </p:nvPicPr>
         <p:blipFill>
-          <a:blip r:embed="rId3"/>
+          <a:blip r:embed="rId2"/>
           <a:stretch>
             <a:fillRect/>
           </a:stretch>
@@ -10121,7 +10091,7 @@
           <p:nvPr/>
         </p:nvPicPr>
         <p:blipFill>
-          <a:blip r:embed="rId4"/>
+          <a:blip r:embed="rId3"/>
           <a:stretch>
             <a:fillRect/>
           </a:stretch>
@@ -10130,6 +10100,36 @@
           <a:xfrm>
             <a:off x="279398" y="2794901"/>
             <a:ext cx="2895851" cy="2639797"/>
+          </a:xfrm>
+          <a:prstGeom prst="rect">
+            <a:avLst/>
+          </a:prstGeom>
+        </p:spPr>
+      </p:pic>
+      <p:pic>
+        <p:nvPicPr>
+          <p:cNvPr id="5" name="图片 4">
+            <a:extLst>
+              <a:ext uri="{FF2B5EF4-FFF2-40B4-BE49-F238E27FC236}">
+                <a16:creationId xmlns:a16="http://schemas.microsoft.com/office/drawing/2014/main" id="{B04CE7E8-0447-04D4-0C57-7367722F9BC0}"/>
+              </a:ext>
+            </a:extLst>
+          </p:cNvPr>
+          <p:cNvPicPr>
+            <a:picLocks noChangeAspect="1"/>
+          </p:cNvPicPr>
+          <p:nvPr/>
+        </p:nvPicPr>
+        <p:blipFill>
+          <a:blip r:embed="rId4"/>
+          <a:stretch>
+            <a:fillRect/>
+          </a:stretch>
+        </p:blipFill>
+        <p:spPr>
+          <a:xfrm>
+            <a:off x="3938360" y="1089025"/>
+            <a:ext cx="7974242" cy="4789988"/>
           </a:xfrm>
           <a:prstGeom prst="rect">
             <a:avLst/>
